--- a/lecture-materials/Security/sts/sts.pptx
+++ b/lecture-materials/Security/sts/sts.pptx
@@ -5,12 +5,14 @@
     <p:sldMasterId id="2147483648" r:id="rId1"/>
   </p:sldMasterIdLst>
   <p:notesMasterIdLst>
-    <p:notesMasterId r:id="rId5"/>
+    <p:notesMasterId r:id="rId7"/>
   </p:notesMasterIdLst>
   <p:sldIdLst>
-    <p:sldId id="305" r:id="rId2"/>
+    <p:sldId id="308" r:id="rId2"/>
     <p:sldId id="306" r:id="rId3"/>
-    <p:sldId id="307" r:id="rId4"/>
+    <p:sldId id="310" r:id="rId4"/>
+    <p:sldId id="309" r:id="rId5"/>
+    <p:sldId id="307" r:id="rId6"/>
   </p:sldIdLst>
   <p:sldSz cx="12192000" cy="6858000"/>
   <p:notesSz cx="6858000" cy="9144000"/>
@@ -199,7 +201,7 @@
           <a:p>
             <a:fld id="{7E7CC8E9-B0B9-B849-94EA-BFA9A1C4EC86}" type="datetimeFigureOut">
               <a:rPr lang="en-CH" smtClean="0"/>
-              <a:t>03.09.23</a:t>
+              <a:t>03.12.2023</a:t>
             </a:fld>
             <a:endParaRPr lang="en-CH"/>
           </a:p>
@@ -472,7 +474,7 @@
   <p:cSld>
     <p:spTree>
       <p:nvGrpSpPr>
-        <p:cNvPr id="1" name="Shape 439"/>
+        <p:cNvPr id="1" name="Shape 445"/>
         <p:cNvGrpSpPr/>
         <p:nvPr/>
       </p:nvGrpSpPr>
@@ -486,7 +488,7 @@
       </p:grpSpPr>
       <p:sp>
         <p:nvSpPr>
-          <p:cNvPr id="440" name="Google Shape;440;g25f3499ded4_0_675:notes"/>
+          <p:cNvPr id="446" name="Google Shape;446;g25f3499ded4_0_680:notes"/>
           <p:cNvSpPr>
             <a:spLocks noGrp="1" noRot="1" noChangeAspect="1"/>
           </p:cNvSpPr>
@@ -527,7 +529,7 @@
       </p:sp>
       <p:sp>
         <p:nvSpPr>
-          <p:cNvPr id="441" name="Google Shape;441;g25f3499ded4_0_675:notes"/>
+          <p:cNvPr id="447" name="Google Shape;447;g25f3499ded4_0_680:notes"/>
           <p:cNvSpPr txBox="1">
             <a:spLocks noGrp="1"/>
           </p:cNvSpPr>
@@ -576,7 +578,7 @@
   <p:cSld>
     <p:spTree>
       <p:nvGrpSpPr>
-        <p:cNvPr id="1" name="Shape 445"/>
+        <p:cNvPr id="1" name="Shape 454"/>
         <p:cNvGrpSpPr/>
         <p:nvPr/>
       </p:nvGrpSpPr>
@@ -590,7 +592,7 @@
       </p:grpSpPr>
       <p:sp>
         <p:nvSpPr>
-          <p:cNvPr id="446" name="Google Shape;446;g25f3499ded4_0_680:notes"/>
+          <p:cNvPr id="455" name="Google Shape;455;g25f3499ded4_0_688:notes"/>
           <p:cNvSpPr>
             <a:spLocks noGrp="1" noRot="1" noChangeAspect="1"/>
           </p:cNvSpPr>
@@ -631,7 +633,7 @@
       </p:sp>
       <p:sp>
         <p:nvSpPr>
-          <p:cNvPr id="447" name="Google Shape;447;g25f3499ded4_0_680:notes"/>
+          <p:cNvPr id="456" name="Google Shape;456;g25f3499ded4_0_688:notes"/>
           <p:cNvSpPr txBox="1">
             <a:spLocks noGrp="1"/>
           </p:cNvSpPr>
@@ -668,6 +670,11 @@
         </p:txBody>
       </p:sp>
     </p:spTree>
+    <p:extLst>
+      <p:ext uri="{BB962C8B-B14F-4D97-AF65-F5344CB8AC3E}">
+        <p14:creationId xmlns:p14="http://schemas.microsoft.com/office/powerpoint/2010/main" val="4234212005"/>
+      </p:ext>
+    </p:extLst>
   </p:cSld>
   <p:clrMapOvr>
     <a:masterClrMapping/>
@@ -928,7 +935,7 @@
           <a:p>
             <a:fld id="{322C9020-58D6-4B4B-AE71-CBBD8D6FD410}" type="datetimeFigureOut">
               <a:rPr lang="en-CH" smtClean="0"/>
-              <a:t>03.09.23</a:t>
+              <a:t>03.12.2023</a:t>
             </a:fld>
             <a:endParaRPr lang="en-CH"/>
           </a:p>
@@ -1128,7 +1135,7 @@
           <a:p>
             <a:fld id="{322C9020-58D6-4B4B-AE71-CBBD8D6FD410}" type="datetimeFigureOut">
               <a:rPr lang="en-CH" smtClean="0"/>
-              <a:t>03.09.23</a:t>
+              <a:t>03.12.2023</a:t>
             </a:fld>
             <a:endParaRPr lang="en-CH"/>
           </a:p>
@@ -1338,7 +1345,7 @@
           <a:p>
             <a:fld id="{322C9020-58D6-4B4B-AE71-CBBD8D6FD410}" type="datetimeFigureOut">
               <a:rPr lang="en-CH" smtClean="0"/>
-              <a:t>03.09.23</a:t>
+              <a:t>03.12.2023</a:t>
             </a:fld>
             <a:endParaRPr lang="en-CH"/>
           </a:p>
@@ -1937,7 +1944,7 @@
           <a:p>
             <a:fld id="{322C9020-58D6-4B4B-AE71-CBBD8D6FD410}" type="datetimeFigureOut">
               <a:rPr lang="en-CH" smtClean="0"/>
-              <a:t>03.09.23</a:t>
+              <a:t>03.12.2023</a:t>
             </a:fld>
             <a:endParaRPr lang="en-CH"/>
           </a:p>
@@ -2213,7 +2220,7 @@
           <a:p>
             <a:fld id="{322C9020-58D6-4B4B-AE71-CBBD8D6FD410}" type="datetimeFigureOut">
               <a:rPr lang="en-CH" smtClean="0"/>
-              <a:t>03.09.23</a:t>
+              <a:t>03.12.2023</a:t>
             </a:fld>
             <a:endParaRPr lang="en-CH"/>
           </a:p>
@@ -2481,7 +2488,7 @@
           <a:p>
             <a:fld id="{322C9020-58D6-4B4B-AE71-CBBD8D6FD410}" type="datetimeFigureOut">
               <a:rPr lang="en-CH" smtClean="0"/>
-              <a:t>03.09.23</a:t>
+              <a:t>03.12.2023</a:t>
             </a:fld>
             <a:endParaRPr lang="en-CH"/>
           </a:p>
@@ -2896,7 +2903,7 @@
           <a:p>
             <a:fld id="{322C9020-58D6-4B4B-AE71-CBBD8D6FD410}" type="datetimeFigureOut">
               <a:rPr lang="en-CH" smtClean="0"/>
-              <a:t>03.09.23</a:t>
+              <a:t>03.12.2023</a:t>
             </a:fld>
             <a:endParaRPr lang="en-CH"/>
           </a:p>
@@ -3038,7 +3045,7 @@
           <a:p>
             <a:fld id="{322C9020-58D6-4B4B-AE71-CBBD8D6FD410}" type="datetimeFigureOut">
               <a:rPr lang="en-CH" smtClean="0"/>
-              <a:t>03.09.23</a:t>
+              <a:t>03.12.2023</a:t>
             </a:fld>
             <a:endParaRPr lang="en-CH"/>
           </a:p>
@@ -3151,7 +3158,7 @@
           <a:p>
             <a:fld id="{322C9020-58D6-4B4B-AE71-CBBD8D6FD410}" type="datetimeFigureOut">
               <a:rPr lang="en-CH" smtClean="0"/>
-              <a:t>03.09.23</a:t>
+              <a:t>03.12.2023</a:t>
             </a:fld>
             <a:endParaRPr lang="en-CH"/>
           </a:p>
@@ -3464,7 +3471,7 @@
           <a:p>
             <a:fld id="{322C9020-58D6-4B4B-AE71-CBBD8D6FD410}" type="datetimeFigureOut">
               <a:rPr lang="en-CH" smtClean="0"/>
-              <a:t>03.09.23</a:t>
+              <a:t>03.12.2023</a:t>
             </a:fld>
             <a:endParaRPr lang="en-CH"/>
           </a:p>
@@ -3753,7 +3760,7 @@
           <a:p>
             <a:fld id="{322C9020-58D6-4B4B-AE71-CBBD8D6FD410}" type="datetimeFigureOut">
               <a:rPr lang="en-CH" smtClean="0"/>
-              <a:t>03.09.23</a:t>
+              <a:t>03.12.2023</a:t>
             </a:fld>
             <a:endParaRPr lang="en-CH"/>
           </a:p>
@@ -3996,7 +4003,7 @@
           <a:p>
             <a:fld id="{322C9020-58D6-4B4B-AE71-CBBD8D6FD410}" type="datetimeFigureOut">
               <a:rPr lang="en-CH" smtClean="0"/>
-              <a:t>03.09.23</a:t>
+              <a:t>03.12.2023</a:t>
             </a:fld>
             <a:endParaRPr lang="en-CH"/>
           </a:p>
@@ -4400,9 +4407,17 @@
 <file path=ppt/slides/slide1.xml><?xml version="1.0" encoding="utf-8"?>
 <p:sld xmlns:a="http://schemas.openxmlformats.org/drawingml/2006/main" xmlns:r="http://schemas.openxmlformats.org/officeDocument/2006/relationships" xmlns:p="http://schemas.openxmlformats.org/presentationml/2006/main">
   <p:cSld>
+    <p:bg>
+      <p:bgPr>
+        <a:solidFill>
+          <a:schemeClr val="bg1"/>
+        </a:solidFill>
+        <a:effectLst/>
+      </p:bgPr>
+    </p:bg>
     <p:spTree>
       <p:nvGrpSpPr>
-        <p:cNvPr id="1" name="Shape 442"/>
+        <p:cNvPr id="1" name=""/>
         <p:cNvGrpSpPr/>
         <p:nvPr/>
       </p:nvGrpSpPr>
@@ -4414,83 +4429,421 @@
           <a:chExt cx="0" cy="0"/>
         </a:xfrm>
       </p:grpSpPr>
-      <p:sp>
-        <p:nvSpPr>
-          <p:cNvPr id="443" name="Google Shape;443;p77"/>
-          <p:cNvSpPr txBox="1">
-            <a:spLocks noGrp="1"/>
-          </p:cNvSpPr>
-          <p:nvPr>
-            <p:ph type="title"/>
+      <p:sp useBgFill="1">
+        <p:nvSpPr>
+          <p:cNvPr id="10" name="Rectangle 9">
+            <a:extLst>
+              <a:ext uri="{FF2B5EF4-FFF2-40B4-BE49-F238E27FC236}">
+                <a16:creationId xmlns:a16="http://schemas.microsoft.com/office/drawing/2014/main" id="{665DBBEF-238B-476B-96AB-8AAC3224ECEA}"/>
+              </a:ext>
+              <a:ext uri="{C183D7F6-B498-43B3-948B-1728B52AA6E4}">
+                <adec:decorative xmlns:adec="http://schemas.microsoft.com/office/drawing/2017/decorative" val="1"/>
+              </a:ext>
+            </a:extLst>
+          </p:cNvPr>
+          <p:cNvSpPr>
+            <a:spLocks noGrp="1" noRot="1" noChangeAspect="1" noMove="1" noResize="1" noEditPoints="1" noAdjustHandles="1" noChangeArrowheads="1" noChangeShapeType="1" noTextEdit="1"/>
+          </p:cNvSpPr>
+          <p:nvPr>
+            <p:extLst>
+              <p:ext uri="{386F3935-93C4-4BCD-93E2-E3B085C9AB24}">
+                <p16:designElem xmlns:p16="http://schemas.microsoft.com/office/powerpoint/2015/main" val="1"/>
+              </p:ext>
+            </p:extLst>
           </p:nvPr>
         </p:nvSpPr>
         <p:spPr>
           <a:xfrm>
-            <a:off x="838200" y="365125"/>
-            <a:ext cx="10515600" cy="1325600"/>
+            <a:off x="0" y="0"/>
+            <a:ext cx="12192000" cy="6858000"/>
+          </a:xfrm>
+          <a:prstGeom prst="rect">
+            <a:avLst/>
+          </a:prstGeom>
+          <a:ln>
+            <a:noFill/>
+          </a:ln>
+        </p:spPr>
+        <p:style>
+          <a:lnRef idx="2">
+            <a:schemeClr val="accent1">
+              <a:shade val="50000"/>
+            </a:schemeClr>
+          </a:lnRef>
+          <a:fillRef idx="1">
+            <a:schemeClr val="accent1"/>
+          </a:fillRef>
+          <a:effectRef idx="0">
+            <a:schemeClr val="accent1"/>
+          </a:effectRef>
+          <a:fontRef idx="minor">
+            <a:schemeClr val="lt1"/>
+          </a:fontRef>
+        </p:style>
+        <p:txBody>
+          <a:bodyPr rtlCol="0" anchor="ctr"/>
+          <a:lstStyle/>
+          <a:p>
+            <a:pPr algn="ctr"/>
+            <a:endParaRPr lang="en-US"/>
+          </a:p>
+        </p:txBody>
+      </p:sp>
+      <p:sp>
+        <p:nvSpPr>
+          <p:cNvPr id="2" name="Title 1">
+            <a:extLst>
+              <a:ext uri="{FF2B5EF4-FFF2-40B4-BE49-F238E27FC236}">
+                <a16:creationId xmlns:a16="http://schemas.microsoft.com/office/drawing/2014/main" id="{FB2F0F55-A1A0-CBD6-30B6-8FB36DCEC76E}"/>
+              </a:ext>
+            </a:extLst>
+          </p:cNvPr>
+          <p:cNvSpPr>
+            <a:spLocks noGrp="1"/>
+          </p:cNvSpPr>
+          <p:nvPr>
+            <p:ph type="ctrTitle"/>
+          </p:nvPr>
+        </p:nvSpPr>
+        <p:spPr>
+          <a:xfrm>
+            <a:off x="638882" y="639193"/>
+            <a:ext cx="3571810" cy="3573516"/>
+          </a:xfrm>
+        </p:spPr>
+        <p:txBody>
+          <a:bodyPr>
+            <a:normAutofit/>
+          </a:bodyPr>
+          <a:lstStyle/>
+          <a:p>
+            <a:pPr algn="l"/>
+            <a:r>
+              <a:rPr lang="en" sz="6600" dirty="0"/>
+              <a:t>AWS STS</a:t>
+            </a:r>
+            <a:endParaRPr lang="en-CH" sz="6600" dirty="0"/>
+          </a:p>
+        </p:txBody>
+      </p:sp>
+      <p:sp>
+        <p:nvSpPr>
+          <p:cNvPr id="12" name="sketch line">
+            <a:extLst>
+              <a:ext uri="{FF2B5EF4-FFF2-40B4-BE49-F238E27FC236}">
+                <a16:creationId xmlns:a16="http://schemas.microsoft.com/office/drawing/2014/main" id="{3FCFB1DE-0B7E-48CC-BA90-B2AB0889F9D6}"/>
+              </a:ext>
+              <a:ext uri="{C183D7F6-B498-43B3-948B-1728B52AA6E4}">
+                <adec:decorative xmlns:adec="http://schemas.microsoft.com/office/drawing/2017/decorative" val="1"/>
+              </a:ext>
+            </a:extLst>
+          </p:cNvPr>
+          <p:cNvSpPr>
+            <a:spLocks noGrp="1" noRot="1" noChangeAspect="1" noMove="1" noResize="1" noEditPoints="1" noAdjustHandles="1" noChangeArrowheads="1" noChangeShapeType="1" noTextEdit="1"/>
+          </p:cNvSpPr>
+          <p:nvPr>
+            <p:extLst>
+              <p:ext uri="{386F3935-93C4-4BCD-93E2-E3B085C9AB24}">
+                <p16:designElem xmlns:p16="http://schemas.microsoft.com/office/powerpoint/2015/main" val="1"/>
+              </p:ext>
+            </p:extLst>
+          </p:nvPr>
+        </p:nvSpPr>
+        <p:spPr>
+          <a:xfrm>
+            <a:off x="643278" y="4409267"/>
+            <a:ext cx="3255095" cy="18288"/>
+          </a:xfrm>
+          <a:custGeom>
+            <a:avLst/>
+            <a:gdLst>
+              <a:gd name="connsiteX0" fmla="*/ 0 w 3255095"/>
+              <a:gd name="connsiteY0" fmla="*/ 0 h 18288"/>
+              <a:gd name="connsiteX1" fmla="*/ 618468 w 3255095"/>
+              <a:gd name="connsiteY1" fmla="*/ 0 h 18288"/>
+              <a:gd name="connsiteX2" fmla="*/ 1269487 w 3255095"/>
+              <a:gd name="connsiteY2" fmla="*/ 0 h 18288"/>
+              <a:gd name="connsiteX3" fmla="*/ 1953057 w 3255095"/>
+              <a:gd name="connsiteY3" fmla="*/ 0 h 18288"/>
+              <a:gd name="connsiteX4" fmla="*/ 2636627 w 3255095"/>
+              <a:gd name="connsiteY4" fmla="*/ 0 h 18288"/>
+              <a:gd name="connsiteX5" fmla="*/ 3255095 w 3255095"/>
+              <a:gd name="connsiteY5" fmla="*/ 0 h 18288"/>
+              <a:gd name="connsiteX6" fmla="*/ 3255095 w 3255095"/>
+              <a:gd name="connsiteY6" fmla="*/ 18288 h 18288"/>
+              <a:gd name="connsiteX7" fmla="*/ 2538974 w 3255095"/>
+              <a:gd name="connsiteY7" fmla="*/ 18288 h 18288"/>
+              <a:gd name="connsiteX8" fmla="*/ 1822853 w 3255095"/>
+              <a:gd name="connsiteY8" fmla="*/ 18288 h 18288"/>
+              <a:gd name="connsiteX9" fmla="*/ 1171834 w 3255095"/>
+              <a:gd name="connsiteY9" fmla="*/ 18288 h 18288"/>
+              <a:gd name="connsiteX10" fmla="*/ 0 w 3255095"/>
+              <a:gd name="connsiteY10" fmla="*/ 18288 h 18288"/>
+              <a:gd name="connsiteX11" fmla="*/ 0 w 3255095"/>
+              <a:gd name="connsiteY11" fmla="*/ 0 h 18288"/>
+            </a:gdLst>
+            <a:ahLst/>
+            <a:cxnLst>
+              <a:cxn ang="0">
+                <a:pos x="connsiteX0" y="connsiteY0"/>
+              </a:cxn>
+              <a:cxn ang="0">
+                <a:pos x="connsiteX1" y="connsiteY1"/>
+              </a:cxn>
+              <a:cxn ang="0">
+                <a:pos x="connsiteX2" y="connsiteY2"/>
+              </a:cxn>
+              <a:cxn ang="0">
+                <a:pos x="connsiteX3" y="connsiteY3"/>
+              </a:cxn>
+              <a:cxn ang="0">
+                <a:pos x="connsiteX4" y="connsiteY4"/>
+              </a:cxn>
+              <a:cxn ang="0">
+                <a:pos x="connsiteX5" y="connsiteY5"/>
+              </a:cxn>
+              <a:cxn ang="0">
+                <a:pos x="connsiteX6" y="connsiteY6"/>
+              </a:cxn>
+              <a:cxn ang="0">
+                <a:pos x="connsiteX7" y="connsiteY7"/>
+              </a:cxn>
+              <a:cxn ang="0">
+                <a:pos x="connsiteX8" y="connsiteY8"/>
+              </a:cxn>
+              <a:cxn ang="0">
+                <a:pos x="connsiteX9" y="connsiteY9"/>
+              </a:cxn>
+              <a:cxn ang="0">
+                <a:pos x="connsiteX10" y="connsiteY10"/>
+              </a:cxn>
+              <a:cxn ang="0">
+                <a:pos x="connsiteX11" y="connsiteY11"/>
+              </a:cxn>
+            </a:cxnLst>
+            <a:rect l="l" t="t" r="r" b="b"/>
+            <a:pathLst>
+              <a:path w="3255095" h="18288" fill="none" extrusionOk="0">
+                <a:moveTo>
+                  <a:pt x="0" y="0"/>
+                </a:moveTo>
+                <a:cubicBezTo>
+                  <a:pt x="240201" y="-22123"/>
+                  <a:pt x="462021" y="-19623"/>
+                  <a:pt x="618468" y="0"/>
+                </a:cubicBezTo>
+                <a:cubicBezTo>
+                  <a:pt x="774915" y="19623"/>
+                  <a:pt x="974734" y="2035"/>
+                  <a:pt x="1269487" y="0"/>
+                </a:cubicBezTo>
+                <a:cubicBezTo>
+                  <a:pt x="1564240" y="-2035"/>
+                  <a:pt x="1733579" y="10639"/>
+                  <a:pt x="1953057" y="0"/>
+                </a:cubicBezTo>
+                <a:cubicBezTo>
+                  <a:pt x="2172535" y="-10639"/>
+                  <a:pt x="2453962" y="14018"/>
+                  <a:pt x="2636627" y="0"/>
+                </a:cubicBezTo>
+                <a:cubicBezTo>
+                  <a:pt x="2819292" y="-14018"/>
+                  <a:pt x="3121375" y="5399"/>
+                  <a:pt x="3255095" y="0"/>
+                </a:cubicBezTo>
+                <a:cubicBezTo>
+                  <a:pt x="3254386" y="8157"/>
+                  <a:pt x="3254682" y="12125"/>
+                  <a:pt x="3255095" y="18288"/>
+                </a:cubicBezTo>
+                <a:cubicBezTo>
+                  <a:pt x="3088545" y="23203"/>
+                  <a:pt x="2687475" y="7419"/>
+                  <a:pt x="2538974" y="18288"/>
+                </a:cubicBezTo>
+                <a:cubicBezTo>
+                  <a:pt x="2390473" y="29157"/>
+                  <a:pt x="2137381" y="-8959"/>
+                  <a:pt x="1822853" y="18288"/>
+                </a:cubicBezTo>
+                <a:cubicBezTo>
+                  <a:pt x="1508325" y="45535"/>
+                  <a:pt x="1466437" y="20385"/>
+                  <a:pt x="1171834" y="18288"/>
+                </a:cubicBezTo>
+                <a:cubicBezTo>
+                  <a:pt x="877231" y="16191"/>
+                  <a:pt x="561097" y="37643"/>
+                  <a:pt x="0" y="18288"/>
+                </a:cubicBezTo>
+                <a:cubicBezTo>
+                  <a:pt x="-46" y="12483"/>
+                  <a:pt x="-203" y="6491"/>
+                  <a:pt x="0" y="0"/>
+                </a:cubicBezTo>
+                <a:close/>
+              </a:path>
+              <a:path w="3255095" h="18288" stroke="0" extrusionOk="0">
+                <a:moveTo>
+                  <a:pt x="0" y="0"/>
+                </a:moveTo>
+                <a:cubicBezTo>
+                  <a:pt x="291965" y="19429"/>
+                  <a:pt x="363155" y="8568"/>
+                  <a:pt x="618468" y="0"/>
+                </a:cubicBezTo>
+                <a:cubicBezTo>
+                  <a:pt x="873781" y="-8568"/>
+                  <a:pt x="904459" y="-19505"/>
+                  <a:pt x="1171834" y="0"/>
+                </a:cubicBezTo>
+                <a:cubicBezTo>
+                  <a:pt x="1439209" y="19505"/>
+                  <a:pt x="1744369" y="9790"/>
+                  <a:pt x="1887955" y="0"/>
+                </a:cubicBezTo>
+                <a:cubicBezTo>
+                  <a:pt x="2031541" y="-9790"/>
+                  <a:pt x="2346378" y="21240"/>
+                  <a:pt x="2506423" y="0"/>
+                </a:cubicBezTo>
+                <a:cubicBezTo>
+                  <a:pt x="2666468" y="-21240"/>
+                  <a:pt x="2990257" y="30414"/>
+                  <a:pt x="3255095" y="0"/>
+                </a:cubicBezTo>
+                <a:cubicBezTo>
+                  <a:pt x="3254831" y="4493"/>
+                  <a:pt x="3255479" y="9472"/>
+                  <a:pt x="3255095" y="18288"/>
+                </a:cubicBezTo>
+                <a:cubicBezTo>
+                  <a:pt x="3120743" y="16690"/>
+                  <a:pt x="2759628" y="42462"/>
+                  <a:pt x="2604076" y="18288"/>
+                </a:cubicBezTo>
+                <a:cubicBezTo>
+                  <a:pt x="2448524" y="-5886"/>
+                  <a:pt x="2184336" y="19599"/>
+                  <a:pt x="1887955" y="18288"/>
+                </a:cubicBezTo>
+                <a:cubicBezTo>
+                  <a:pt x="1591574" y="16977"/>
+                  <a:pt x="1548845" y="6870"/>
+                  <a:pt x="1334589" y="18288"/>
+                </a:cubicBezTo>
+                <a:cubicBezTo>
+                  <a:pt x="1120333" y="29706"/>
+                  <a:pt x="996014" y="9662"/>
+                  <a:pt x="683570" y="18288"/>
+                </a:cubicBezTo>
+                <a:cubicBezTo>
+                  <a:pt x="371126" y="26914"/>
+                  <a:pt x="198687" y="16167"/>
+                  <a:pt x="0" y="18288"/>
+                </a:cubicBezTo>
+                <a:cubicBezTo>
+                  <a:pt x="843" y="9577"/>
+                  <a:pt x="371" y="6900"/>
+                  <a:pt x="0" y="0"/>
+                </a:cubicBezTo>
+                <a:close/>
+              </a:path>
+            </a:pathLst>
+          </a:custGeom>
+          <a:solidFill>
+            <a:schemeClr val="accent2"/>
+          </a:solidFill>
+          <a:ln w="38100" cap="rnd">
+            <a:solidFill>
+              <a:schemeClr val="accent2"/>
+            </a:solidFill>
+            <a:round/>
+            <a:extLst>
+              <a:ext uri="{C807C97D-BFC1-408E-A445-0C87EB9F89A2}">
+                <ask:lineSketchStyleProps xmlns:ask="http://schemas.microsoft.com/office/drawing/2018/sketchyshapes" sd="1219033472">
+                  <a:prstGeom prst="rect">
+                    <a:avLst/>
+                  </a:prstGeom>
+                  <ask:type>
+                    <ask:lineSketchFreehand/>
+                  </ask:type>
+                </ask:lineSketchStyleProps>
+              </a:ext>
+            </a:extLst>
+          </a:ln>
+        </p:spPr>
+        <p:style>
+          <a:lnRef idx="2">
+            <a:schemeClr val="accent1">
+              <a:shade val="50000"/>
+            </a:schemeClr>
+          </a:lnRef>
+          <a:fillRef idx="1">
+            <a:schemeClr val="accent1"/>
+          </a:fillRef>
+          <a:effectRef idx="0">
+            <a:schemeClr val="accent1"/>
+          </a:effectRef>
+          <a:fontRef idx="minor">
+            <a:schemeClr val="lt1"/>
+          </a:fontRef>
+        </p:style>
+        <p:txBody>
+          <a:bodyPr rtlCol="0" anchor="ctr"/>
+          <a:lstStyle/>
+          <a:p>
+            <a:pPr algn="ctr"/>
+            <a:endParaRPr lang="en-US"/>
+          </a:p>
+        </p:txBody>
+      </p:sp>
+      <p:pic>
+        <p:nvPicPr>
+          <p:cNvPr id="7" name="Graphic 6" descr="Cloud">
+            <a:extLst>
+              <a:ext uri="{FF2B5EF4-FFF2-40B4-BE49-F238E27FC236}">
+                <a16:creationId xmlns:a16="http://schemas.microsoft.com/office/drawing/2014/main" id="{17178BDB-57A9-8806-2015-B4FF983D7E67}"/>
+              </a:ext>
+            </a:extLst>
+          </p:cNvPr>
+          <p:cNvPicPr>
+            <a:picLocks noChangeAspect="1"/>
+          </p:cNvPicPr>
+          <p:nvPr/>
+        </p:nvPicPr>
+        <p:blipFill>
+          <a:blip r:embed="rId2">
+            <a:extLst>
+              <a:ext uri="{28A0092B-C50C-407E-A947-70E740481C1C}">
+                <a14:useLocalDpi xmlns:a14="http://schemas.microsoft.com/office/drawing/2010/main" val="0"/>
+              </a:ext>
+              <a:ext uri="{96DAC541-7B7A-43D3-8B79-37D633B846F1}">
+                <asvg:svgBlip xmlns:asvg="http://schemas.microsoft.com/office/drawing/2016/SVG/main" r:embed="rId3"/>
+              </a:ext>
+            </a:extLst>
+          </a:blip>
+          <a:stretch>
+            <a:fillRect/>
+          </a:stretch>
+        </p:blipFill>
+        <p:spPr>
+          <a:xfrm>
+            <a:off x="5486400" y="640080"/>
+            <a:ext cx="5550408" cy="5550408"/>
           </a:xfrm>
           <a:prstGeom prst="rect">
             <a:avLst/>
           </a:prstGeom>
         </p:spPr>
-        <p:txBody>
-          <a:bodyPr spcFirstLastPara="1" vert="horz" wrap="square" lIns="91433" tIns="45700" rIns="91433" bIns="45700" rtlCol="0" anchor="ctr" anchorCtr="0">
-            <a:normAutofit/>
-          </a:bodyPr>
-          <a:lstStyle/>
-          <a:p>
-            <a:pPr>
-              <a:spcBef>
-                <a:spcPts val="0"/>
-              </a:spcBef>
-            </a:pPr>
-            <a:r>
-              <a:rPr lang="en"/>
-              <a:t>AWS STS</a:t>
-            </a:r>
-            <a:endParaRPr/>
-          </a:p>
-        </p:txBody>
-      </p:sp>
-      <p:sp>
-        <p:nvSpPr>
-          <p:cNvPr id="444" name="Google Shape;444;p77"/>
-          <p:cNvSpPr txBox="1">
-            <a:spLocks noGrp="1"/>
-          </p:cNvSpPr>
-          <p:nvPr>
-            <p:ph type="body" idx="1"/>
-          </p:nvPr>
-        </p:nvSpPr>
-        <p:spPr>
-          <a:xfrm>
-            <a:off x="838200" y="1825625"/>
-            <a:ext cx="10515600" cy="4351200"/>
-          </a:xfrm>
-          <a:prstGeom prst="rect">
-            <a:avLst/>
-          </a:prstGeom>
-        </p:spPr>
-        <p:txBody>
-          <a:bodyPr spcFirstLastPara="1" vert="horz" wrap="square" lIns="91433" tIns="45700" rIns="91433" bIns="45700" rtlCol="0" anchor="t" anchorCtr="0">
-            <a:normAutofit/>
-          </a:bodyPr>
-          <a:lstStyle/>
-          <a:p>
-            <a:pPr marL="0" indent="0">
-              <a:spcBef>
-                <a:spcPts val="1067"/>
-              </a:spcBef>
-              <a:spcAft>
-                <a:spcPts val="1600"/>
-              </a:spcAft>
-              <a:buNone/>
-            </a:pPr>
-            <a:endParaRPr/>
-          </a:p>
-        </p:txBody>
-      </p:sp>
+      </p:pic>
     </p:spTree>
+    <p:extLst>
+      <p:ext uri="{BB962C8B-B14F-4D97-AF65-F5344CB8AC3E}">
+        <p14:creationId xmlns:p14="http://schemas.microsoft.com/office/powerpoint/2010/main" val="2134933939"/>
+      </p:ext>
+    </p:extLst>
   </p:cSld>
   <p:clrMapOvr>
     <a:masterClrMapping/>
@@ -4501,6 +4854,14 @@
 <file path=ppt/slides/slide2.xml><?xml version="1.0" encoding="utf-8"?>
 <p:sld xmlns:a="http://schemas.openxmlformats.org/drawingml/2006/main" xmlns:r="http://schemas.openxmlformats.org/officeDocument/2006/relationships" xmlns:p="http://schemas.openxmlformats.org/presentationml/2006/main">
   <p:cSld>
+    <p:bg>
+      <p:bgPr>
+        <a:solidFill>
+          <a:schemeClr val="bg1"/>
+        </a:solidFill>
+        <a:effectLst/>
+      </p:bgPr>
+    </p:bg>
     <p:spTree>
       <p:nvGrpSpPr>
         <p:cNvPr id="1" name="Shape 448"/>
@@ -4515,6 +4876,66 @@
           <a:chExt cx="0" cy="0"/>
         </a:xfrm>
       </p:grpSpPr>
+      <p:sp useBgFill="1">
+        <p:nvSpPr>
+          <p:cNvPr id="464" name="Rectangle 463">
+            <a:extLst>
+              <a:ext uri="{FF2B5EF4-FFF2-40B4-BE49-F238E27FC236}">
+                <a16:creationId xmlns:a16="http://schemas.microsoft.com/office/drawing/2014/main" id="{E02239D2-A05D-4A1C-9F06-FBA7FC730E1B}"/>
+              </a:ext>
+              <a:ext uri="{C183D7F6-B498-43B3-948B-1728B52AA6E4}">
+                <adec:decorative xmlns:adec="http://schemas.microsoft.com/office/drawing/2017/decorative" val="1"/>
+              </a:ext>
+            </a:extLst>
+          </p:cNvPr>
+          <p:cNvSpPr>
+            <a:spLocks noGrp="1" noRot="1" noChangeAspect="1" noMove="1" noResize="1" noEditPoints="1" noAdjustHandles="1" noChangeArrowheads="1" noChangeShapeType="1" noTextEdit="1"/>
+          </p:cNvSpPr>
+          <p:nvPr>
+            <p:extLst>
+              <p:ext uri="{386F3935-93C4-4BCD-93E2-E3B085C9AB24}">
+                <p16:designElem xmlns:p16="http://schemas.microsoft.com/office/powerpoint/2015/main" val="1"/>
+              </p:ext>
+            </p:extLst>
+          </p:nvPr>
+        </p:nvSpPr>
+        <p:spPr>
+          <a:xfrm>
+            <a:off x="0" y="-1"/>
+            <a:ext cx="12188952" cy="6858000"/>
+          </a:xfrm>
+          <a:prstGeom prst="rect">
+            <a:avLst/>
+          </a:prstGeom>
+          <a:ln>
+            <a:noFill/>
+          </a:ln>
+        </p:spPr>
+        <p:style>
+          <a:lnRef idx="2">
+            <a:schemeClr val="accent1">
+              <a:shade val="50000"/>
+            </a:schemeClr>
+          </a:lnRef>
+          <a:fillRef idx="1">
+            <a:schemeClr val="accent1"/>
+          </a:fillRef>
+          <a:effectRef idx="0">
+            <a:schemeClr val="accent1"/>
+          </a:effectRef>
+          <a:fontRef idx="minor">
+            <a:schemeClr val="lt1"/>
+          </a:fontRef>
+        </p:style>
+        <p:txBody>
+          <a:bodyPr rtlCol="0" anchor="ctr"/>
+          <a:lstStyle/>
+          <a:p>
+            <a:pPr algn="ctr"/>
+            <a:endParaRPr lang="en-US"/>
+          </a:p>
+        </p:txBody>
+      </p:sp>
       <p:sp>
         <p:nvSpPr>
           <p:cNvPr id="449" name="Google Shape;449;p78"/>
@@ -4527,99 +4948,62 @@
         </p:nvSpPr>
         <p:spPr>
           <a:xfrm>
-            <a:off x="415600" y="323833"/>
-            <a:ext cx="11360800" cy="763600"/>
+            <a:off x="2019300" y="538956"/>
+            <a:ext cx="8985250" cy="1118394"/>
           </a:xfrm>
           <a:prstGeom prst="rect">
             <a:avLst/>
           </a:prstGeom>
         </p:spPr>
         <p:txBody>
-          <a:bodyPr spcFirstLastPara="1" vert="horz" wrap="square" lIns="121900" tIns="121900" rIns="121900" bIns="121900" rtlCol="0" anchor="b" anchorCtr="0">
-            <a:noAutofit/>
+          <a:bodyPr spcFirstLastPara="1" vert="horz" lIns="91440" tIns="45720" rIns="91440" bIns="45720" rtlCol="0" anchor="t" anchorCtr="0">
+            <a:normAutofit/>
           </a:bodyPr>
           <a:lstStyle/>
           <a:p>
-            <a:r>
-              <a:rPr lang="en" sz="3200"/>
+            <a:pPr>
+              <a:spcBef>
+                <a:spcPct val="0"/>
+              </a:spcBef>
+            </a:pPr>
+            <a:r>
+              <a:rPr lang="en-US" sz="3700" kern="1200">
+                <a:solidFill>
+                  <a:schemeClr val="tx1"/>
+                </a:solidFill>
+                <a:latin typeface="+mj-lt"/>
+                <a:ea typeface="+mj-ea"/>
+                <a:cs typeface="+mj-cs"/>
+              </a:rPr>
               <a:t>AWS STS - Temporary security credentials in IAM</a:t>
             </a:r>
-            <a:endParaRPr sz="3200"/>
-          </a:p>
-        </p:txBody>
-      </p:sp>
-      <p:sp>
-        <p:nvSpPr>
-          <p:cNvPr id="450" name="Google Shape;450;p78"/>
-          <p:cNvSpPr txBox="1">
-            <a:spLocks noGrp="1"/>
-          </p:cNvSpPr>
-          <p:nvPr>
-            <p:ph type="body" idx="1"/>
-          </p:nvPr>
-        </p:nvSpPr>
-        <p:spPr>
-          <a:xfrm>
-            <a:off x="279933" y="1120500"/>
-            <a:ext cx="11496400" cy="763600"/>
-          </a:xfrm>
-          <a:prstGeom prst="rect">
-            <a:avLst/>
-          </a:prstGeom>
-        </p:spPr>
-        <p:txBody>
-          <a:bodyPr spcFirstLastPara="1" vert="horz" wrap="square" lIns="121900" tIns="121900" rIns="121900" bIns="121900" rtlCol="0" anchor="t" anchorCtr="0">
-            <a:normAutofit fontScale="85000" lnSpcReduction="20000"/>
-          </a:bodyPr>
-          <a:lstStyle/>
-          <a:p>
-            <a:pPr marL="0" indent="0">
-              <a:spcAft>
-                <a:spcPts val="1600"/>
-              </a:spcAft>
-              <a:buNone/>
-            </a:pPr>
-            <a:r>
-              <a:rPr lang="en" sz="1600">
-                <a:solidFill>
-                  <a:schemeClr val="dk1"/>
-                </a:solidFill>
-              </a:rPr>
-              <a:t>AWS provides AWS Security Token Service (AWS STS) as a web service that enables you to request </a:t>
-            </a:r>
-            <a:r>
-              <a:rPr lang="en" sz="1600">
-                <a:solidFill>
-                  <a:srgbClr val="DD5540"/>
-                </a:solidFill>
-              </a:rPr>
-              <a:t>temporary, limited-privilege credentials</a:t>
-            </a:r>
-            <a:r>
-              <a:rPr lang="en" sz="1600">
-                <a:solidFill>
-                  <a:schemeClr val="dk1"/>
-                </a:solidFill>
-              </a:rPr>
-              <a:t> for AWS Identity and Access Management (IAM) users or for users you authenticate (federated users).</a:t>
-            </a:r>
-            <a:endParaRPr>
-              <a:solidFill>
-                <a:schemeClr val="dk1"/>
-              </a:solidFill>
-            </a:endParaRPr>
           </a:p>
         </p:txBody>
       </p:sp>
       <p:pic>
         <p:nvPicPr>
-          <p:cNvPr id="451" name="Google Shape;451;p78"/>
-          <p:cNvPicPr preferRelativeResize="0"/>
+          <p:cNvPr id="461" name="Graphic 460" descr="Phishing">
+            <a:extLst>
+              <a:ext uri="{FF2B5EF4-FFF2-40B4-BE49-F238E27FC236}">
+                <a16:creationId xmlns:a16="http://schemas.microsoft.com/office/drawing/2014/main" id="{18C43E7A-F1BD-ECC5-88B1-2CA63CF998F9}"/>
+              </a:ext>
+            </a:extLst>
+          </p:cNvPr>
+          <p:cNvPicPr>
+            <a:picLocks noChangeAspect="1"/>
+          </p:cNvPicPr>
           <p:nvPr/>
         </p:nvPicPr>
         <p:blipFill>
           <a:blip r:embed="rId3">
-            <a:alphaModFix/>
+            <a:extLst>
+              <a:ext uri="{28A0092B-C50C-407E-A947-70E740481C1C}">
+                <a14:useLocalDpi xmlns:a14="http://schemas.microsoft.com/office/drawing/2010/main" val="0"/>
+              </a:ext>
+              <a:ext uri="{96DAC541-7B7A-43D3-8B79-37D633B846F1}">
+                <asvg:svgBlip xmlns:asvg="http://schemas.microsoft.com/office/drawing/2016/SVG/main" r:embed="rId4"/>
+              </a:ext>
+            </a:extLst>
           </a:blip>
           <a:stretch>
             <a:fillRect/>
@@ -4627,146 +5011,189 @@
         </p:blipFill>
         <p:spPr>
           <a:xfrm>
-            <a:off x="5003300" y="3249900"/>
-            <a:ext cx="7045133" cy="3385200"/>
+            <a:off x="1104900" y="538956"/>
+            <a:ext cx="749300" cy="749300"/>
           </a:xfrm>
           <a:prstGeom prst="rect">
             <a:avLst/>
           </a:prstGeom>
-          <a:noFill/>
-          <a:ln>
-            <a:noFill/>
-          </a:ln>
         </p:spPr>
       </p:pic>
       <p:sp>
         <p:nvSpPr>
-          <p:cNvPr id="452" name="Google Shape;452;p78"/>
-          <p:cNvSpPr txBox="1"/>
-          <p:nvPr/>
+          <p:cNvPr id="450" name="Google Shape;450;p78"/>
+          <p:cNvSpPr txBox="1">
+            <a:spLocks noGrp="1"/>
+          </p:cNvSpPr>
+          <p:nvPr>
+            <p:ph type="body" idx="1"/>
+          </p:nvPr>
         </p:nvSpPr>
         <p:spPr>
           <a:xfrm>
-            <a:off x="197000" y="1951401"/>
-            <a:ext cx="11579600" cy="923482"/>
+            <a:off x="1009650" y="1847849"/>
+            <a:ext cx="9994900" cy="4254501"/>
           </a:xfrm>
           <a:prstGeom prst="rect">
             <a:avLst/>
           </a:prstGeom>
-          <a:noFill/>
-          <a:ln>
-            <a:noFill/>
-          </a:ln>
         </p:spPr>
         <p:txBody>
-          <a:bodyPr spcFirstLastPara="1" wrap="square" lIns="121900" tIns="121900" rIns="121900" bIns="121900" anchor="t" anchorCtr="0">
-            <a:spAutoFit/>
+          <a:bodyPr spcFirstLastPara="1" vert="horz" lIns="91440" tIns="45720" rIns="91440" bIns="45720" rtlCol="0" anchorCtr="0">
+            <a:normAutofit/>
           </a:bodyPr>
           <a:lstStyle/>
           <a:p>
-            <a:r>
-              <a:rPr lang="en" sz="1467">
-                <a:solidFill>
-                  <a:schemeClr val="dk1"/>
-                </a:solidFill>
+            <a:pPr marL="0" indent="-228600">
+              <a:spcAft>
+                <a:spcPts val="1600"/>
+              </a:spcAft>
+              <a:buFont typeface="Arial" panose="020B0604020202020204" pitchFamily="34" charset="0"/>
+              <a:buChar char="•"/>
+            </a:pPr>
+            <a:r>
+              <a:rPr lang="en-US" sz="1900"/>
+              <a:t>AWS provides AWS Security Token Service (AWS STS) as a web service that enables you to </a:t>
+            </a:r>
+            <a:r>
+              <a:rPr lang="en-US" sz="1900">
+                <a:highlight>
+                  <a:srgbClr val="FFFF00"/>
+                </a:highlight>
               </a:rPr>
+              <a:t>request temporary, limited-privilege credentials </a:t>
+            </a:r>
+            <a:r>
+              <a:rPr lang="en-US" sz="1900"/>
+              <a:t>for AWS Identity and Access Management (IAM) users or for users you authenticate (federated users).</a:t>
+            </a:r>
+          </a:p>
+          <a:p>
+            <a:pPr marL="0" indent="-228600">
+              <a:spcAft>
+                <a:spcPts val="1600"/>
+              </a:spcAft>
+              <a:buFont typeface="Arial" panose="020B0604020202020204" pitchFamily="34" charset="0"/>
+              <a:buChar char="•"/>
+            </a:pPr>
+            <a:r>
+              <a:rPr lang="en-US" sz="1900"/>
               <a:t>By default, AWS Security Token Service (AWS STS) is available as a global service, and all AWS STS requests go to a single endpoint at </a:t>
             </a:r>
             <a:r>
-              <a:rPr lang="en" sz="1467">
-                <a:solidFill>
-                  <a:schemeClr val="dk1"/>
-                </a:solidFill>
+              <a:rPr lang="en-US" sz="1900">
                 <a:highlight>
                   <a:srgbClr val="DD5540"/>
                 </a:highlight>
-                <a:latin typeface="Courier New"/>
-                <a:ea typeface="Courier New"/>
-                <a:cs typeface="Courier New"/>
                 <a:sym typeface="Courier New"/>
               </a:rPr>
               <a:t>https://sts.amazonaws.com</a:t>
             </a:r>
             <a:r>
-              <a:rPr lang="en" sz="1467">
-                <a:solidFill>
-                  <a:schemeClr val="dk1"/>
-                </a:solidFill>
-              </a:rPr>
-              <a:t>. Global requests map to the US East (N. Virginia) Region. AWS recommends using Regional AWS STS endpoints instead of the global endpoint to reduce latency, build in redundancy, and increase session token validity</a:t>
-            </a:r>
-            <a:endParaRPr sz="1467">
-              <a:solidFill>
-                <a:schemeClr val="dk1"/>
-              </a:solidFill>
-            </a:endParaRPr>
-          </a:p>
-        </p:txBody>
-      </p:sp>
-      <p:sp>
-        <p:nvSpPr>
-          <p:cNvPr id="453" name="Google Shape;453;p78"/>
-          <p:cNvSpPr txBox="1"/>
+              <a:rPr lang="en-US" sz="1900"/>
+              <a:t>. Global requests map to the US East (N. Virginia) Region. </a:t>
+            </a:r>
+          </a:p>
+          <a:p>
+            <a:pPr marL="0" indent="-228600">
+              <a:spcAft>
+                <a:spcPts val="1600"/>
+              </a:spcAft>
+              <a:buFont typeface="Arial" panose="020B0604020202020204" pitchFamily="34" charset="0"/>
+              <a:buChar char="•"/>
+            </a:pPr>
+            <a:r>
+              <a:rPr lang="en-US" sz="1900"/>
+              <a:t>AWS recommends using Regional AWS STS endpoints instead of the global endpoint to reduce latency, build in redundancy, and increase session token validity</a:t>
+            </a:r>
+          </a:p>
+          <a:p>
+            <a:pPr marL="0" indent="-228600">
+              <a:spcAft>
+                <a:spcPts val="1600"/>
+              </a:spcAft>
+              <a:buFont typeface="Arial" panose="020B0604020202020204" pitchFamily="34" charset="0"/>
+              <a:buChar char="•"/>
+            </a:pPr>
+            <a:r>
+              <a:rPr lang="en-US" sz="1900"/>
+              <a:t>AWS STS supports AWS CloudTrail, a service that records AWS calls for your AWS account and delivers log files to an Amazon S3 bucket. </a:t>
+            </a:r>
+          </a:p>
+          <a:p>
+            <a:pPr marL="0" indent="-228600">
+              <a:spcAft>
+                <a:spcPts val="1600"/>
+              </a:spcAft>
+              <a:buFont typeface="Arial" panose="020B0604020202020204" pitchFamily="34" charset="0"/>
+              <a:buChar char="•"/>
+            </a:pPr>
+            <a:r>
+              <a:rPr lang="en-US" sz="1900"/>
+              <a:t>By using information collected by CloudTrail, you can determine the requests successfully sent to AWS STS, as well as who sent the request, and when it was sent.</a:t>
+            </a:r>
+          </a:p>
+          <a:p>
+            <a:pPr marL="0" indent="-228600">
+              <a:spcAft>
+                <a:spcPts val="1600"/>
+              </a:spcAft>
+              <a:buFont typeface="Arial" panose="020B0604020202020204" pitchFamily="34" charset="0"/>
+              <a:buChar char="•"/>
+            </a:pPr>
+            <a:endParaRPr lang="en-US" sz="1900"/>
+          </a:p>
+          <a:p>
+            <a:pPr marL="0" indent="-228600">
+              <a:spcAft>
+                <a:spcPts val="1600"/>
+              </a:spcAft>
+              <a:buFont typeface="Arial" panose="020B0604020202020204" pitchFamily="34" charset="0"/>
+              <a:buChar char="•"/>
+            </a:pPr>
+            <a:endParaRPr lang="en-US" sz="1900"/>
+          </a:p>
+        </p:txBody>
+      </p:sp>
+      <p:pic>
+        <p:nvPicPr>
+          <p:cNvPr id="454" name="Graphic 453" descr="Syncing Cloud">
+            <a:extLst>
+              <a:ext uri="{FF2B5EF4-FFF2-40B4-BE49-F238E27FC236}">
+                <a16:creationId xmlns:a16="http://schemas.microsoft.com/office/drawing/2014/main" id="{4C625B52-DB54-1C64-9B13-6C12C8D8880D}"/>
+              </a:ext>
+            </a:extLst>
+          </p:cNvPr>
+          <p:cNvPicPr>
+            <a:picLocks noChangeAspect="1"/>
+          </p:cNvPicPr>
           <p:nvPr/>
-        </p:nvSpPr>
+        </p:nvPicPr>
+        <p:blipFill>
+          <a:blip r:embed="rId5">
+            <a:extLst>
+              <a:ext uri="{28A0092B-C50C-407E-A947-70E740481C1C}">
+                <a14:useLocalDpi xmlns:a14="http://schemas.microsoft.com/office/drawing/2010/main" val="0"/>
+              </a:ext>
+              <a:ext uri="{96DAC541-7B7A-43D3-8B79-37D633B846F1}">
+                <asvg:svgBlip xmlns:asvg="http://schemas.microsoft.com/office/drawing/2016/SVG/main" r:embed="rId6"/>
+              </a:ext>
+            </a:extLst>
+          </a:blip>
+          <a:stretch>
+            <a:fillRect/>
+          </a:stretch>
+        </p:blipFill>
         <p:spPr>
           <a:xfrm>
-            <a:off x="468000" y="3285301"/>
-            <a:ext cx="4000000" cy="2462172"/>
+            <a:off x="1104900" y="538956"/>
+            <a:ext cx="749300" cy="749300"/>
           </a:xfrm>
           <a:prstGeom prst="rect">
             <a:avLst/>
           </a:prstGeom>
-          <a:noFill/>
-          <a:ln>
-            <a:noFill/>
-          </a:ln>
         </p:spPr>
-        <p:txBody>
-          <a:bodyPr spcFirstLastPara="1" wrap="square" lIns="121900" tIns="121900" rIns="121900" bIns="121900" anchor="t" anchorCtr="0">
-            <a:spAutoFit/>
-          </a:bodyPr>
-          <a:lstStyle/>
-          <a:p>
-            <a:r>
-              <a:rPr lang="en" sz="1600">
-                <a:solidFill>
-                  <a:schemeClr val="dk1"/>
-                </a:solidFill>
-              </a:rPr>
-              <a:t>AWS STS supports AWS CloudTrail, a service that records AWS calls for your AWS account and delivers log files to an Amazon S3 bucket. By using information collected by CloudTrail, you can determine the requests successfully sent to AWS STS, as well as who sent the request, and when it was sent.</a:t>
-            </a:r>
-            <a:endParaRPr sz="1600">
-              <a:solidFill>
-                <a:schemeClr val="dk1"/>
-              </a:solidFill>
-            </a:endParaRPr>
-          </a:p>
-          <a:p>
-            <a:endParaRPr sz="1600">
-              <a:solidFill>
-                <a:schemeClr val="dk1"/>
-              </a:solidFill>
-            </a:endParaRPr>
-          </a:p>
-          <a:p>
-            <a:r>
-              <a:rPr lang="en" sz="1600" u="sng">
-                <a:solidFill>
-                  <a:schemeClr val="hlink"/>
-                </a:solidFill>
-                <a:hlinkClick r:id="rId4"/>
-              </a:rPr>
-              <a:t>Request comparison</a:t>
-            </a:r>
-            <a:endParaRPr sz="1600">
-              <a:solidFill>
-                <a:schemeClr val="dk1"/>
-              </a:solidFill>
-            </a:endParaRPr>
-          </a:p>
-        </p:txBody>
-      </p:sp>
+      </p:pic>
     </p:spTree>
   </p:cSld>
   <p:clrMapOvr>
@@ -4778,6 +5205,2056 @@
 <file path=ppt/slides/slide3.xml><?xml version="1.0" encoding="utf-8"?>
 <p:sld xmlns:a="http://schemas.openxmlformats.org/drawingml/2006/main" xmlns:r="http://schemas.openxmlformats.org/officeDocument/2006/relationships" xmlns:p="http://schemas.openxmlformats.org/presentationml/2006/main">
   <p:cSld>
+    <p:bg>
+      <p:bgPr>
+        <a:solidFill>
+          <a:schemeClr val="bg1"/>
+        </a:solidFill>
+        <a:effectLst/>
+      </p:bgPr>
+    </p:bg>
+    <p:spTree>
+      <p:nvGrpSpPr>
+        <p:cNvPr id="1" name=""/>
+        <p:cNvGrpSpPr/>
+        <p:nvPr/>
+      </p:nvGrpSpPr>
+      <p:grpSpPr>
+        <a:xfrm>
+          <a:off x="0" y="0"/>
+          <a:ext cx="0" cy="0"/>
+          <a:chOff x="0" y="0"/>
+          <a:chExt cx="0" cy="0"/>
+        </a:xfrm>
+      </p:grpSpPr>
+      <p:sp useBgFill="1">
+        <p:nvSpPr>
+          <p:cNvPr id="9" name="Rectangle 8">
+            <a:extLst>
+              <a:ext uri="{FF2B5EF4-FFF2-40B4-BE49-F238E27FC236}">
+                <a16:creationId xmlns:a16="http://schemas.microsoft.com/office/drawing/2014/main" id="{65C9D962-F904-4553-A140-500CF3EFC58A}"/>
+              </a:ext>
+              <a:ext uri="{C183D7F6-B498-43B3-948B-1728B52AA6E4}">
+                <adec:decorative xmlns:adec="http://schemas.microsoft.com/office/drawing/2017/decorative" val="1"/>
+              </a:ext>
+            </a:extLst>
+          </p:cNvPr>
+          <p:cNvSpPr>
+            <a:spLocks noGrp="1" noRot="1" noChangeAspect="1" noMove="1" noResize="1" noEditPoints="1" noAdjustHandles="1" noChangeArrowheads="1" noChangeShapeType="1" noTextEdit="1"/>
+          </p:cNvSpPr>
+          <p:nvPr>
+            <p:extLst>
+              <p:ext uri="{386F3935-93C4-4BCD-93E2-E3B085C9AB24}">
+                <p16:designElem xmlns:p16="http://schemas.microsoft.com/office/powerpoint/2015/main" val="1"/>
+              </p:ext>
+            </p:extLst>
+          </p:nvPr>
+        </p:nvSpPr>
+        <p:spPr>
+          <a:xfrm>
+            <a:off x="0" y="0"/>
+            <a:ext cx="12192000" cy="6858000"/>
+          </a:xfrm>
+          <a:prstGeom prst="rect">
+            <a:avLst/>
+          </a:prstGeom>
+          <a:ln w="12700" cap="flat" cmpd="sng" algn="ctr">
+            <a:noFill/>
+            <a:prstDash val="solid"/>
+            <a:miter lim="800000"/>
+          </a:ln>
+          <a:effectLst/>
+          <a:extLst>
+            <a:ext uri="{91240B29-F687-4F45-9708-019B960494DF}">
+              <a14:hiddenLine xmlns:a14="http://schemas.microsoft.com/office/drawing/2010/main" w="12700" cap="flat" cmpd="sng" algn="ctr">
+                <a:solidFill>
+                  <a:schemeClr val="accent1">
+                    <a:shade val="50000"/>
+                  </a:schemeClr>
+                </a:solidFill>
+                <a:prstDash val="solid"/>
+                <a:miter lim="800000"/>
+              </a14:hiddenLine>
+            </a:ext>
+          </a:extLst>
+        </p:spPr>
+        <p:style>
+          <a:lnRef idx="2">
+            <a:schemeClr val="accent1">
+              <a:shade val="50000"/>
+            </a:schemeClr>
+          </a:lnRef>
+          <a:fillRef idx="1">
+            <a:schemeClr val="accent1"/>
+          </a:fillRef>
+          <a:effectRef idx="0">
+            <a:schemeClr val="accent1"/>
+          </a:effectRef>
+          <a:fontRef idx="minor">
+            <a:schemeClr val="lt1"/>
+          </a:fontRef>
+        </p:style>
+        <p:txBody>
+          <a:bodyPr rtlCol="0" anchor="ctr"/>
+          <a:lstStyle/>
+          <a:p>
+            <a:pPr algn="ctr"/>
+            <a:endParaRPr lang="en-US"/>
+          </a:p>
+        </p:txBody>
+      </p:sp>
+      <p:sp>
+        <p:nvSpPr>
+          <p:cNvPr id="11" name="Freeform: Shape 10">
+            <a:extLst>
+              <a:ext uri="{FF2B5EF4-FFF2-40B4-BE49-F238E27FC236}">
+                <a16:creationId xmlns:a16="http://schemas.microsoft.com/office/drawing/2014/main" id="{02FE0FA2-B10C-4B9F-B9CC-E5D9AD400454}"/>
+              </a:ext>
+              <a:ext uri="{C183D7F6-B498-43B3-948B-1728B52AA6E4}">
+                <adec:decorative xmlns:adec="http://schemas.microsoft.com/office/drawing/2017/decorative" val="1"/>
+              </a:ext>
+            </a:extLst>
+          </p:cNvPr>
+          <p:cNvSpPr>
+            <a:spLocks noGrp="1" noRot="1" noChangeAspect="1" noMove="1" noResize="1" noEditPoints="1" noAdjustHandles="1" noChangeArrowheads="1" noChangeShapeType="1" noTextEdit="1"/>
+          </p:cNvSpPr>
+          <p:nvPr>
+            <p:extLst>
+              <p:ext uri="{386F3935-93C4-4BCD-93E2-E3B085C9AB24}">
+                <p16:designElem xmlns:p16="http://schemas.microsoft.com/office/powerpoint/2015/main" val="1"/>
+              </p:ext>
+            </p:extLst>
+          </p:nvPr>
+        </p:nvSpPr>
+        <p:spPr>
+          <a:xfrm rot="11314048">
+            <a:off x="-271537" y="-884980"/>
+            <a:ext cx="12642772" cy="6248341"/>
+          </a:xfrm>
+          <a:custGeom>
+            <a:avLst/>
+            <a:gdLst>
+              <a:gd name="connsiteX0" fmla="*/ 12642772 w 12642772"/>
+              <a:gd name="connsiteY0" fmla="*/ 4432052 h 6248341"/>
+              <a:gd name="connsiteX1" fmla="*/ 586822 w 12642772"/>
+              <a:gd name="connsiteY1" fmla="*/ 6248341 h 6248341"/>
+              <a:gd name="connsiteX2" fmla="*/ 0 w 12642772"/>
+              <a:gd name="connsiteY2" fmla="*/ 2394542 h 6248341"/>
+              <a:gd name="connsiteX3" fmla="*/ 52893 w 12642772"/>
+              <a:gd name="connsiteY3" fmla="*/ 2306669 h 6248341"/>
+              <a:gd name="connsiteX4" fmla="*/ 131535 w 12642772"/>
+              <a:gd name="connsiteY4" fmla="*/ 2293621 h 6248341"/>
+              <a:gd name="connsiteX5" fmla="*/ 244153 w 12642772"/>
+              <a:gd name="connsiteY5" fmla="*/ 2272261 h 6248341"/>
+              <a:gd name="connsiteX6" fmla="*/ 324401 w 12642772"/>
+              <a:gd name="connsiteY6" fmla="*/ 2233208 h 6248341"/>
+              <a:gd name="connsiteX7" fmla="*/ 463569 w 12642772"/>
+              <a:gd name="connsiteY7" fmla="*/ 2158308 h 6248341"/>
+              <a:gd name="connsiteX8" fmla="*/ 582537 w 12642772"/>
+              <a:gd name="connsiteY8" fmla="*/ 2095961 h 6248341"/>
+              <a:gd name="connsiteX9" fmla="*/ 638937 w 12642772"/>
+              <a:gd name="connsiteY9" fmla="*/ 2008169 h 6248341"/>
+              <a:gd name="connsiteX10" fmla="*/ 749855 w 12642772"/>
+              <a:gd name="connsiteY10" fmla="*/ 1936088 h 6248341"/>
+              <a:gd name="connsiteX11" fmla="*/ 856553 w 12642772"/>
+              <a:gd name="connsiteY11" fmla="*/ 1892728 h 6248341"/>
+              <a:gd name="connsiteX12" fmla="*/ 939338 w 12642772"/>
+              <a:gd name="connsiteY12" fmla="*/ 1863906 h 6248341"/>
+              <a:gd name="connsiteX13" fmla="*/ 987836 w 12642772"/>
+              <a:gd name="connsiteY13" fmla="*/ 1848470 h 6248341"/>
+              <a:gd name="connsiteX14" fmla="*/ 1086094 w 12642772"/>
+              <a:gd name="connsiteY14" fmla="*/ 1834336 h 6248341"/>
+              <a:gd name="connsiteX15" fmla="*/ 1155607 w 12642772"/>
+              <a:gd name="connsiteY15" fmla="*/ 1814299 h 6248341"/>
+              <a:gd name="connsiteX16" fmla="*/ 1219621 w 12642772"/>
+              <a:gd name="connsiteY16" fmla="*/ 1774472 h 6248341"/>
+              <a:gd name="connsiteX17" fmla="*/ 1275113 w 12642772"/>
+              <a:gd name="connsiteY17" fmla="*/ 1734756 h 6248341"/>
+              <a:gd name="connsiteX18" fmla="*/ 1337800 w 12642772"/>
+              <a:gd name="connsiteY18" fmla="*/ 1684579 h 6248341"/>
+              <a:gd name="connsiteX19" fmla="*/ 1526287 w 12642772"/>
+              <a:gd name="connsiteY19" fmla="*/ 1602057 h 6248341"/>
+              <a:gd name="connsiteX20" fmla="*/ 1579126 w 12642772"/>
+              <a:gd name="connsiteY20" fmla="*/ 1559561 h 6248341"/>
+              <a:gd name="connsiteX21" fmla="*/ 1651242 w 12642772"/>
+              <a:gd name="connsiteY21" fmla="*/ 1546569 h 6248341"/>
+              <a:gd name="connsiteX22" fmla="*/ 1712038 w 12642772"/>
+              <a:gd name="connsiteY22" fmla="*/ 1533432 h 6248341"/>
+              <a:gd name="connsiteX23" fmla="*/ 1758402 w 12642772"/>
+              <a:gd name="connsiteY23" fmla="*/ 1525816 h 6248341"/>
+              <a:gd name="connsiteX24" fmla="*/ 1831776 w 12642772"/>
+              <a:gd name="connsiteY24" fmla="*/ 1504679 h 6248341"/>
+              <a:gd name="connsiteX25" fmla="*/ 1963032 w 12642772"/>
+              <a:gd name="connsiteY25" fmla="*/ 1472999 h 6248341"/>
+              <a:gd name="connsiteX26" fmla="*/ 2006520 w 12642772"/>
+              <a:gd name="connsiteY26" fmla="*/ 1464281 h 6248341"/>
+              <a:gd name="connsiteX27" fmla="*/ 2049195 w 12642772"/>
+              <a:gd name="connsiteY27" fmla="*/ 1459572 h 6248341"/>
+              <a:gd name="connsiteX28" fmla="*/ 2125117 w 12642772"/>
+              <a:gd name="connsiteY28" fmla="*/ 1432093 h 6248341"/>
+              <a:gd name="connsiteX29" fmla="*/ 2234987 w 12642772"/>
+              <a:gd name="connsiteY29" fmla="*/ 1408543 h 6248341"/>
+              <a:gd name="connsiteX30" fmla="*/ 2349979 w 12642772"/>
+              <a:gd name="connsiteY30" fmla="*/ 1370325 h 6248341"/>
+              <a:gd name="connsiteX31" fmla="*/ 2490342 w 12642772"/>
+              <a:gd name="connsiteY31" fmla="*/ 1337371 h 6248341"/>
+              <a:gd name="connsiteX32" fmla="*/ 2721983 w 12642772"/>
+              <a:gd name="connsiteY32" fmla="*/ 1255221 h 6248341"/>
+              <a:gd name="connsiteX33" fmla="*/ 2740778 w 12642772"/>
+              <a:gd name="connsiteY33" fmla="*/ 1232389 h 6248341"/>
+              <a:gd name="connsiteX34" fmla="*/ 2772006 w 12642772"/>
+              <a:gd name="connsiteY34" fmla="*/ 1218123 h 6248341"/>
+              <a:gd name="connsiteX35" fmla="*/ 2850754 w 12642772"/>
+              <a:gd name="connsiteY35" fmla="*/ 1180094 h 6248341"/>
+              <a:gd name="connsiteX36" fmla="*/ 2872381 w 12642772"/>
+              <a:gd name="connsiteY36" fmla="*/ 1159349 h 6248341"/>
+              <a:gd name="connsiteX37" fmla="*/ 2877664 w 12642772"/>
+              <a:gd name="connsiteY37" fmla="*/ 1153429 h 6248341"/>
+              <a:gd name="connsiteX38" fmla="*/ 2898982 w 12642772"/>
+              <a:gd name="connsiteY38" fmla="*/ 1143332 h 6248341"/>
+              <a:gd name="connsiteX39" fmla="*/ 2900154 w 12642772"/>
+              <a:gd name="connsiteY39" fmla="*/ 1144257 h 6248341"/>
+              <a:gd name="connsiteX40" fmla="*/ 2913224 w 12642772"/>
+              <a:gd name="connsiteY40" fmla="*/ 1144530 h 6248341"/>
+              <a:gd name="connsiteX41" fmla="*/ 2936660 w 12642772"/>
+              <a:gd name="connsiteY41" fmla="*/ 1142412 h 6248341"/>
+              <a:gd name="connsiteX42" fmla="*/ 2997572 w 12642772"/>
+              <a:gd name="connsiteY42" fmla="*/ 1141831 h 6248341"/>
+              <a:gd name="connsiteX43" fmla="*/ 3044472 w 12642772"/>
+              <a:gd name="connsiteY43" fmla="*/ 1131369 h 6248341"/>
+              <a:gd name="connsiteX44" fmla="*/ 3044790 w 12642772"/>
+              <a:gd name="connsiteY44" fmla="*/ 1131569 h 6248341"/>
+              <a:gd name="connsiteX45" fmla="*/ 3053469 w 12642772"/>
+              <a:gd name="connsiteY45" fmla="*/ 1129009 h 6248341"/>
+              <a:gd name="connsiteX46" fmla="*/ 3058924 w 12642772"/>
+              <a:gd name="connsiteY46" fmla="*/ 1126056 h 6248341"/>
+              <a:gd name="connsiteX47" fmla="*/ 3074299 w 12642772"/>
+              <a:gd name="connsiteY47" fmla="*/ 1120405 h 6248341"/>
+              <a:gd name="connsiteX48" fmla="*/ 3080657 w 12642772"/>
+              <a:gd name="connsiteY48" fmla="*/ 1120171 h 6248341"/>
+              <a:gd name="connsiteX49" fmla="*/ 3085901 w 12642772"/>
+              <a:gd name="connsiteY49" fmla="*/ 1121681 h 6248341"/>
+              <a:gd name="connsiteX50" fmla="*/ 3109448 w 12642772"/>
+              <a:gd name="connsiteY50" fmla="*/ 1097576 h 6248341"/>
+              <a:gd name="connsiteX51" fmla="*/ 3120280 w 12642772"/>
+              <a:gd name="connsiteY51" fmla="*/ 1092673 h 6248341"/>
+              <a:gd name="connsiteX52" fmla="*/ 3151969 w 12642772"/>
+              <a:gd name="connsiteY52" fmla="*/ 1093148 h 6248341"/>
+              <a:gd name="connsiteX53" fmla="*/ 3156202 w 12642772"/>
+              <a:gd name="connsiteY53" fmla="*/ 1091941 h 6248341"/>
+              <a:gd name="connsiteX54" fmla="*/ 3218578 w 12642772"/>
+              <a:gd name="connsiteY54" fmla="*/ 1084695 h 6248341"/>
+              <a:gd name="connsiteX55" fmla="*/ 3291572 w 12642772"/>
+              <a:gd name="connsiteY55" fmla="*/ 1074108 h 6248341"/>
+              <a:gd name="connsiteX56" fmla="*/ 3335322 w 12642772"/>
+              <a:gd name="connsiteY56" fmla="*/ 1065344 h 6248341"/>
+              <a:gd name="connsiteX57" fmla="*/ 3444471 w 12642772"/>
+              <a:gd name="connsiteY57" fmla="*/ 1040037 h 6248341"/>
+              <a:gd name="connsiteX58" fmla="*/ 3516736 w 12642772"/>
+              <a:gd name="connsiteY58" fmla="*/ 1044495 h 6248341"/>
+              <a:gd name="connsiteX59" fmla="*/ 3529913 w 12642772"/>
+              <a:gd name="connsiteY59" fmla="*/ 1036395 h 6248341"/>
+              <a:gd name="connsiteX60" fmla="*/ 3534215 w 12642772"/>
+              <a:gd name="connsiteY60" fmla="*/ 1032644 h 6248341"/>
+              <a:gd name="connsiteX61" fmla="*/ 3541901 w 12642772"/>
+              <a:gd name="connsiteY61" fmla="*/ 1028655 h 6248341"/>
+              <a:gd name="connsiteX62" fmla="*/ 3542297 w 12642772"/>
+              <a:gd name="connsiteY62" fmla="*/ 1028781 h 6248341"/>
+              <a:gd name="connsiteX63" fmla="*/ 3549091 w 12642772"/>
+              <a:gd name="connsiteY63" fmla="*/ 1024603 h 6248341"/>
+              <a:gd name="connsiteX64" fmla="*/ 3668564 w 12642772"/>
+              <a:gd name="connsiteY64" fmla="*/ 992085 h 6248341"/>
+              <a:gd name="connsiteX65" fmla="*/ 3681760 w 12642772"/>
+              <a:gd name="connsiteY65" fmla="*/ 989897 h 6248341"/>
+              <a:gd name="connsiteX66" fmla="*/ 3683298 w 12642772"/>
+              <a:gd name="connsiteY66" fmla="*/ 990533 h 6248341"/>
+              <a:gd name="connsiteX67" fmla="*/ 3701238 w 12642772"/>
+              <a:gd name="connsiteY67" fmla="*/ 978370 h 6248341"/>
+              <a:gd name="connsiteX68" fmla="*/ 3727029 w 12642772"/>
+              <a:gd name="connsiteY68" fmla="*/ 982634 h 6248341"/>
+              <a:gd name="connsiteX69" fmla="*/ 3827462 w 12642772"/>
+              <a:gd name="connsiteY69" fmla="*/ 983777 h 6248341"/>
+              <a:gd name="connsiteX70" fmla="*/ 3939255 w 12642772"/>
+              <a:gd name="connsiteY70" fmla="*/ 962526 h 6248341"/>
+              <a:gd name="connsiteX71" fmla="*/ 3976764 w 12642772"/>
+              <a:gd name="connsiteY71" fmla="*/ 943975 h 6248341"/>
+              <a:gd name="connsiteX72" fmla="*/ 4039745 w 12642772"/>
+              <a:gd name="connsiteY72" fmla="*/ 913576 h 6248341"/>
+              <a:gd name="connsiteX73" fmla="*/ 4081478 w 12642772"/>
+              <a:gd name="connsiteY73" fmla="*/ 863744 h 6248341"/>
+              <a:gd name="connsiteX74" fmla="*/ 4136255 w 12642772"/>
+              <a:gd name="connsiteY74" fmla="*/ 849070 h 6248341"/>
+              <a:gd name="connsiteX75" fmla="*/ 4155885 w 12642772"/>
+              <a:gd name="connsiteY75" fmla="*/ 880724 h 6248341"/>
+              <a:gd name="connsiteX76" fmla="*/ 4212239 w 12642772"/>
+              <a:gd name="connsiteY76" fmla="*/ 853648 h 6248341"/>
+              <a:gd name="connsiteX77" fmla="*/ 4296968 w 12642772"/>
+              <a:gd name="connsiteY77" fmla="*/ 808725 h 6248341"/>
+              <a:gd name="connsiteX78" fmla="*/ 4347619 w 12642772"/>
+              <a:gd name="connsiteY78" fmla="*/ 791871 h 6248341"/>
+              <a:gd name="connsiteX79" fmla="*/ 4484035 w 12642772"/>
+              <a:gd name="connsiteY79" fmla="*/ 736001 h 6248341"/>
+              <a:gd name="connsiteX80" fmla="*/ 4619194 w 12642772"/>
+              <a:gd name="connsiteY80" fmla="*/ 672546 h 6248341"/>
+              <a:gd name="connsiteX81" fmla="*/ 4648276 w 12642772"/>
+              <a:gd name="connsiteY81" fmla="*/ 677255 h 6248341"/>
+              <a:gd name="connsiteX82" fmla="*/ 4658535 w 12642772"/>
+              <a:gd name="connsiteY82" fmla="*/ 658404 h 6248341"/>
+              <a:gd name="connsiteX83" fmla="*/ 4684435 w 12642772"/>
+              <a:gd name="connsiteY83" fmla="*/ 658040 h 6248341"/>
+              <a:gd name="connsiteX84" fmla="*/ 4685966 w 12642772"/>
+              <a:gd name="connsiteY84" fmla="*/ 659300 h 6248341"/>
+              <a:gd name="connsiteX85" fmla="*/ 4773323 w 12642772"/>
+              <a:gd name="connsiteY85" fmla="*/ 620033 h 6248341"/>
+              <a:gd name="connsiteX86" fmla="*/ 4789881 w 12642772"/>
+              <a:gd name="connsiteY86" fmla="*/ 612833 h 6248341"/>
+              <a:gd name="connsiteX87" fmla="*/ 4793116 w 12642772"/>
+              <a:gd name="connsiteY87" fmla="*/ 606807 h 6248341"/>
+              <a:gd name="connsiteX88" fmla="*/ 4818294 w 12642772"/>
+              <a:gd name="connsiteY88" fmla="*/ 598208 h 6248341"/>
+              <a:gd name="connsiteX89" fmla="*/ 4889379 w 12642772"/>
+              <a:gd name="connsiteY89" fmla="*/ 574856 h 6248341"/>
+              <a:gd name="connsiteX90" fmla="*/ 4967000 w 12642772"/>
+              <a:gd name="connsiteY90" fmla="*/ 563548 h 6248341"/>
+              <a:gd name="connsiteX91" fmla="*/ 5011397 w 12642772"/>
+              <a:gd name="connsiteY91" fmla="*/ 546508 h 6248341"/>
+              <a:gd name="connsiteX92" fmla="*/ 5017511 w 12642772"/>
+              <a:gd name="connsiteY92" fmla="*/ 542737 h 6248341"/>
+              <a:gd name="connsiteX93" fmla="*/ 5022951 w 12642772"/>
+              <a:gd name="connsiteY93" fmla="*/ 543578 h 6248341"/>
+              <a:gd name="connsiteX94" fmla="*/ 5028686 w 12642772"/>
+              <a:gd name="connsiteY94" fmla="*/ 550797 h 6248341"/>
+              <a:gd name="connsiteX95" fmla="*/ 5055222 w 12642772"/>
+              <a:gd name="connsiteY95" fmla="*/ 551685 h 6248341"/>
+              <a:gd name="connsiteX96" fmla="*/ 5058043 w 12642772"/>
+              <a:gd name="connsiteY96" fmla="*/ 549365 h 6248341"/>
+              <a:gd name="connsiteX97" fmla="*/ 5080769 w 12642772"/>
+              <a:gd name="connsiteY97" fmla="*/ 559110 h 6248341"/>
+              <a:gd name="connsiteX98" fmla="*/ 5100831 w 12642772"/>
+              <a:gd name="connsiteY98" fmla="*/ 578170 h 6248341"/>
+              <a:gd name="connsiteX99" fmla="*/ 5323302 w 12642772"/>
+              <a:gd name="connsiteY99" fmla="*/ 551607 h 6248341"/>
+              <a:gd name="connsiteX100" fmla="*/ 5524173 w 12642772"/>
+              <a:gd name="connsiteY100" fmla="*/ 623428 h 6248341"/>
+              <a:gd name="connsiteX101" fmla="*/ 5644692 w 12642772"/>
+              <a:gd name="connsiteY101" fmla="*/ 606574 h 6248341"/>
+              <a:gd name="connsiteX102" fmla="*/ 5984259 w 12642772"/>
+              <a:gd name="connsiteY102" fmla="*/ 559264 h 6248341"/>
+              <a:gd name="connsiteX103" fmla="*/ 6059790 w 12642772"/>
+              <a:gd name="connsiteY103" fmla="*/ 538457 h 6248341"/>
+              <a:gd name="connsiteX104" fmla="*/ 6130495 w 12642772"/>
+              <a:gd name="connsiteY104" fmla="*/ 565308 h 6248341"/>
+              <a:gd name="connsiteX105" fmla="*/ 6157089 w 12642772"/>
+              <a:gd name="connsiteY105" fmla="*/ 547229 h 6248341"/>
+              <a:gd name="connsiteX106" fmla="*/ 6161628 w 12642772"/>
+              <a:gd name="connsiteY106" fmla="*/ 543616 h 6248341"/>
+              <a:gd name="connsiteX107" fmla="*/ 6180804 w 12642772"/>
+              <a:gd name="connsiteY107" fmla="*/ 539939 h 6248341"/>
+              <a:gd name="connsiteX108" fmla="*/ 6184951 w 12642772"/>
+              <a:gd name="connsiteY108" fmla="*/ 525424 h 6248341"/>
+              <a:gd name="connsiteX109" fmla="*/ 6212909 w 12642772"/>
+              <a:gd name="connsiteY109" fmla="*/ 510232 h 6248341"/>
+              <a:gd name="connsiteX110" fmla="*/ 6248556 w 12642772"/>
+              <a:gd name="connsiteY110" fmla="*/ 507226 h 6248341"/>
+              <a:gd name="connsiteX111" fmla="*/ 6419167 w 12642772"/>
+              <a:gd name="connsiteY111" fmla="*/ 508015 h 6248341"/>
+              <a:gd name="connsiteX112" fmla="*/ 6520553 w 12642772"/>
+              <a:gd name="connsiteY112" fmla="*/ 499890 h 6248341"/>
+              <a:gd name="connsiteX113" fmla="*/ 6557985 w 12642772"/>
+              <a:gd name="connsiteY113" fmla="*/ 483298 h 6248341"/>
+              <a:gd name="connsiteX114" fmla="*/ 6610986 w 12642772"/>
+              <a:gd name="connsiteY114" fmla="*/ 469207 h 6248341"/>
+              <a:gd name="connsiteX115" fmla="*/ 6703685 w 12642772"/>
+              <a:gd name="connsiteY115" fmla="*/ 433885 h 6248341"/>
+              <a:gd name="connsiteX116" fmla="*/ 6829686 w 12642772"/>
+              <a:gd name="connsiteY116" fmla="*/ 404609 h 6248341"/>
+              <a:gd name="connsiteX117" fmla="*/ 6926071 w 12642772"/>
+              <a:gd name="connsiteY117" fmla="*/ 440952 h 6248341"/>
+              <a:gd name="connsiteX118" fmla="*/ 6933459 w 12642772"/>
+              <a:gd name="connsiteY118" fmla="*/ 430117 h 6248341"/>
+              <a:gd name="connsiteX119" fmla="*/ 6997730 w 12642772"/>
+              <a:gd name="connsiteY119" fmla="*/ 427075 h 6248341"/>
+              <a:gd name="connsiteX120" fmla="*/ 7228068 w 12642772"/>
+              <a:gd name="connsiteY120" fmla="*/ 485987 h 6248341"/>
+              <a:gd name="connsiteX121" fmla="*/ 7353524 w 12642772"/>
+              <a:gd name="connsiteY121" fmla="*/ 478122 h 6248341"/>
+              <a:gd name="connsiteX122" fmla="*/ 7397216 w 12642772"/>
+              <a:gd name="connsiteY122" fmla="*/ 464113 h 6248341"/>
+              <a:gd name="connsiteX123" fmla="*/ 7470470 w 12642772"/>
+              <a:gd name="connsiteY123" fmla="*/ 441338 h 6248341"/>
+              <a:gd name="connsiteX124" fmla="*/ 7523162 w 12642772"/>
+              <a:gd name="connsiteY124" fmla="*/ 396692 h 6248341"/>
+              <a:gd name="connsiteX125" fmla="*/ 7585229 w 12642772"/>
+              <a:gd name="connsiteY125" fmla="*/ 388596 h 6248341"/>
+              <a:gd name="connsiteX126" fmla="*/ 7602312 w 12642772"/>
+              <a:gd name="connsiteY126" fmla="*/ 422441 h 6248341"/>
+              <a:gd name="connsiteX127" fmla="*/ 7667842 w 12642772"/>
+              <a:gd name="connsiteY127" fmla="*/ 402184 h 6248341"/>
+              <a:gd name="connsiteX128" fmla="*/ 7766955 w 12642772"/>
+              <a:gd name="connsiteY128" fmla="*/ 367538 h 6248341"/>
+              <a:gd name="connsiteX129" fmla="*/ 7824808 w 12642772"/>
+              <a:gd name="connsiteY129" fmla="*/ 356782 h 6248341"/>
+              <a:gd name="connsiteX130" fmla="*/ 7982082 w 12642772"/>
+              <a:gd name="connsiteY130" fmla="*/ 317381 h 6248341"/>
+              <a:gd name="connsiteX131" fmla="*/ 8139042 w 12642772"/>
+              <a:gd name="connsiteY131" fmla="*/ 270278 h 6248341"/>
+              <a:gd name="connsiteX132" fmla="*/ 8188479 w 12642772"/>
+              <a:gd name="connsiteY132" fmla="*/ 250893 h 6248341"/>
+              <a:gd name="connsiteX133" fmla="*/ 8197460 w 12642772"/>
+              <a:gd name="connsiteY133" fmla="*/ 227412 h 6248341"/>
+              <a:gd name="connsiteX134" fmla="*/ 8236543 w 12642772"/>
+              <a:gd name="connsiteY134" fmla="*/ 231896 h 6248341"/>
+              <a:gd name="connsiteX135" fmla="*/ 8288656 w 12642772"/>
+              <a:gd name="connsiteY135" fmla="*/ 233518 h 6248341"/>
+              <a:gd name="connsiteX136" fmla="*/ 8365194 w 12642772"/>
+              <a:gd name="connsiteY136" fmla="*/ 255354 h 6248341"/>
+              <a:gd name="connsiteX137" fmla="*/ 8371093 w 12642772"/>
+              <a:gd name="connsiteY137" fmla="*/ 253056 h 6248341"/>
+              <a:gd name="connsiteX138" fmla="*/ 8380079 w 12642772"/>
+              <a:gd name="connsiteY138" fmla="*/ 251533 h 6248341"/>
+              <a:gd name="connsiteX139" fmla="*/ 8380352 w 12642772"/>
+              <a:gd name="connsiteY139" fmla="*/ 251771 h 6248341"/>
+              <a:gd name="connsiteX140" fmla="*/ 8388670 w 12642772"/>
+              <a:gd name="connsiteY140" fmla="*/ 249803 h 6248341"/>
+              <a:gd name="connsiteX141" fmla="*/ 8439400 w 12642772"/>
+              <a:gd name="connsiteY141" fmla="*/ 252189 h 6248341"/>
+              <a:gd name="connsiteX142" fmla="*/ 8502127 w 12642772"/>
+              <a:gd name="connsiteY142" fmla="*/ 246524 h 6248341"/>
+              <a:gd name="connsiteX143" fmla="*/ 8575600 w 12642772"/>
+              <a:gd name="connsiteY143" fmla="*/ 247912 h 6248341"/>
+              <a:gd name="connsiteX144" fmla="*/ 8609423 w 12642772"/>
+              <a:gd name="connsiteY144" fmla="*/ 225288 h 6248341"/>
+              <a:gd name="connsiteX145" fmla="*/ 8628794 w 12642772"/>
+              <a:gd name="connsiteY145" fmla="*/ 220632 h 6248341"/>
+              <a:gd name="connsiteX146" fmla="*/ 8631243 w 12642772"/>
+              <a:gd name="connsiteY146" fmla="*/ 221270 h 6248341"/>
+              <a:gd name="connsiteX147" fmla="*/ 8708752 w 12642772"/>
+              <a:gd name="connsiteY147" fmla="*/ 203517 h 6248341"/>
+              <a:gd name="connsiteX148" fmla="*/ 8825952 w 12642772"/>
+              <a:gd name="connsiteY148" fmla="*/ 177822 h 6248341"/>
+              <a:gd name="connsiteX149" fmla="*/ 8862166 w 12642772"/>
+              <a:gd name="connsiteY149" fmla="*/ 170735 h 6248341"/>
+              <a:gd name="connsiteX150" fmla="*/ 8884490 w 12642772"/>
+              <a:gd name="connsiteY150" fmla="*/ 165616 h 6248341"/>
+              <a:gd name="connsiteX151" fmla="*/ 8918298 w 12642772"/>
+              <a:gd name="connsiteY151" fmla="*/ 194546 h 6248341"/>
+              <a:gd name="connsiteX152" fmla="*/ 8948572 w 12642772"/>
+              <a:gd name="connsiteY152" fmla="*/ 207940 h 6248341"/>
+              <a:gd name="connsiteX153" fmla="*/ 9104724 w 12642772"/>
+              <a:gd name="connsiteY153" fmla="*/ 178319 h 6248341"/>
+              <a:gd name="connsiteX154" fmla="*/ 9198328 w 12642772"/>
+              <a:gd name="connsiteY154" fmla="*/ 159122 h 6248341"/>
+              <a:gd name="connsiteX155" fmla="*/ 9339412 w 12642772"/>
+              <a:gd name="connsiteY155" fmla="*/ 203422 h 6248341"/>
+              <a:gd name="connsiteX156" fmla="*/ 9409165 w 12642772"/>
+              <a:gd name="connsiteY156" fmla="*/ 216989 h 6248341"/>
+              <a:gd name="connsiteX157" fmla="*/ 9516379 w 12642772"/>
+              <a:gd name="connsiteY157" fmla="*/ 220757 h 6248341"/>
+              <a:gd name="connsiteX158" fmla="*/ 9615958 w 12642772"/>
+              <a:gd name="connsiteY158" fmla="*/ 196389 h 6248341"/>
+              <a:gd name="connsiteX159" fmla="*/ 9860346 w 12642772"/>
+              <a:gd name="connsiteY159" fmla="*/ 177067 h 6248341"/>
+              <a:gd name="connsiteX160" fmla="*/ 10071193 w 12642772"/>
+              <a:gd name="connsiteY160" fmla="*/ 142345 h 6248341"/>
+              <a:gd name="connsiteX161" fmla="*/ 10270876 w 12642772"/>
+              <a:gd name="connsiteY161" fmla="*/ 164464 h 6248341"/>
+              <a:gd name="connsiteX162" fmla="*/ 10338607 w 12642772"/>
+              <a:gd name="connsiteY162" fmla="*/ 202846 h 6248341"/>
+              <a:gd name="connsiteX163" fmla="*/ 10370927 w 12642772"/>
+              <a:gd name="connsiteY163" fmla="*/ 198630 h 6248341"/>
+              <a:gd name="connsiteX164" fmla="*/ 10423650 w 12642772"/>
+              <a:gd name="connsiteY164" fmla="*/ 187033 h 6248341"/>
+              <a:gd name="connsiteX165" fmla="*/ 10507238 w 12642772"/>
+              <a:gd name="connsiteY165" fmla="*/ 199359 h 6248341"/>
+              <a:gd name="connsiteX166" fmla="*/ 10712234 w 12642772"/>
+              <a:gd name="connsiteY166" fmla="*/ 202150 h 6248341"/>
+              <a:gd name="connsiteX167" fmla="*/ 10955598 w 12642772"/>
+              <a:gd name="connsiteY167" fmla="*/ 236823 h 6248341"/>
+              <a:gd name="connsiteX168" fmla="*/ 11210395 w 12642772"/>
+              <a:gd name="connsiteY168" fmla="*/ 197924 h 6248341"/>
+              <a:gd name="connsiteX169" fmla="*/ 11355556 w 12642772"/>
+              <a:gd name="connsiteY169" fmla="*/ 131371 h 6248341"/>
+              <a:gd name="connsiteX170" fmla="*/ 11531644 w 12642772"/>
+              <a:gd name="connsiteY170" fmla="*/ 99364 h 6248341"/>
+              <a:gd name="connsiteX171" fmla="*/ 11719114 w 12642772"/>
+              <a:gd name="connsiteY171" fmla="*/ 62439 h 6248341"/>
+              <a:gd name="connsiteX172" fmla="*/ 11814686 w 12642772"/>
+              <a:gd name="connsiteY172" fmla="*/ 38458 h 6248341"/>
+              <a:gd name="connsiteX173" fmla="*/ 11865687 w 12642772"/>
+              <a:gd name="connsiteY173" fmla="*/ 10088 h 6248341"/>
+              <a:gd name="connsiteX174" fmla="*/ 11957454 w 12642772"/>
+              <a:gd name="connsiteY174" fmla="*/ 4020 h 6248341"/>
+              <a:gd name="connsiteX175" fmla="*/ 11975060 w 12642772"/>
+              <a:gd name="connsiteY175" fmla="*/ 0 h 6248341"/>
+              <a:gd name="connsiteX176" fmla="*/ 12006839 w 12642772"/>
+              <a:gd name="connsiteY176" fmla="*/ 210943 h 6248341"/>
+              <a:gd name="connsiteX177" fmla="*/ 12642772 w 12642772"/>
+              <a:gd name="connsiteY177" fmla="*/ 4432052 h 6248341"/>
+            </a:gdLst>
+            <a:ahLst/>
+            <a:cxnLst>
+              <a:cxn ang="0">
+                <a:pos x="connsiteX0" y="connsiteY0"/>
+              </a:cxn>
+              <a:cxn ang="0">
+                <a:pos x="connsiteX1" y="connsiteY1"/>
+              </a:cxn>
+              <a:cxn ang="0">
+                <a:pos x="connsiteX2" y="connsiteY2"/>
+              </a:cxn>
+              <a:cxn ang="0">
+                <a:pos x="connsiteX3" y="connsiteY3"/>
+              </a:cxn>
+              <a:cxn ang="0">
+                <a:pos x="connsiteX4" y="connsiteY4"/>
+              </a:cxn>
+              <a:cxn ang="0">
+                <a:pos x="connsiteX5" y="connsiteY5"/>
+              </a:cxn>
+              <a:cxn ang="0">
+                <a:pos x="connsiteX6" y="connsiteY6"/>
+              </a:cxn>
+              <a:cxn ang="0">
+                <a:pos x="connsiteX7" y="connsiteY7"/>
+              </a:cxn>
+              <a:cxn ang="0">
+                <a:pos x="connsiteX8" y="connsiteY8"/>
+              </a:cxn>
+              <a:cxn ang="0">
+                <a:pos x="connsiteX9" y="connsiteY9"/>
+              </a:cxn>
+              <a:cxn ang="0">
+                <a:pos x="connsiteX10" y="connsiteY10"/>
+              </a:cxn>
+              <a:cxn ang="0">
+                <a:pos x="connsiteX11" y="connsiteY11"/>
+              </a:cxn>
+              <a:cxn ang="0">
+                <a:pos x="connsiteX12" y="connsiteY12"/>
+              </a:cxn>
+              <a:cxn ang="0">
+                <a:pos x="connsiteX13" y="connsiteY13"/>
+              </a:cxn>
+              <a:cxn ang="0">
+                <a:pos x="connsiteX14" y="connsiteY14"/>
+              </a:cxn>
+              <a:cxn ang="0">
+                <a:pos x="connsiteX15" y="connsiteY15"/>
+              </a:cxn>
+              <a:cxn ang="0">
+                <a:pos x="connsiteX16" y="connsiteY16"/>
+              </a:cxn>
+              <a:cxn ang="0">
+                <a:pos x="connsiteX17" y="connsiteY17"/>
+              </a:cxn>
+              <a:cxn ang="0">
+                <a:pos x="connsiteX18" y="connsiteY18"/>
+              </a:cxn>
+              <a:cxn ang="0">
+                <a:pos x="connsiteX19" y="connsiteY19"/>
+              </a:cxn>
+              <a:cxn ang="0">
+                <a:pos x="connsiteX20" y="connsiteY20"/>
+              </a:cxn>
+              <a:cxn ang="0">
+                <a:pos x="connsiteX21" y="connsiteY21"/>
+              </a:cxn>
+              <a:cxn ang="0">
+                <a:pos x="connsiteX22" y="connsiteY22"/>
+              </a:cxn>
+              <a:cxn ang="0">
+                <a:pos x="connsiteX23" y="connsiteY23"/>
+              </a:cxn>
+              <a:cxn ang="0">
+                <a:pos x="connsiteX24" y="connsiteY24"/>
+              </a:cxn>
+              <a:cxn ang="0">
+                <a:pos x="connsiteX25" y="connsiteY25"/>
+              </a:cxn>
+              <a:cxn ang="0">
+                <a:pos x="connsiteX26" y="connsiteY26"/>
+              </a:cxn>
+              <a:cxn ang="0">
+                <a:pos x="connsiteX27" y="connsiteY27"/>
+              </a:cxn>
+              <a:cxn ang="0">
+                <a:pos x="connsiteX28" y="connsiteY28"/>
+              </a:cxn>
+              <a:cxn ang="0">
+                <a:pos x="connsiteX29" y="connsiteY29"/>
+              </a:cxn>
+              <a:cxn ang="0">
+                <a:pos x="connsiteX30" y="connsiteY30"/>
+              </a:cxn>
+              <a:cxn ang="0">
+                <a:pos x="connsiteX31" y="connsiteY31"/>
+              </a:cxn>
+              <a:cxn ang="0">
+                <a:pos x="connsiteX32" y="connsiteY32"/>
+              </a:cxn>
+              <a:cxn ang="0">
+                <a:pos x="connsiteX33" y="connsiteY33"/>
+              </a:cxn>
+              <a:cxn ang="0">
+                <a:pos x="connsiteX34" y="connsiteY34"/>
+              </a:cxn>
+              <a:cxn ang="0">
+                <a:pos x="connsiteX35" y="connsiteY35"/>
+              </a:cxn>
+              <a:cxn ang="0">
+                <a:pos x="connsiteX36" y="connsiteY36"/>
+              </a:cxn>
+              <a:cxn ang="0">
+                <a:pos x="connsiteX37" y="connsiteY37"/>
+              </a:cxn>
+              <a:cxn ang="0">
+                <a:pos x="connsiteX38" y="connsiteY38"/>
+              </a:cxn>
+              <a:cxn ang="0">
+                <a:pos x="connsiteX39" y="connsiteY39"/>
+              </a:cxn>
+              <a:cxn ang="0">
+                <a:pos x="connsiteX40" y="connsiteY40"/>
+              </a:cxn>
+              <a:cxn ang="0">
+                <a:pos x="connsiteX41" y="connsiteY41"/>
+              </a:cxn>
+              <a:cxn ang="0">
+                <a:pos x="connsiteX42" y="connsiteY42"/>
+              </a:cxn>
+              <a:cxn ang="0">
+                <a:pos x="connsiteX43" y="connsiteY43"/>
+              </a:cxn>
+              <a:cxn ang="0">
+                <a:pos x="connsiteX44" y="connsiteY44"/>
+              </a:cxn>
+              <a:cxn ang="0">
+                <a:pos x="connsiteX45" y="connsiteY45"/>
+              </a:cxn>
+              <a:cxn ang="0">
+                <a:pos x="connsiteX46" y="connsiteY46"/>
+              </a:cxn>
+              <a:cxn ang="0">
+                <a:pos x="connsiteX47" y="connsiteY47"/>
+              </a:cxn>
+              <a:cxn ang="0">
+                <a:pos x="connsiteX48" y="connsiteY48"/>
+              </a:cxn>
+              <a:cxn ang="0">
+                <a:pos x="connsiteX49" y="connsiteY49"/>
+              </a:cxn>
+              <a:cxn ang="0">
+                <a:pos x="connsiteX50" y="connsiteY50"/>
+              </a:cxn>
+              <a:cxn ang="0">
+                <a:pos x="connsiteX51" y="connsiteY51"/>
+              </a:cxn>
+              <a:cxn ang="0">
+                <a:pos x="connsiteX52" y="connsiteY52"/>
+              </a:cxn>
+              <a:cxn ang="0">
+                <a:pos x="connsiteX53" y="connsiteY53"/>
+              </a:cxn>
+              <a:cxn ang="0">
+                <a:pos x="connsiteX54" y="connsiteY54"/>
+              </a:cxn>
+              <a:cxn ang="0">
+                <a:pos x="connsiteX55" y="connsiteY55"/>
+              </a:cxn>
+              <a:cxn ang="0">
+                <a:pos x="connsiteX56" y="connsiteY56"/>
+              </a:cxn>
+              <a:cxn ang="0">
+                <a:pos x="connsiteX57" y="connsiteY57"/>
+              </a:cxn>
+              <a:cxn ang="0">
+                <a:pos x="connsiteX58" y="connsiteY58"/>
+              </a:cxn>
+              <a:cxn ang="0">
+                <a:pos x="connsiteX59" y="connsiteY59"/>
+              </a:cxn>
+              <a:cxn ang="0">
+                <a:pos x="connsiteX60" y="connsiteY60"/>
+              </a:cxn>
+              <a:cxn ang="0">
+                <a:pos x="connsiteX61" y="connsiteY61"/>
+              </a:cxn>
+              <a:cxn ang="0">
+                <a:pos x="connsiteX62" y="connsiteY62"/>
+              </a:cxn>
+              <a:cxn ang="0">
+                <a:pos x="connsiteX63" y="connsiteY63"/>
+              </a:cxn>
+              <a:cxn ang="0">
+                <a:pos x="connsiteX64" y="connsiteY64"/>
+              </a:cxn>
+              <a:cxn ang="0">
+                <a:pos x="connsiteX65" y="connsiteY65"/>
+              </a:cxn>
+              <a:cxn ang="0">
+                <a:pos x="connsiteX66" y="connsiteY66"/>
+              </a:cxn>
+              <a:cxn ang="0">
+                <a:pos x="connsiteX67" y="connsiteY67"/>
+              </a:cxn>
+              <a:cxn ang="0">
+                <a:pos x="connsiteX68" y="connsiteY68"/>
+              </a:cxn>
+              <a:cxn ang="0">
+                <a:pos x="connsiteX69" y="connsiteY69"/>
+              </a:cxn>
+              <a:cxn ang="0">
+                <a:pos x="connsiteX70" y="connsiteY70"/>
+              </a:cxn>
+              <a:cxn ang="0">
+                <a:pos x="connsiteX71" y="connsiteY71"/>
+              </a:cxn>
+              <a:cxn ang="0">
+                <a:pos x="connsiteX72" y="connsiteY72"/>
+              </a:cxn>
+              <a:cxn ang="0">
+                <a:pos x="connsiteX73" y="connsiteY73"/>
+              </a:cxn>
+              <a:cxn ang="0">
+                <a:pos x="connsiteX74" y="connsiteY74"/>
+              </a:cxn>
+              <a:cxn ang="0">
+                <a:pos x="connsiteX75" y="connsiteY75"/>
+              </a:cxn>
+              <a:cxn ang="0">
+                <a:pos x="connsiteX76" y="connsiteY76"/>
+              </a:cxn>
+              <a:cxn ang="0">
+                <a:pos x="connsiteX77" y="connsiteY77"/>
+              </a:cxn>
+              <a:cxn ang="0">
+                <a:pos x="connsiteX78" y="connsiteY78"/>
+              </a:cxn>
+              <a:cxn ang="0">
+                <a:pos x="connsiteX79" y="connsiteY79"/>
+              </a:cxn>
+              <a:cxn ang="0">
+                <a:pos x="connsiteX80" y="connsiteY80"/>
+              </a:cxn>
+              <a:cxn ang="0">
+                <a:pos x="connsiteX81" y="connsiteY81"/>
+              </a:cxn>
+              <a:cxn ang="0">
+                <a:pos x="connsiteX82" y="connsiteY82"/>
+              </a:cxn>
+              <a:cxn ang="0">
+                <a:pos x="connsiteX83" y="connsiteY83"/>
+              </a:cxn>
+              <a:cxn ang="0">
+                <a:pos x="connsiteX84" y="connsiteY84"/>
+              </a:cxn>
+              <a:cxn ang="0">
+                <a:pos x="connsiteX85" y="connsiteY85"/>
+              </a:cxn>
+              <a:cxn ang="0">
+                <a:pos x="connsiteX86" y="connsiteY86"/>
+              </a:cxn>
+              <a:cxn ang="0">
+                <a:pos x="connsiteX87" y="connsiteY87"/>
+              </a:cxn>
+              <a:cxn ang="0">
+                <a:pos x="connsiteX88" y="connsiteY88"/>
+              </a:cxn>
+              <a:cxn ang="0">
+                <a:pos x="connsiteX89" y="connsiteY89"/>
+              </a:cxn>
+              <a:cxn ang="0">
+                <a:pos x="connsiteX90" y="connsiteY90"/>
+              </a:cxn>
+              <a:cxn ang="0">
+                <a:pos x="connsiteX91" y="connsiteY91"/>
+              </a:cxn>
+              <a:cxn ang="0">
+                <a:pos x="connsiteX92" y="connsiteY92"/>
+              </a:cxn>
+              <a:cxn ang="0">
+                <a:pos x="connsiteX93" y="connsiteY93"/>
+              </a:cxn>
+              <a:cxn ang="0">
+                <a:pos x="connsiteX94" y="connsiteY94"/>
+              </a:cxn>
+              <a:cxn ang="0">
+                <a:pos x="connsiteX95" y="connsiteY95"/>
+              </a:cxn>
+              <a:cxn ang="0">
+                <a:pos x="connsiteX96" y="connsiteY96"/>
+              </a:cxn>
+              <a:cxn ang="0">
+                <a:pos x="connsiteX97" y="connsiteY97"/>
+              </a:cxn>
+              <a:cxn ang="0">
+                <a:pos x="connsiteX98" y="connsiteY98"/>
+              </a:cxn>
+              <a:cxn ang="0">
+                <a:pos x="connsiteX99" y="connsiteY99"/>
+              </a:cxn>
+              <a:cxn ang="0">
+                <a:pos x="connsiteX100" y="connsiteY100"/>
+              </a:cxn>
+              <a:cxn ang="0">
+                <a:pos x="connsiteX101" y="connsiteY101"/>
+              </a:cxn>
+              <a:cxn ang="0">
+                <a:pos x="connsiteX102" y="connsiteY102"/>
+              </a:cxn>
+              <a:cxn ang="0">
+                <a:pos x="connsiteX103" y="connsiteY103"/>
+              </a:cxn>
+              <a:cxn ang="0">
+                <a:pos x="connsiteX104" y="connsiteY104"/>
+              </a:cxn>
+              <a:cxn ang="0">
+                <a:pos x="connsiteX105" y="connsiteY105"/>
+              </a:cxn>
+              <a:cxn ang="0">
+                <a:pos x="connsiteX106" y="connsiteY106"/>
+              </a:cxn>
+              <a:cxn ang="0">
+                <a:pos x="connsiteX107" y="connsiteY107"/>
+              </a:cxn>
+              <a:cxn ang="0">
+                <a:pos x="connsiteX108" y="connsiteY108"/>
+              </a:cxn>
+              <a:cxn ang="0">
+                <a:pos x="connsiteX109" y="connsiteY109"/>
+              </a:cxn>
+              <a:cxn ang="0">
+                <a:pos x="connsiteX110" y="connsiteY110"/>
+              </a:cxn>
+              <a:cxn ang="0">
+                <a:pos x="connsiteX111" y="connsiteY111"/>
+              </a:cxn>
+              <a:cxn ang="0">
+                <a:pos x="connsiteX112" y="connsiteY112"/>
+              </a:cxn>
+              <a:cxn ang="0">
+                <a:pos x="connsiteX113" y="connsiteY113"/>
+              </a:cxn>
+              <a:cxn ang="0">
+                <a:pos x="connsiteX114" y="connsiteY114"/>
+              </a:cxn>
+              <a:cxn ang="0">
+                <a:pos x="connsiteX115" y="connsiteY115"/>
+              </a:cxn>
+              <a:cxn ang="0">
+                <a:pos x="connsiteX116" y="connsiteY116"/>
+              </a:cxn>
+              <a:cxn ang="0">
+                <a:pos x="connsiteX117" y="connsiteY117"/>
+              </a:cxn>
+              <a:cxn ang="0">
+                <a:pos x="connsiteX118" y="connsiteY118"/>
+              </a:cxn>
+              <a:cxn ang="0">
+                <a:pos x="connsiteX119" y="connsiteY119"/>
+              </a:cxn>
+              <a:cxn ang="0">
+                <a:pos x="connsiteX120" y="connsiteY120"/>
+              </a:cxn>
+              <a:cxn ang="0">
+                <a:pos x="connsiteX121" y="connsiteY121"/>
+              </a:cxn>
+              <a:cxn ang="0">
+                <a:pos x="connsiteX122" y="connsiteY122"/>
+              </a:cxn>
+              <a:cxn ang="0">
+                <a:pos x="connsiteX123" y="connsiteY123"/>
+              </a:cxn>
+              <a:cxn ang="0">
+                <a:pos x="connsiteX124" y="connsiteY124"/>
+              </a:cxn>
+              <a:cxn ang="0">
+                <a:pos x="connsiteX125" y="connsiteY125"/>
+              </a:cxn>
+              <a:cxn ang="0">
+                <a:pos x="connsiteX126" y="connsiteY126"/>
+              </a:cxn>
+              <a:cxn ang="0">
+                <a:pos x="connsiteX127" y="connsiteY127"/>
+              </a:cxn>
+              <a:cxn ang="0">
+                <a:pos x="connsiteX128" y="connsiteY128"/>
+              </a:cxn>
+              <a:cxn ang="0">
+                <a:pos x="connsiteX129" y="connsiteY129"/>
+              </a:cxn>
+              <a:cxn ang="0">
+                <a:pos x="connsiteX130" y="connsiteY130"/>
+              </a:cxn>
+              <a:cxn ang="0">
+                <a:pos x="connsiteX131" y="connsiteY131"/>
+              </a:cxn>
+              <a:cxn ang="0">
+                <a:pos x="connsiteX132" y="connsiteY132"/>
+              </a:cxn>
+              <a:cxn ang="0">
+                <a:pos x="connsiteX133" y="connsiteY133"/>
+              </a:cxn>
+              <a:cxn ang="0">
+                <a:pos x="connsiteX134" y="connsiteY134"/>
+              </a:cxn>
+              <a:cxn ang="0">
+                <a:pos x="connsiteX135" y="connsiteY135"/>
+              </a:cxn>
+              <a:cxn ang="0">
+                <a:pos x="connsiteX136" y="connsiteY136"/>
+              </a:cxn>
+              <a:cxn ang="0">
+                <a:pos x="connsiteX137" y="connsiteY137"/>
+              </a:cxn>
+              <a:cxn ang="0">
+                <a:pos x="connsiteX138" y="connsiteY138"/>
+              </a:cxn>
+              <a:cxn ang="0">
+                <a:pos x="connsiteX139" y="connsiteY139"/>
+              </a:cxn>
+              <a:cxn ang="0">
+                <a:pos x="connsiteX140" y="connsiteY140"/>
+              </a:cxn>
+              <a:cxn ang="0">
+                <a:pos x="connsiteX141" y="connsiteY141"/>
+              </a:cxn>
+              <a:cxn ang="0">
+                <a:pos x="connsiteX142" y="connsiteY142"/>
+              </a:cxn>
+              <a:cxn ang="0">
+                <a:pos x="connsiteX143" y="connsiteY143"/>
+              </a:cxn>
+              <a:cxn ang="0">
+                <a:pos x="connsiteX144" y="connsiteY144"/>
+              </a:cxn>
+              <a:cxn ang="0">
+                <a:pos x="connsiteX145" y="connsiteY145"/>
+              </a:cxn>
+              <a:cxn ang="0">
+                <a:pos x="connsiteX146" y="connsiteY146"/>
+              </a:cxn>
+              <a:cxn ang="0">
+                <a:pos x="connsiteX147" y="connsiteY147"/>
+              </a:cxn>
+              <a:cxn ang="0">
+                <a:pos x="connsiteX148" y="connsiteY148"/>
+              </a:cxn>
+              <a:cxn ang="0">
+                <a:pos x="connsiteX149" y="connsiteY149"/>
+              </a:cxn>
+              <a:cxn ang="0">
+                <a:pos x="connsiteX150" y="connsiteY150"/>
+              </a:cxn>
+              <a:cxn ang="0">
+                <a:pos x="connsiteX151" y="connsiteY151"/>
+              </a:cxn>
+              <a:cxn ang="0">
+                <a:pos x="connsiteX152" y="connsiteY152"/>
+              </a:cxn>
+              <a:cxn ang="0">
+                <a:pos x="connsiteX153" y="connsiteY153"/>
+              </a:cxn>
+              <a:cxn ang="0">
+                <a:pos x="connsiteX154" y="connsiteY154"/>
+              </a:cxn>
+              <a:cxn ang="0">
+                <a:pos x="connsiteX155" y="connsiteY155"/>
+              </a:cxn>
+              <a:cxn ang="0">
+                <a:pos x="connsiteX156" y="connsiteY156"/>
+              </a:cxn>
+              <a:cxn ang="0">
+                <a:pos x="connsiteX157" y="connsiteY157"/>
+              </a:cxn>
+              <a:cxn ang="0">
+                <a:pos x="connsiteX158" y="connsiteY158"/>
+              </a:cxn>
+              <a:cxn ang="0">
+                <a:pos x="connsiteX159" y="connsiteY159"/>
+              </a:cxn>
+              <a:cxn ang="0">
+                <a:pos x="connsiteX160" y="connsiteY160"/>
+              </a:cxn>
+              <a:cxn ang="0">
+                <a:pos x="connsiteX161" y="connsiteY161"/>
+              </a:cxn>
+              <a:cxn ang="0">
+                <a:pos x="connsiteX162" y="connsiteY162"/>
+              </a:cxn>
+              <a:cxn ang="0">
+                <a:pos x="connsiteX163" y="connsiteY163"/>
+              </a:cxn>
+              <a:cxn ang="0">
+                <a:pos x="connsiteX164" y="connsiteY164"/>
+              </a:cxn>
+              <a:cxn ang="0">
+                <a:pos x="connsiteX165" y="connsiteY165"/>
+              </a:cxn>
+              <a:cxn ang="0">
+                <a:pos x="connsiteX166" y="connsiteY166"/>
+              </a:cxn>
+              <a:cxn ang="0">
+                <a:pos x="connsiteX167" y="connsiteY167"/>
+              </a:cxn>
+              <a:cxn ang="0">
+                <a:pos x="connsiteX168" y="connsiteY168"/>
+              </a:cxn>
+              <a:cxn ang="0">
+                <a:pos x="connsiteX169" y="connsiteY169"/>
+              </a:cxn>
+              <a:cxn ang="0">
+                <a:pos x="connsiteX170" y="connsiteY170"/>
+              </a:cxn>
+              <a:cxn ang="0">
+                <a:pos x="connsiteX171" y="connsiteY171"/>
+              </a:cxn>
+              <a:cxn ang="0">
+                <a:pos x="connsiteX172" y="connsiteY172"/>
+              </a:cxn>
+              <a:cxn ang="0">
+                <a:pos x="connsiteX173" y="connsiteY173"/>
+              </a:cxn>
+              <a:cxn ang="0">
+                <a:pos x="connsiteX174" y="connsiteY174"/>
+              </a:cxn>
+              <a:cxn ang="0">
+                <a:pos x="connsiteX175" y="connsiteY175"/>
+              </a:cxn>
+              <a:cxn ang="0">
+                <a:pos x="connsiteX176" y="connsiteY176"/>
+              </a:cxn>
+              <a:cxn ang="0">
+                <a:pos x="connsiteX177" y="connsiteY177"/>
+              </a:cxn>
+            </a:cxnLst>
+            <a:rect l="l" t="t" r="r" b="b"/>
+            <a:pathLst>
+              <a:path w="12642772" h="6248341">
+                <a:moveTo>
+                  <a:pt x="12642772" y="4432052"/>
+                </a:moveTo>
+                <a:lnTo>
+                  <a:pt x="586822" y="6248341"/>
+                </a:lnTo>
+                <a:cubicBezTo>
+                  <a:pt x="413471" y="5111477"/>
+                  <a:pt x="173350" y="3531407"/>
+                  <a:pt x="0" y="2394542"/>
+                </a:cubicBezTo>
+                <a:lnTo>
+                  <a:pt x="52893" y="2306669"/>
+                </a:lnTo>
+                <a:cubicBezTo>
+                  <a:pt x="67266" y="2306793"/>
+                  <a:pt x="118504" y="2297204"/>
+                  <a:pt x="131535" y="2293621"/>
+                </a:cubicBezTo>
+                <a:cubicBezTo>
+                  <a:pt x="235982" y="2302858"/>
+                  <a:pt x="197087" y="2291745"/>
+                  <a:pt x="244153" y="2272261"/>
+                </a:cubicBezTo>
+                <a:cubicBezTo>
+                  <a:pt x="288465" y="2263813"/>
+                  <a:pt x="287831" y="2252199"/>
+                  <a:pt x="324401" y="2233208"/>
+                </a:cubicBezTo>
+                <a:lnTo>
+                  <a:pt x="463569" y="2158308"/>
+                </a:lnTo>
+                <a:cubicBezTo>
+                  <a:pt x="506591" y="2135434"/>
+                  <a:pt x="546976" y="2145326"/>
+                  <a:pt x="582537" y="2095961"/>
+                </a:cubicBezTo>
+                <a:lnTo>
+                  <a:pt x="638937" y="2008169"/>
+                </a:lnTo>
+                <a:cubicBezTo>
+                  <a:pt x="686285" y="1999141"/>
+                  <a:pt x="708248" y="1959382"/>
+                  <a:pt x="749855" y="1936088"/>
+                </a:cubicBezTo>
+                <a:cubicBezTo>
+                  <a:pt x="791527" y="1909991"/>
+                  <a:pt x="819909" y="1906478"/>
+                  <a:pt x="856553" y="1892728"/>
+                </a:cubicBezTo>
+                <a:cubicBezTo>
+                  <a:pt x="872688" y="1896553"/>
+                  <a:pt x="926797" y="1876988"/>
+                  <a:pt x="939338" y="1863906"/>
+                </a:cubicBezTo>
+                <a:cubicBezTo>
+                  <a:pt x="981108" y="1859053"/>
+                  <a:pt x="963180" y="1865189"/>
+                  <a:pt x="987836" y="1848470"/>
+                </a:cubicBezTo>
+                <a:cubicBezTo>
+                  <a:pt x="1023003" y="1873965"/>
+                  <a:pt x="1058671" y="1841751"/>
+                  <a:pt x="1086094" y="1834336"/>
+                </a:cubicBezTo>
+                <a:cubicBezTo>
+                  <a:pt x="1102835" y="1828051"/>
+                  <a:pt x="1139360" y="1818268"/>
+                  <a:pt x="1155607" y="1814299"/>
+                </a:cubicBezTo>
+                <a:cubicBezTo>
+                  <a:pt x="1183758" y="1810365"/>
+                  <a:pt x="1218373" y="1759163"/>
+                  <a:pt x="1219621" y="1774472"/>
+                </a:cubicBezTo>
+                <a:cubicBezTo>
+                  <a:pt x="1242899" y="1773567"/>
+                  <a:pt x="1244829" y="1741322"/>
+                  <a:pt x="1275113" y="1734756"/>
+                </a:cubicBezTo>
+                <a:cubicBezTo>
+                  <a:pt x="1334421" y="1687737"/>
+                  <a:pt x="1295937" y="1706696"/>
+                  <a:pt x="1337800" y="1684579"/>
+                </a:cubicBezTo>
+                <a:cubicBezTo>
+                  <a:pt x="1379663" y="1662462"/>
+                  <a:pt x="1466954" y="1627202"/>
+                  <a:pt x="1526287" y="1602057"/>
+                </a:cubicBezTo>
+                <a:cubicBezTo>
+                  <a:pt x="1553390" y="1592996"/>
+                  <a:pt x="1540999" y="1570289"/>
+                  <a:pt x="1579126" y="1559561"/>
+                </a:cubicBezTo>
+                <a:cubicBezTo>
+                  <a:pt x="1602892" y="1557552"/>
+                  <a:pt x="1622220" y="1540740"/>
+                  <a:pt x="1651242" y="1546569"/>
+                </a:cubicBezTo>
+                <a:cubicBezTo>
+                  <a:pt x="1661191" y="1549244"/>
+                  <a:pt x="1688001" y="1544372"/>
+                  <a:pt x="1712038" y="1533432"/>
+                </a:cubicBezTo>
+                <a:cubicBezTo>
+                  <a:pt x="1722220" y="1540383"/>
+                  <a:pt x="1747544" y="1527611"/>
+                  <a:pt x="1758402" y="1525816"/>
+                </a:cubicBezTo>
+                <a:cubicBezTo>
+                  <a:pt x="1772533" y="1530625"/>
+                  <a:pt x="1819420" y="1514186"/>
+                  <a:pt x="1831776" y="1504679"/>
+                </a:cubicBezTo>
+                <a:lnTo>
+                  <a:pt x="1963032" y="1472999"/>
+                </a:lnTo>
+                <a:lnTo>
+                  <a:pt x="2006520" y="1464281"/>
+                </a:lnTo>
+                <a:cubicBezTo>
+                  <a:pt x="2014344" y="1465241"/>
+                  <a:pt x="2041522" y="1459774"/>
+                  <a:pt x="2049195" y="1459572"/>
+                </a:cubicBezTo>
+                <a:cubicBezTo>
+                  <a:pt x="2087954" y="1443290"/>
+                  <a:pt x="2101777" y="1440700"/>
+                  <a:pt x="2125117" y="1432093"/>
+                </a:cubicBezTo>
+                <a:cubicBezTo>
+                  <a:pt x="2165647" y="1425840"/>
+                  <a:pt x="2196015" y="1424572"/>
+                  <a:pt x="2234987" y="1408543"/>
+                </a:cubicBezTo>
+                <a:lnTo>
+                  <a:pt x="2349979" y="1370325"/>
+                </a:lnTo>
+                <a:cubicBezTo>
+                  <a:pt x="2404061" y="1372089"/>
+                  <a:pt x="2474940" y="1352732"/>
+                  <a:pt x="2490342" y="1337371"/>
+                </a:cubicBezTo>
+                <a:cubicBezTo>
+                  <a:pt x="2552946" y="1313179"/>
+                  <a:pt x="2651266" y="1271354"/>
+                  <a:pt x="2721983" y="1255221"/>
+                </a:cubicBezTo>
+                <a:lnTo>
+                  <a:pt x="2740778" y="1232389"/>
+                </a:lnTo>
+                <a:lnTo>
+                  <a:pt x="2772006" y="1218123"/>
+                </a:lnTo>
+                <a:cubicBezTo>
+                  <a:pt x="2798565" y="1204582"/>
+                  <a:pt x="2824316" y="1189775"/>
+                  <a:pt x="2850754" y="1180094"/>
+                </a:cubicBezTo>
+                <a:cubicBezTo>
+                  <a:pt x="2858486" y="1174495"/>
+                  <a:pt x="2865479" y="1167162"/>
+                  <a:pt x="2872381" y="1159349"/>
+                </a:cubicBezTo>
+                <a:lnTo>
+                  <a:pt x="2877664" y="1153429"/>
+                </a:lnTo>
+                <a:lnTo>
+                  <a:pt x="2898982" y="1143332"/>
+                </a:lnTo>
+                <a:lnTo>
+                  <a:pt x="2900154" y="1144257"/>
+                </a:lnTo>
+                <a:cubicBezTo>
+                  <a:pt x="2903604" y="1145940"/>
+                  <a:pt x="2907687" y="1146454"/>
+                  <a:pt x="2913224" y="1144530"/>
+                </a:cubicBezTo>
+                <a:cubicBezTo>
+                  <a:pt x="2914663" y="1164458"/>
+                  <a:pt x="2920456" y="1149846"/>
+                  <a:pt x="2936660" y="1142412"/>
+                </a:cubicBezTo>
+                <a:cubicBezTo>
+                  <a:pt x="2942509" y="1171704"/>
+                  <a:pt x="2981016" y="1130300"/>
+                  <a:pt x="2997572" y="1141831"/>
+                </a:cubicBezTo>
+                <a:lnTo>
+                  <a:pt x="3044472" y="1131369"/>
+                </a:lnTo>
+                <a:lnTo>
+                  <a:pt x="3044790" y="1131569"/>
+                </a:lnTo>
+                <a:cubicBezTo>
+                  <a:pt x="3046855" y="1131486"/>
+                  <a:pt x="3049590" y="1130734"/>
+                  <a:pt x="3053469" y="1129009"/>
+                </a:cubicBezTo>
+                <a:lnTo>
+                  <a:pt x="3058924" y="1126056"/>
+                </a:lnTo>
+                <a:lnTo>
+                  <a:pt x="3074299" y="1120405"/>
+                </a:lnTo>
+                <a:lnTo>
+                  <a:pt x="3080657" y="1120171"/>
+                </a:lnTo>
+                <a:lnTo>
+                  <a:pt x="3085901" y="1121681"/>
+                </a:lnTo>
+                <a:cubicBezTo>
+                  <a:pt x="3089424" y="1117040"/>
+                  <a:pt x="3098046" y="1105705"/>
+                  <a:pt x="3109448" y="1097576"/>
+                </a:cubicBezTo>
+                <a:lnTo>
+                  <a:pt x="3120280" y="1092673"/>
+                </a:lnTo>
+                <a:lnTo>
+                  <a:pt x="3151969" y="1093148"/>
+                </a:lnTo>
+                <a:lnTo>
+                  <a:pt x="3156202" y="1091941"/>
+                </a:lnTo>
+                <a:lnTo>
+                  <a:pt x="3218578" y="1084695"/>
+                </a:lnTo>
+                <a:cubicBezTo>
+                  <a:pt x="3245764" y="1081888"/>
+                  <a:pt x="3273631" y="1078650"/>
+                  <a:pt x="3291572" y="1074108"/>
+                </a:cubicBezTo>
+                <a:cubicBezTo>
+                  <a:pt x="3322176" y="1058413"/>
+                  <a:pt x="3296217" y="1076449"/>
+                  <a:pt x="3335322" y="1065344"/>
+                </a:cubicBezTo>
+                <a:cubicBezTo>
+                  <a:pt x="3368156" y="1040199"/>
+                  <a:pt x="3402741" y="1051987"/>
+                  <a:pt x="3444471" y="1040037"/>
+                </a:cubicBezTo>
+                <a:lnTo>
+                  <a:pt x="3516736" y="1044495"/>
+                </a:lnTo>
+                <a:lnTo>
+                  <a:pt x="3529913" y="1036395"/>
+                </a:lnTo>
+                <a:lnTo>
+                  <a:pt x="3534215" y="1032644"/>
+                </a:lnTo>
+                <a:cubicBezTo>
+                  <a:pt x="3537422" y="1030324"/>
+                  <a:pt x="3539868" y="1029116"/>
+                  <a:pt x="3541901" y="1028655"/>
+                </a:cubicBezTo>
+                <a:lnTo>
+                  <a:pt x="3542297" y="1028781"/>
+                </a:lnTo>
+                <a:lnTo>
+                  <a:pt x="3549091" y="1024603"/>
+                </a:lnTo>
+                <a:lnTo>
+                  <a:pt x="3668564" y="992085"/>
+                </a:lnTo>
+                <a:cubicBezTo>
+                  <a:pt x="3673354" y="989271"/>
+                  <a:pt x="3677647" y="988983"/>
+                  <a:pt x="3681760" y="989897"/>
+                </a:cubicBezTo>
+                <a:lnTo>
+                  <a:pt x="3683298" y="990533"/>
+                </a:lnTo>
+                <a:lnTo>
+                  <a:pt x="3701238" y="978370"/>
+                </a:lnTo>
+                <a:lnTo>
+                  <a:pt x="3727029" y="982634"/>
+                </a:lnTo>
+                <a:cubicBezTo>
+                  <a:pt x="3762166" y="985324"/>
+                  <a:pt x="3795029" y="982802"/>
+                  <a:pt x="3827462" y="983777"/>
+                </a:cubicBezTo>
+                <a:cubicBezTo>
+                  <a:pt x="3899741" y="979875"/>
+                  <a:pt x="3841175" y="923865"/>
+                  <a:pt x="3939255" y="962526"/>
+                </a:cubicBezTo>
+                <a:cubicBezTo>
+                  <a:pt x="3944820" y="939198"/>
+                  <a:pt x="3955882" y="936428"/>
+                  <a:pt x="3976764" y="943975"/>
+                </a:cubicBezTo>
+                <a:cubicBezTo>
+                  <a:pt x="4011587" y="940445"/>
+                  <a:pt x="3998825" y="885884"/>
+                  <a:pt x="4039745" y="913576"/>
+                </a:cubicBezTo>
+                <a:cubicBezTo>
+                  <a:pt x="4028069" y="885008"/>
+                  <a:pt x="4103064" y="891976"/>
+                  <a:pt x="4081478" y="863744"/>
+                </a:cubicBezTo>
+                <a:cubicBezTo>
+                  <a:pt x="4098995" y="833348"/>
+                  <a:pt x="4118253" y="875924"/>
+                  <a:pt x="4136255" y="849070"/>
+                </a:cubicBezTo>
+                <a:cubicBezTo>
+                  <a:pt x="4160412" y="839702"/>
+                  <a:pt x="4127630" y="882883"/>
+                  <a:pt x="4155885" y="880724"/>
+                </a:cubicBezTo>
+                <a:cubicBezTo>
+                  <a:pt x="4189159" y="872776"/>
+                  <a:pt x="4199073" y="926940"/>
+                  <a:pt x="4212239" y="853648"/>
+                </a:cubicBezTo>
+                <a:cubicBezTo>
+                  <a:pt x="4250628" y="864621"/>
+                  <a:pt x="4251711" y="832443"/>
+                  <a:pt x="4296968" y="808725"/>
+                </a:cubicBezTo>
+                <a:cubicBezTo>
+                  <a:pt x="4320354" y="822560"/>
+                  <a:pt x="4334944" y="811306"/>
+                  <a:pt x="4347619" y="791871"/>
+                </a:cubicBezTo>
+                <a:cubicBezTo>
+                  <a:pt x="4395320" y="788176"/>
+                  <a:pt x="4433289" y="755394"/>
+                  <a:pt x="4484035" y="736001"/>
+                </a:cubicBezTo>
+                <a:cubicBezTo>
+                  <a:pt x="4544675" y="745654"/>
+                  <a:pt x="4564925" y="693074"/>
+                  <a:pt x="4619194" y="672546"/>
+                </a:cubicBezTo>
+                <a:cubicBezTo>
+                  <a:pt x="4633191" y="680042"/>
+                  <a:pt x="4642217" y="680768"/>
+                  <a:pt x="4648276" y="677255"/>
+                </a:cubicBezTo>
+                <a:lnTo>
+                  <a:pt x="4658535" y="658404"/>
+                </a:lnTo>
+                <a:lnTo>
+                  <a:pt x="4684435" y="658040"/>
+                </a:lnTo>
+                <a:lnTo>
+                  <a:pt x="4685966" y="659300"/>
+                </a:lnTo>
+                <a:lnTo>
+                  <a:pt x="4773323" y="620033"/>
+                </a:lnTo>
+                <a:lnTo>
+                  <a:pt x="4789881" y="612833"/>
+                </a:lnTo>
+                <a:lnTo>
+                  <a:pt x="4793116" y="606807"/>
+                </a:lnTo>
+                <a:cubicBezTo>
+                  <a:pt x="4797413" y="602517"/>
+                  <a:pt x="4804603" y="599222"/>
+                  <a:pt x="4818294" y="598208"/>
+                </a:cubicBezTo>
+                <a:lnTo>
+                  <a:pt x="4889379" y="574856"/>
+                </a:lnTo>
+                <a:cubicBezTo>
+                  <a:pt x="4924646" y="568531"/>
+                  <a:pt x="4935327" y="565911"/>
+                  <a:pt x="4967000" y="563548"/>
+                </a:cubicBezTo>
+                <a:cubicBezTo>
+                  <a:pt x="4986586" y="557770"/>
+                  <a:pt x="5000668" y="551967"/>
+                  <a:pt x="5011397" y="546508"/>
+                </a:cubicBezTo>
+                <a:lnTo>
+                  <a:pt x="5017511" y="542737"/>
+                </a:lnTo>
+                <a:lnTo>
+                  <a:pt x="5022951" y="543578"/>
+                </a:lnTo>
+                <a:lnTo>
+                  <a:pt x="5028686" y="550797"/>
+                </a:lnTo>
+                <a:cubicBezTo>
+                  <a:pt x="5034551" y="555023"/>
+                  <a:pt x="5042525" y="556487"/>
+                  <a:pt x="5055222" y="551685"/>
+                </a:cubicBezTo>
+                <a:lnTo>
+                  <a:pt x="5058043" y="549365"/>
+                </a:lnTo>
+                <a:lnTo>
+                  <a:pt x="5080769" y="559110"/>
+                </a:lnTo>
+                <a:cubicBezTo>
+                  <a:pt x="5088231" y="563815"/>
+                  <a:pt x="5095030" y="569979"/>
+                  <a:pt x="5100831" y="578170"/>
+                </a:cubicBezTo>
+                <a:cubicBezTo>
+                  <a:pt x="5170380" y="527737"/>
+                  <a:pt x="5243922" y="564793"/>
+                  <a:pt x="5323302" y="551607"/>
+                </a:cubicBezTo>
+                <a:cubicBezTo>
+                  <a:pt x="5351315" y="478451"/>
+                  <a:pt x="5497865" y="556036"/>
+                  <a:pt x="5524173" y="623428"/>
+                </a:cubicBezTo>
+                <a:cubicBezTo>
+                  <a:pt x="5517268" y="543117"/>
+                  <a:pt x="5711665" y="703794"/>
+                  <a:pt x="5644692" y="606574"/>
+                </a:cubicBezTo>
+                <a:lnTo>
+                  <a:pt x="5984259" y="559264"/>
+                </a:lnTo>
+                <a:cubicBezTo>
+                  <a:pt x="6030154" y="495862"/>
+                  <a:pt x="6007425" y="553220"/>
+                  <a:pt x="6059790" y="538457"/>
+                </a:cubicBezTo>
+                <a:cubicBezTo>
+                  <a:pt x="6050344" y="594649"/>
+                  <a:pt x="6121744" y="503179"/>
+                  <a:pt x="6130495" y="565308"/>
+                </a:cubicBezTo>
+                <a:cubicBezTo>
+                  <a:pt x="6139748" y="560655"/>
+                  <a:pt x="6148435" y="554186"/>
+                  <a:pt x="6157089" y="547229"/>
+                </a:cubicBezTo>
+                <a:lnTo>
+                  <a:pt x="6161628" y="543616"/>
+                </a:lnTo>
+                <a:lnTo>
+                  <a:pt x="6180804" y="539939"/>
+                </a:lnTo>
+                <a:lnTo>
+                  <a:pt x="6184951" y="525424"/>
+                </a:lnTo>
+                <a:lnTo>
+                  <a:pt x="6212909" y="510232"/>
+                </a:lnTo>
+                <a:cubicBezTo>
+                  <a:pt x="6223574" y="506625"/>
+                  <a:pt x="6235279" y="505181"/>
+                  <a:pt x="6248556" y="507226"/>
+                </a:cubicBezTo>
+                <a:cubicBezTo>
+                  <a:pt x="6294288" y="537334"/>
+                  <a:pt x="6362573" y="467613"/>
+                  <a:pt x="6419167" y="508015"/>
+                </a:cubicBezTo>
+                <a:cubicBezTo>
+                  <a:pt x="6440234" y="517921"/>
+                  <a:pt x="6506991" y="518278"/>
+                  <a:pt x="6520553" y="499890"/>
+                </a:cubicBezTo>
+                <a:cubicBezTo>
+                  <a:pt x="6534665" y="496161"/>
+                  <a:pt x="6550555" y="503153"/>
+                  <a:pt x="6557985" y="483298"/>
+                </a:cubicBezTo>
+                <a:cubicBezTo>
+                  <a:pt x="6569810" y="459469"/>
+                  <a:pt x="6616472" y="497766"/>
+                  <a:pt x="6610986" y="469207"/>
+                </a:cubicBezTo>
+                <a:cubicBezTo>
+                  <a:pt x="6644167" y="495476"/>
+                  <a:pt x="6674091" y="445680"/>
+                  <a:pt x="6703685" y="433885"/>
+                </a:cubicBezTo>
+                <a:cubicBezTo>
+                  <a:pt x="6729555" y="459786"/>
+                  <a:pt x="6766135" y="409500"/>
+                  <a:pt x="6829686" y="404609"/>
+                </a:cubicBezTo>
+                <a:cubicBezTo>
+                  <a:pt x="6858065" y="434525"/>
+                  <a:pt x="6872501" y="400914"/>
+                  <a:pt x="6926071" y="440952"/>
+                </a:cubicBezTo>
+                <a:cubicBezTo>
+                  <a:pt x="6928018" y="437011"/>
+                  <a:pt x="6930506" y="433362"/>
+                  <a:pt x="6933459" y="430117"/>
+                </a:cubicBezTo>
+                <a:cubicBezTo>
+                  <a:pt x="6950612" y="411270"/>
+                  <a:pt x="6979388" y="409908"/>
+                  <a:pt x="6997730" y="427075"/>
+                </a:cubicBezTo>
+                <a:cubicBezTo>
+                  <a:pt x="7082631" y="480403"/>
+                  <a:pt x="7157271" y="476334"/>
+                  <a:pt x="7228068" y="485987"/>
+                </a:cubicBezTo>
+                <a:cubicBezTo>
+                  <a:pt x="7307806" y="490694"/>
+                  <a:pt x="7251469" y="427974"/>
+                  <a:pt x="7353524" y="478122"/>
+                </a:cubicBezTo>
+                <a:cubicBezTo>
+                  <a:pt x="7362883" y="455559"/>
+                  <a:pt x="7375392" y="454116"/>
+                  <a:pt x="7397216" y="464113"/>
+                </a:cubicBezTo>
+                <a:cubicBezTo>
+                  <a:pt x="7435863" y="464738"/>
+                  <a:pt x="7429507" y="408907"/>
+                  <a:pt x="7470470" y="441338"/>
+                </a:cubicBezTo>
+                <a:cubicBezTo>
+                  <a:pt x="7461672" y="411511"/>
+                  <a:pt x="7542865" y="427363"/>
+                  <a:pt x="7523162" y="396692"/>
+                </a:cubicBezTo>
+                <a:cubicBezTo>
+                  <a:pt x="7546603" y="368516"/>
+                  <a:pt x="7561752" y="413189"/>
+                  <a:pt x="7585229" y="388596"/>
+                </a:cubicBezTo>
+                <a:cubicBezTo>
+                  <a:pt x="7613007" y="382141"/>
+                  <a:pt x="7571052" y="421230"/>
+                  <a:pt x="7602312" y="422441"/>
+                </a:cubicBezTo>
+                <a:cubicBezTo>
+                  <a:pt x="7639880" y="418484"/>
+                  <a:pt x="7643170" y="473582"/>
+                  <a:pt x="7667842" y="402184"/>
+                </a:cubicBezTo>
+                <a:cubicBezTo>
+                  <a:pt x="7708368" y="417673"/>
+                  <a:pt x="7714055" y="385770"/>
+                  <a:pt x="7766955" y="367538"/>
+                </a:cubicBezTo>
+                <a:cubicBezTo>
+                  <a:pt x="7790642" y="384091"/>
+                  <a:pt x="7808202" y="374622"/>
+                  <a:pt x="7824808" y="356782"/>
+                </a:cubicBezTo>
+                <a:cubicBezTo>
+                  <a:pt x="7877588" y="358773"/>
+                  <a:pt x="7923771" y="330652"/>
+                  <a:pt x="7982082" y="317381"/>
+                </a:cubicBezTo>
+                <a:cubicBezTo>
+                  <a:pt x="8047173" y="334199"/>
+                  <a:pt x="8076711" y="284263"/>
+                  <a:pt x="8139042" y="270278"/>
+                </a:cubicBezTo>
+                <a:cubicBezTo>
+                  <a:pt x="8171699" y="291139"/>
+                  <a:pt x="8180849" y="273703"/>
+                  <a:pt x="8188479" y="250893"/>
+                </a:cubicBezTo>
+                <a:lnTo>
+                  <a:pt x="8197460" y="227412"/>
+                </a:lnTo>
+                <a:lnTo>
+                  <a:pt x="8236543" y="231896"/>
+                </a:lnTo>
+                <a:cubicBezTo>
+                  <a:pt x="8252245" y="232878"/>
+                  <a:pt x="8267047" y="233030"/>
+                  <a:pt x="8288656" y="233518"/>
+                </a:cubicBezTo>
+                <a:lnTo>
+                  <a:pt x="8365194" y="255354"/>
+                </a:lnTo>
+                <a:lnTo>
+                  <a:pt x="8371093" y="253056"/>
+                </a:lnTo>
+                <a:cubicBezTo>
+                  <a:pt x="8375220" y="251794"/>
+                  <a:pt x="8378040" y="251369"/>
+                  <a:pt x="8380079" y="251533"/>
+                </a:cubicBezTo>
+                <a:lnTo>
+                  <a:pt x="8380352" y="251771"/>
+                </a:lnTo>
+                <a:lnTo>
+                  <a:pt x="8388670" y="249803"/>
+                </a:lnTo>
+                <a:cubicBezTo>
+                  <a:pt x="8402579" y="245856"/>
+                  <a:pt x="8426713" y="256901"/>
+                  <a:pt x="8439400" y="252189"/>
+                </a:cubicBezTo>
+                <a:cubicBezTo>
+                  <a:pt x="8461985" y="253229"/>
+                  <a:pt x="8486049" y="243125"/>
+                  <a:pt x="8502127" y="246524"/>
+                </a:cubicBezTo>
+                <a:lnTo>
+                  <a:pt x="8575600" y="247912"/>
+                </a:lnTo>
+                <a:lnTo>
+                  <a:pt x="8609423" y="225288"/>
+                </a:lnTo>
+                <a:cubicBezTo>
+                  <a:pt x="8613054" y="222366"/>
+                  <a:pt x="8618682" y="220403"/>
+                  <a:pt x="8628794" y="220632"/>
+                </a:cubicBezTo>
+                <a:lnTo>
+                  <a:pt x="8631243" y="221270"/>
+                </a:lnTo>
+                <a:cubicBezTo>
+                  <a:pt x="8636121" y="217981"/>
+                  <a:pt x="8676301" y="210759"/>
+                  <a:pt x="8708752" y="203517"/>
+                </a:cubicBezTo>
+                <a:cubicBezTo>
+                  <a:pt x="8760405" y="193315"/>
+                  <a:pt x="8765450" y="184312"/>
+                  <a:pt x="8825952" y="177822"/>
+                </a:cubicBezTo>
+                <a:cubicBezTo>
+                  <a:pt x="8840694" y="175283"/>
+                  <a:pt x="8852337" y="172902"/>
+                  <a:pt x="8862166" y="170735"/>
+                </a:cubicBezTo>
+                <a:lnTo>
+                  <a:pt x="8884490" y="165616"/>
+                </a:lnTo>
+                <a:lnTo>
+                  <a:pt x="8918298" y="194546"/>
+                </a:lnTo>
+                <a:cubicBezTo>
+                  <a:pt x="8929331" y="203143"/>
+                  <a:pt x="8939711" y="209096"/>
+                  <a:pt x="8948572" y="207940"/>
+                </a:cubicBezTo>
+                <a:cubicBezTo>
+                  <a:pt x="9007398" y="191013"/>
+                  <a:pt x="9066382" y="123071"/>
+                  <a:pt x="9104724" y="178319"/>
+                </a:cubicBezTo>
+                <a:cubicBezTo>
+                  <a:pt x="9146350" y="170182"/>
+                  <a:pt x="9159213" y="154939"/>
+                  <a:pt x="9198328" y="159122"/>
+                </a:cubicBezTo>
+                <a:cubicBezTo>
+                  <a:pt x="9243361" y="178179"/>
+                  <a:pt x="9337410" y="133426"/>
+                  <a:pt x="9339412" y="203422"/>
+                </a:cubicBezTo>
+                <a:cubicBezTo>
+                  <a:pt x="9356193" y="242785"/>
+                  <a:pt x="9404145" y="172882"/>
+                  <a:pt x="9409165" y="216989"/>
+                </a:cubicBezTo>
+                <a:cubicBezTo>
+                  <a:pt x="9430000" y="185563"/>
+                  <a:pt x="9477391" y="226977"/>
+                  <a:pt x="9516379" y="220757"/>
+                </a:cubicBezTo>
+                <a:cubicBezTo>
+                  <a:pt x="9525989" y="239713"/>
+                  <a:pt x="9601557" y="209033"/>
+                  <a:pt x="9615958" y="196389"/>
+                </a:cubicBezTo>
+                <a:cubicBezTo>
+                  <a:pt x="9740300" y="170539"/>
+                  <a:pt x="9758977" y="138949"/>
+                  <a:pt x="9860346" y="177067"/>
+                </a:cubicBezTo>
+                <a:cubicBezTo>
+                  <a:pt x="9889677" y="171165"/>
+                  <a:pt x="10006630" y="193672"/>
+                  <a:pt x="10071193" y="142345"/>
+                </a:cubicBezTo>
+                <a:cubicBezTo>
+                  <a:pt x="10108399" y="184331"/>
+                  <a:pt x="10235527" y="166620"/>
+                  <a:pt x="10270876" y="164464"/>
+                </a:cubicBezTo>
+                <a:cubicBezTo>
+                  <a:pt x="10282938" y="193487"/>
+                  <a:pt x="10335459" y="157175"/>
+                  <a:pt x="10338607" y="202846"/>
+                </a:cubicBezTo>
+                <a:cubicBezTo>
+                  <a:pt x="10349171" y="220353"/>
+                  <a:pt x="10366124" y="217011"/>
+                  <a:pt x="10370927" y="198630"/>
+                </a:cubicBezTo>
+                <a:cubicBezTo>
+                  <a:pt x="10391994" y="198716"/>
+                  <a:pt x="10408613" y="218644"/>
+                  <a:pt x="10423650" y="187033"/>
+                </a:cubicBezTo>
+                <a:cubicBezTo>
+                  <a:pt x="10452431" y="186111"/>
+                  <a:pt x="10492877" y="246749"/>
+                  <a:pt x="10507238" y="199359"/>
+                </a:cubicBezTo>
+                <a:cubicBezTo>
+                  <a:pt x="10543427" y="261875"/>
+                  <a:pt x="10653987" y="201249"/>
+                  <a:pt x="10712234" y="202150"/>
+                </a:cubicBezTo>
+                <a:cubicBezTo>
+                  <a:pt x="10824446" y="218073"/>
+                  <a:pt x="10878410" y="233516"/>
+                  <a:pt x="10955598" y="236823"/>
+                </a:cubicBezTo>
+                <a:cubicBezTo>
+                  <a:pt x="11045848" y="210188"/>
+                  <a:pt x="11132536" y="208078"/>
+                  <a:pt x="11210395" y="197924"/>
+                </a:cubicBezTo>
+                <a:cubicBezTo>
+                  <a:pt x="11248542" y="205602"/>
+                  <a:pt x="11317163" y="98606"/>
+                  <a:pt x="11355556" y="131371"/>
+                </a:cubicBezTo>
+                <a:cubicBezTo>
+                  <a:pt x="11409097" y="114944"/>
+                  <a:pt x="11452001" y="121965"/>
+                  <a:pt x="11531644" y="99364"/>
+                </a:cubicBezTo>
+                <a:cubicBezTo>
+                  <a:pt x="11597142" y="88300"/>
+                  <a:pt x="11671940" y="72591"/>
+                  <a:pt x="11719114" y="62439"/>
+                </a:cubicBezTo>
+                <a:cubicBezTo>
+                  <a:pt x="11727434" y="40579"/>
+                  <a:pt x="11796069" y="38621"/>
+                  <a:pt x="11814686" y="38458"/>
+                </a:cubicBezTo>
+                <a:cubicBezTo>
+                  <a:pt x="11821248" y="1152"/>
+                  <a:pt x="11853228" y="33244"/>
+                  <a:pt x="11865687" y="10088"/>
+                </a:cubicBezTo>
+                <a:cubicBezTo>
+                  <a:pt x="11893768" y="15302"/>
+                  <a:pt x="11926464" y="10706"/>
+                  <a:pt x="11957454" y="4020"/>
+                </a:cubicBezTo>
+                <a:lnTo>
+                  <a:pt x="11975060" y="0"/>
+                </a:lnTo>
+                <a:lnTo>
+                  <a:pt x="12006839" y="210943"/>
+                </a:lnTo>
+                <a:cubicBezTo>
+                  <a:pt x="12204146" y="1520595"/>
+                  <a:pt x="12452801" y="3171091"/>
+                  <a:pt x="12642772" y="4432052"/>
+                </a:cubicBezTo>
+                <a:close/>
+              </a:path>
+            </a:pathLst>
+          </a:custGeom>
+          <a:solidFill>
+            <a:srgbClr val="82766A">
+              <a:alpha val="15000"/>
+            </a:srgbClr>
+          </a:solidFill>
+          <a:ln w="12700" cap="flat" cmpd="sng" algn="ctr">
+            <a:noFill/>
+            <a:prstDash val="solid"/>
+            <a:miter lim="800000"/>
+          </a:ln>
+          <a:effectLst/>
+        </p:spPr>
+        <p:style>
+          <a:lnRef idx="2">
+            <a:schemeClr val="accent1">
+              <a:shade val="50000"/>
+            </a:schemeClr>
+          </a:lnRef>
+          <a:fillRef idx="1">
+            <a:schemeClr val="accent1"/>
+          </a:fillRef>
+          <a:effectRef idx="0">
+            <a:schemeClr val="accent1"/>
+          </a:effectRef>
+          <a:fontRef idx="minor">
+            <a:schemeClr val="lt1"/>
+          </a:fontRef>
+        </p:style>
+        <p:txBody>
+          <a:bodyPr wrap="square" rtlCol="0" anchor="ctr">
+            <a:noAutofit/>
+          </a:bodyPr>
+          <a:lstStyle/>
+          <a:p>
+            <a:pPr algn="ctr"/>
+            <a:endParaRPr lang="en-US"/>
+          </a:p>
+        </p:txBody>
+      </p:sp>
+      <p:sp>
+        <p:nvSpPr>
+          <p:cNvPr id="2" name="Title 1">
+            <a:extLst>
+              <a:ext uri="{FF2B5EF4-FFF2-40B4-BE49-F238E27FC236}">
+                <a16:creationId xmlns:a16="http://schemas.microsoft.com/office/drawing/2014/main" id="{C27F4D8D-1A55-4F19-E8A2-A95EC14E4CA7}"/>
+              </a:ext>
+            </a:extLst>
+          </p:cNvPr>
+          <p:cNvSpPr>
+            <a:spLocks noGrp="1"/>
+          </p:cNvSpPr>
+          <p:nvPr>
+            <p:ph type="title"/>
+          </p:nvPr>
+        </p:nvSpPr>
+        <p:spPr>
+          <a:xfrm>
+            <a:off x="1184744" y="442551"/>
+            <a:ext cx="9859618" cy="713311"/>
+          </a:xfrm>
+        </p:spPr>
+        <p:txBody>
+          <a:bodyPr vert="horz" lIns="91440" tIns="45720" rIns="91440" bIns="45720" rtlCol="0" anchor="b">
+            <a:normAutofit/>
+          </a:bodyPr>
+          <a:lstStyle/>
+          <a:p>
+            <a:pPr algn="ctr">
+              <a:spcBef>
+                <a:spcPct val="0"/>
+              </a:spcBef>
+            </a:pPr>
+            <a:r>
+              <a:rPr lang="en-US" sz="3600" kern="1200">
+                <a:solidFill>
+                  <a:schemeClr val="tx1"/>
+                </a:solidFill>
+                <a:latin typeface="+mj-lt"/>
+                <a:ea typeface="+mj-ea"/>
+                <a:cs typeface="+mj-cs"/>
+              </a:rPr>
+              <a:t>AWS STS - Temporary security credentials in IAM</a:t>
+            </a:r>
+          </a:p>
+        </p:txBody>
+      </p:sp>
+      <p:sp>
+        <p:nvSpPr>
+          <p:cNvPr id="13" name="Freeform: Shape 12">
+            <a:extLst>
+              <a:ext uri="{FF2B5EF4-FFF2-40B4-BE49-F238E27FC236}">
+                <a16:creationId xmlns:a16="http://schemas.microsoft.com/office/drawing/2014/main" id="{3389D0BC-BA1D-4360-88F9-D9ECCBDAB50E}"/>
+              </a:ext>
+              <a:ext uri="{C183D7F6-B498-43B3-948B-1728B52AA6E4}">
+                <adec:decorative xmlns:adec="http://schemas.microsoft.com/office/drawing/2017/decorative" val="1"/>
+              </a:ext>
+            </a:extLst>
+          </p:cNvPr>
+          <p:cNvSpPr>
+            <a:spLocks noGrp="1" noRot="1" noChangeAspect="1" noMove="1" noResize="1" noEditPoints="1" noAdjustHandles="1" noChangeArrowheads="1" noChangeShapeType="1" noTextEdit="1"/>
+          </p:cNvSpPr>
+          <p:nvPr>
+            <p:extLst>
+              <p:ext uri="{386F3935-93C4-4BCD-93E2-E3B085C9AB24}">
+                <p16:designElem xmlns:p16="http://schemas.microsoft.com/office/powerpoint/2015/main" val="1"/>
+              </p:ext>
+            </p:extLst>
+          </p:nvPr>
+        </p:nvSpPr>
+        <p:spPr>
+          <a:xfrm>
+            <a:off x="632379" y="1764254"/>
+            <a:ext cx="10937021" cy="4455571"/>
+          </a:xfrm>
+          <a:custGeom>
+            <a:avLst/>
+            <a:gdLst>
+              <a:gd name="connsiteX0" fmla="*/ 0 w 2400300"/>
+              <a:gd name="connsiteY0" fmla="*/ 0 h 2400300"/>
+              <a:gd name="connsiteX1" fmla="*/ 2400300 w 2400300"/>
+              <a:gd name="connsiteY1" fmla="*/ 0 h 2400300"/>
+              <a:gd name="connsiteX2" fmla="*/ 2400300 w 2400300"/>
+              <a:gd name="connsiteY2" fmla="*/ 2400300 h 2400300"/>
+              <a:gd name="connsiteX3" fmla="*/ 0 w 2400300"/>
+              <a:gd name="connsiteY3" fmla="*/ 2400300 h 2400300"/>
+            </a:gdLst>
+            <a:ahLst/>
+            <a:cxnLst>
+              <a:cxn ang="0">
+                <a:pos x="connsiteX0" y="connsiteY0"/>
+              </a:cxn>
+              <a:cxn ang="0">
+                <a:pos x="connsiteX1" y="connsiteY1"/>
+              </a:cxn>
+              <a:cxn ang="0">
+                <a:pos x="connsiteX2" y="connsiteY2"/>
+              </a:cxn>
+              <a:cxn ang="0">
+                <a:pos x="connsiteX3" y="connsiteY3"/>
+              </a:cxn>
+            </a:cxnLst>
+            <a:rect l="l" t="t" r="r" b="b"/>
+            <a:pathLst>
+              <a:path w="2400300" h="2400300">
+                <a:moveTo>
+                  <a:pt x="0" y="0"/>
+                </a:moveTo>
+                <a:lnTo>
+                  <a:pt x="2400300" y="0"/>
+                </a:lnTo>
+                <a:lnTo>
+                  <a:pt x="2400300" y="2400300"/>
+                </a:lnTo>
+                <a:lnTo>
+                  <a:pt x="0" y="2400300"/>
+                </a:lnTo>
+                <a:close/>
+              </a:path>
+            </a:pathLst>
+          </a:custGeom>
+          <a:solidFill>
+            <a:srgbClr val="FFFFFF"/>
+          </a:solidFill>
+          <a:ln>
+            <a:noFill/>
+          </a:ln>
+          <a:effectLst>
+            <a:outerShdw blurRad="50800" dist="12700" dir="3000000" algn="tl" rotWithShape="0">
+              <a:prstClr val="black">
+                <a:alpha val="27000"/>
+              </a:prstClr>
+            </a:outerShdw>
+          </a:effectLst>
+        </p:spPr>
+        <p:style>
+          <a:lnRef idx="2">
+            <a:schemeClr val="accent1">
+              <a:shade val="50000"/>
+            </a:schemeClr>
+          </a:lnRef>
+          <a:fillRef idx="1">
+            <a:schemeClr val="accent1"/>
+          </a:fillRef>
+          <a:effectRef idx="0">
+            <a:schemeClr val="accent1"/>
+          </a:effectRef>
+          <a:fontRef idx="minor">
+            <a:schemeClr val="lt1"/>
+          </a:fontRef>
+        </p:style>
+        <p:txBody>
+          <a:bodyPr wrap="square" rtlCol="0" anchor="ctr">
+            <a:noAutofit/>
+          </a:bodyPr>
+          <a:lstStyle/>
+          <a:p>
+            <a:pPr algn="ctr"/>
+            <a:endParaRPr lang="en-US"/>
+          </a:p>
+        </p:txBody>
+      </p:sp>
+      <p:pic>
+        <p:nvPicPr>
+          <p:cNvPr id="4" name="Google Shape;451;p78">
+            <a:extLst>
+              <a:ext uri="{FF2B5EF4-FFF2-40B4-BE49-F238E27FC236}">
+                <a16:creationId xmlns:a16="http://schemas.microsoft.com/office/drawing/2014/main" id="{9CD90C5C-776F-24C8-984C-C87377F266F6}"/>
+              </a:ext>
+            </a:extLst>
+          </p:cNvPr>
+          <p:cNvPicPr preferRelativeResize="0"/>
+          <p:nvPr/>
+        </p:nvPicPr>
+        <p:blipFill>
+          <a:blip r:embed="rId2"/>
+          <a:stretch>
+            <a:fillRect/>
+          </a:stretch>
+        </p:blipFill>
+        <p:spPr>
+          <a:xfrm>
+            <a:off x="1793595" y="1909483"/>
+            <a:ext cx="8628528" cy="4141694"/>
+          </a:xfrm>
+          <a:prstGeom prst="rect">
+            <a:avLst/>
+          </a:prstGeom>
+          <a:noFill/>
+        </p:spPr>
+      </p:pic>
+    </p:spTree>
+    <p:extLst>
+      <p:ext uri="{BB962C8B-B14F-4D97-AF65-F5344CB8AC3E}">
+        <p14:creationId xmlns:p14="http://schemas.microsoft.com/office/powerpoint/2010/main" val="3718445846"/>
+      </p:ext>
+    </p:extLst>
+  </p:cSld>
+  <p:clrMapOvr>
+    <a:masterClrMapping/>
+  </p:clrMapOvr>
+</p:sld>
+</file>
+
+<file path=ppt/slides/slide4.xml><?xml version="1.0" encoding="utf-8"?>
+<p:sld xmlns:a="http://schemas.openxmlformats.org/drawingml/2006/main" xmlns:r="http://schemas.openxmlformats.org/officeDocument/2006/relationships" xmlns:p="http://schemas.openxmlformats.org/presentationml/2006/main">
+  <p:cSld>
+    <p:bg>
+      <p:bgPr>
+        <a:solidFill>
+          <a:schemeClr val="bg1"/>
+        </a:solidFill>
+        <a:effectLst/>
+      </p:bgPr>
+    </p:bg>
     <p:spTree>
       <p:nvGrpSpPr>
         <p:cNvPr id="1" name="Shape 457"/>
@@ -4794,108 +7271,64 @@
       </p:grpSpPr>
       <p:sp>
         <p:nvSpPr>
-          <p:cNvPr id="458" name="Google Shape;458;p79"/>
-          <p:cNvSpPr txBox="1">
-            <a:spLocks noGrp="1"/>
-          </p:cNvSpPr>
-          <p:nvPr>
-            <p:ph type="title"/>
+          <p:cNvPr id="465" name="Rectangle 464">
+            <a:extLst>
+              <a:ext uri="{FF2B5EF4-FFF2-40B4-BE49-F238E27FC236}">
+                <a16:creationId xmlns:a16="http://schemas.microsoft.com/office/drawing/2014/main" id="{A4AC5506-6312-4701-8D3C-40187889A947}"/>
+              </a:ext>
+              <a:ext uri="{C183D7F6-B498-43B3-948B-1728B52AA6E4}">
+                <adec:decorative xmlns:adec="http://schemas.microsoft.com/office/drawing/2017/decorative" val="1"/>
+              </a:ext>
+            </a:extLst>
+          </p:cNvPr>
+          <p:cNvSpPr>
+            <a:spLocks noGrp="1" noRot="1" noChangeAspect="1" noMove="1" noResize="1" noEditPoints="1" noAdjustHandles="1" noChangeArrowheads="1" noChangeShapeType="1" noTextEdit="1"/>
+          </p:cNvSpPr>
+          <p:nvPr>
+            <p:extLst>
+              <p:ext uri="{386F3935-93C4-4BCD-93E2-E3B085C9AB24}">
+                <p16:designElem xmlns:p16="http://schemas.microsoft.com/office/powerpoint/2015/main" val="1"/>
+              </p:ext>
+            </p:extLst>
           </p:nvPr>
         </p:nvSpPr>
         <p:spPr>
           <a:xfrm>
-            <a:off x="415600" y="251233"/>
-            <a:ext cx="11360800" cy="763600"/>
+            <a:off x="0" y="5330432"/>
+            <a:ext cx="12192000" cy="736551"/>
           </a:xfrm>
           <a:prstGeom prst="rect">
             <a:avLst/>
           </a:prstGeom>
+          <a:solidFill>
+            <a:schemeClr val="tx1"/>
+          </a:solidFill>
+          <a:ln>
+            <a:noFill/>
+          </a:ln>
         </p:spPr>
-        <p:txBody>
-          <a:bodyPr spcFirstLastPara="1" vert="horz" wrap="square" lIns="121900" tIns="121900" rIns="121900" bIns="121900" rtlCol="0" anchor="b" anchorCtr="0">
-            <a:normAutofit/>
-          </a:bodyPr>
+        <p:style>
+          <a:lnRef idx="2">
+            <a:schemeClr val="accent1">
+              <a:shade val="50000"/>
+            </a:schemeClr>
+          </a:lnRef>
+          <a:fillRef idx="1">
+            <a:schemeClr val="accent1"/>
+          </a:fillRef>
+          <a:effectRef idx="0">
+            <a:schemeClr val="accent1"/>
+          </a:effectRef>
+          <a:fontRef idx="minor">
+            <a:schemeClr val="lt1"/>
+          </a:fontRef>
+        </p:style>
+        <p:txBody>
+          <a:bodyPr rtlCol="0" anchor="ctr"/>
           <a:lstStyle/>
           <a:p>
-            <a:r>
-              <a:rPr lang="en" sz="3200"/>
-              <a:t>AWS STS - Temporary security credentials in IAM</a:t>
-            </a:r>
-            <a:endParaRPr/>
-          </a:p>
-        </p:txBody>
-      </p:sp>
-      <p:sp>
-        <p:nvSpPr>
-          <p:cNvPr id="459" name="Google Shape;459;p79"/>
-          <p:cNvSpPr txBox="1">
-            <a:spLocks noGrp="1"/>
-          </p:cNvSpPr>
-          <p:nvPr>
-            <p:ph type="body" idx="1"/>
-          </p:nvPr>
-        </p:nvSpPr>
-        <p:spPr>
-          <a:xfrm>
-            <a:off x="260100" y="1014833"/>
-            <a:ext cx="4146000" cy="1892400"/>
-          </a:xfrm>
-          <a:prstGeom prst="rect">
-            <a:avLst/>
-          </a:prstGeom>
-        </p:spPr>
-        <p:txBody>
-          <a:bodyPr spcFirstLastPara="1" vert="horz" wrap="square" lIns="121900" tIns="121900" rIns="121900" bIns="121900" rtlCol="0" anchor="t" anchorCtr="0">
-            <a:noAutofit/>
-          </a:bodyPr>
-          <a:lstStyle/>
-          <a:p>
-            <a:pPr marL="0" indent="0">
-              <a:lnSpc>
-                <a:spcPct val="122600"/>
-              </a:lnSpc>
-              <a:spcBef>
-                <a:spcPts val="3067"/>
-              </a:spcBef>
-              <a:buNone/>
-            </a:pPr>
-            <a:r>
-              <a:rPr lang="en" sz="1400" dirty="0" err="1">
-                <a:solidFill>
-                  <a:srgbClr val="DD5540"/>
-                </a:solidFill>
-              </a:rPr>
-              <a:t>AssumeRole</a:t>
-            </a:r>
-            <a:r>
-              <a:rPr lang="en" sz="1400" dirty="0">
-                <a:solidFill>
-                  <a:schemeClr val="dk1"/>
-                </a:solidFill>
-              </a:rPr>
-              <a:t> - Returns a set of temporary security credentials that you can use to access AWS resources that you might not normally have access to. These temporary credentials consist of an access key ID, a secret access key, and a security token.</a:t>
-            </a:r>
-            <a:endParaRPr sz="1400" dirty="0">
-              <a:solidFill>
-                <a:schemeClr val="dk1"/>
-              </a:solidFill>
-            </a:endParaRPr>
-          </a:p>
-          <a:p>
-            <a:pPr marL="0" indent="0">
-              <a:spcBef>
-                <a:spcPts val="1067"/>
-              </a:spcBef>
-              <a:spcAft>
-                <a:spcPts val="1600"/>
-              </a:spcAft>
-              <a:buNone/>
-            </a:pPr>
-            <a:endParaRPr sz="1400" dirty="0">
-              <a:solidFill>
-                <a:schemeClr val="dk1"/>
-              </a:solidFill>
-            </a:endParaRPr>
+            <a:pPr algn="ctr"/>
+            <a:endParaRPr lang="en-US"/>
           </a:p>
         </p:txBody>
       </p:sp>
@@ -4907,8 +7340,8 @@
         </p:nvSpPr>
         <p:spPr>
           <a:xfrm>
-            <a:off x="217700" y="2792861"/>
-            <a:ext cx="4000000" cy="3945527"/>
+            <a:off x="4186238" y="363538"/>
+            <a:ext cx="7362825" cy="4392613"/>
           </a:xfrm>
           <a:prstGeom prst="rect">
             <a:avLst/>
@@ -4920,20 +7353,23 @@
         </p:spPr>
         <p:txBody>
           <a:bodyPr spcFirstLastPara="1" wrap="square" lIns="121900" tIns="121900" rIns="121900" bIns="121900" anchor="t" anchorCtr="0">
-            <a:spAutoFit/>
+            <a:normAutofit/>
           </a:bodyPr>
           <a:lstStyle/>
           <a:p>
             <a:pPr>
+              <a:lnSpc>
+                <a:spcPct val="90000"/>
+              </a:lnSpc>
               <a:spcBef>
-                <a:spcPts val="3067"/>
+                <a:spcPts val="500"/>
               </a:spcBef>
               <a:spcAft>
-                <a:spcPts val="1067"/>
+                <a:spcPts val="500"/>
               </a:spcAft>
             </a:pPr>
             <a:r>
-              <a:rPr lang="en" sz="1467" dirty="0" err="1">
+              <a:rPr lang="en-GB" sz="1600" dirty="0" err="1">
                 <a:solidFill>
                   <a:srgbClr val="DD5540"/>
                 </a:solidFill>
@@ -4941,15 +7377,84 @@
               <a:t>DecodeAuthorizationMessage</a:t>
             </a:r>
             <a:r>
-              <a:rPr lang="en" sz="1467" dirty="0">
+              <a:rPr lang="en-GB" sz="1600" dirty="0">
                 <a:solidFill>
                   <a:schemeClr val="dk1"/>
                 </a:solidFill>
               </a:rPr>
-              <a:t> - Decodes additional information about the authorization status of a request from an encoded message returned in response to an AWS request. The message is encoded because the details of the authorization status can contain privileged information that the user who requested the operation should not see. To decode an authorization status message, a user must be granted permissions through an IAM </a:t>
-            </a:r>
-            <a:r>
-              <a:rPr lang="en" sz="1467" dirty="0">
+              <a:t> </a:t>
+            </a:r>
+          </a:p>
+          <a:p>
+            <a:pPr marL="285750" indent="-285750">
+              <a:lnSpc>
+                <a:spcPct val="90000"/>
+              </a:lnSpc>
+              <a:spcBef>
+                <a:spcPts val="500"/>
+              </a:spcBef>
+              <a:spcAft>
+                <a:spcPts val="500"/>
+              </a:spcAft>
+              <a:buFont typeface="Arial" panose="020B0604020202020204" pitchFamily="34" charset="0"/>
+              <a:buChar char="•"/>
+            </a:pPr>
+            <a:r>
+              <a:rPr lang="en-GB" sz="1600" dirty="0">
+                <a:solidFill>
+                  <a:schemeClr val="dk1"/>
+                </a:solidFill>
+              </a:rPr>
+              <a:t>Decodes additional information about the authorization status of a request from an encoded message returned in response to an AWS request. </a:t>
+            </a:r>
+          </a:p>
+          <a:p>
+            <a:pPr marL="285750" indent="-285750">
+              <a:lnSpc>
+                <a:spcPct val="90000"/>
+              </a:lnSpc>
+              <a:spcBef>
+                <a:spcPts val="500"/>
+              </a:spcBef>
+              <a:spcAft>
+                <a:spcPts val="500"/>
+              </a:spcAft>
+              <a:buFont typeface="Arial" panose="020B0604020202020204" pitchFamily="34" charset="0"/>
+              <a:buChar char="•"/>
+            </a:pPr>
+            <a:r>
+              <a:rPr lang="en-GB" sz="1600" dirty="0">
+                <a:solidFill>
+                  <a:schemeClr val="dk1"/>
+                </a:solidFill>
+              </a:rPr>
+              <a:t>The message is encoded because the details of the authorization status can contain privileged information that the user who requested the operation should not see. </a:t>
+            </a:r>
+          </a:p>
+          <a:p>
+            <a:pPr marL="285750" indent="-285750">
+              <a:lnSpc>
+                <a:spcPct val="90000"/>
+              </a:lnSpc>
+              <a:spcBef>
+                <a:spcPts val="500"/>
+              </a:spcBef>
+              <a:spcAft>
+                <a:spcPts val="500"/>
+              </a:spcAft>
+              <a:buFont typeface="Arial" panose="020B0604020202020204" pitchFamily="34" charset="0"/>
+              <a:buChar char="•"/>
+            </a:pPr>
+            <a:r>
+              <a:rPr lang="en-GB" sz="1600" dirty="0">
+                <a:solidFill>
+                  <a:schemeClr val="dk1"/>
+                </a:solidFill>
+              </a:rPr>
+              <a:t>To decode an authorization status message, a user must be granted permissions through an IAM </a:t>
+            </a:r>
+            <a:r>
+              <a:rPr lang="en-GB" sz="1600" dirty="0">
                 <a:solidFill>
                   <a:schemeClr val="dk1"/>
                 </a:solidFill>
@@ -4967,7 +7472,7 @@
               <a:t>policy</a:t>
             </a:r>
             <a:r>
-              <a:rPr lang="en" sz="1467" dirty="0">
+              <a:rPr lang="en-GB" sz="1600" dirty="0">
                 <a:solidFill>
                   <a:schemeClr val="dk1"/>
                 </a:solidFill>
@@ -4975,7 +7480,7 @@
               <a:t> to request the </a:t>
             </a:r>
             <a:r>
-              <a:rPr lang="en" sz="1467" dirty="0" err="1">
+              <a:rPr lang="en-GB" sz="1600" dirty="0" err="1">
                 <a:solidFill>
                   <a:schemeClr val="dk1"/>
                 </a:solidFill>
@@ -4987,7 +7492,7 @@
               <a:t>DecodeAuthorizationMessage</a:t>
             </a:r>
             <a:r>
-              <a:rPr lang="en" sz="1467" dirty="0">
+              <a:rPr lang="en-GB" sz="1600" dirty="0">
                 <a:solidFill>
                   <a:schemeClr val="dk1"/>
                 </a:solidFill>
@@ -4995,7 +7500,7 @@
               <a:t> (</a:t>
             </a:r>
             <a:r>
-              <a:rPr lang="en" sz="1467" dirty="0" err="1">
+              <a:rPr lang="en-GB" sz="1600" dirty="0" err="1">
                 <a:solidFill>
                   <a:schemeClr val="dk1"/>
                 </a:solidFill>
@@ -5007,14 +7512,158 @@
               <a:t>sts:DecodeAuthorizationMessage</a:t>
             </a:r>
             <a:r>
-              <a:rPr lang="en" sz="1467" dirty="0">
+              <a:rPr lang="en-GB" sz="1600" dirty="0">
                 <a:solidFill>
                   <a:schemeClr val="dk1"/>
                 </a:solidFill>
               </a:rPr>
               <a:t>) action.</a:t>
             </a:r>
-            <a:endParaRPr sz="1467" dirty="0">
+          </a:p>
+        </p:txBody>
+      </p:sp>
+      <p:sp>
+        <p:nvSpPr>
+          <p:cNvPr id="458" name="Google Shape;458;p79"/>
+          <p:cNvSpPr txBox="1">
+            <a:spLocks noGrp="1"/>
+          </p:cNvSpPr>
+          <p:nvPr>
+            <p:ph type="title"/>
+          </p:nvPr>
+        </p:nvSpPr>
+        <p:spPr>
+          <a:xfrm>
+            <a:off x="556532" y="5322147"/>
+            <a:ext cx="11210925" cy="744836"/>
+          </a:xfrm>
+          <a:prstGeom prst="rect">
+            <a:avLst/>
+          </a:prstGeom>
+        </p:spPr>
+        <p:txBody>
+          <a:bodyPr spcFirstLastPara="1" vert="horz" lIns="91440" tIns="45720" rIns="91440" bIns="45720" rtlCol="0" anchor="ctr" anchorCtr="0">
+            <a:normAutofit/>
+          </a:bodyPr>
+          <a:lstStyle/>
+          <a:p>
+            <a:pPr algn="ctr">
+              <a:spcBef>
+                <a:spcPct val="0"/>
+              </a:spcBef>
+            </a:pPr>
+            <a:r>
+              <a:rPr lang="en-US" sz="3200" kern="1200">
+                <a:solidFill>
+                  <a:schemeClr val="bg1"/>
+                </a:solidFill>
+                <a:latin typeface="+mj-lt"/>
+                <a:ea typeface="+mj-ea"/>
+                <a:cs typeface="+mj-cs"/>
+              </a:rPr>
+              <a:t>AWS STS - Temporary security credentials in IAM</a:t>
+            </a:r>
+          </a:p>
+        </p:txBody>
+      </p:sp>
+      <p:sp>
+        <p:nvSpPr>
+          <p:cNvPr id="459" name="Google Shape;459;p79"/>
+          <p:cNvSpPr txBox="1">
+            <a:spLocks noGrp="1"/>
+          </p:cNvSpPr>
+          <p:nvPr>
+            <p:ph type="body" idx="1"/>
+          </p:nvPr>
+        </p:nvSpPr>
+        <p:spPr>
+          <a:xfrm>
+            <a:off x="642938" y="363538"/>
+            <a:ext cx="3468688" cy="4392613"/>
+          </a:xfrm>
+          <a:prstGeom prst="rect">
+            <a:avLst/>
+          </a:prstGeom>
+        </p:spPr>
+        <p:txBody>
+          <a:bodyPr spcFirstLastPara="1" vert="horz" wrap="square" lIns="121900" tIns="121900" rIns="121900" bIns="121900" rtlCol="0" anchor="t" anchorCtr="0">
+            <a:normAutofit/>
+          </a:bodyPr>
+          <a:lstStyle/>
+          <a:p>
+            <a:pPr marL="0" indent="0">
+              <a:lnSpc>
+                <a:spcPct val="122600"/>
+              </a:lnSpc>
+              <a:spcBef>
+                <a:spcPts val="500"/>
+              </a:spcBef>
+              <a:buNone/>
+            </a:pPr>
+            <a:r>
+              <a:rPr lang="en-GB" sz="1600" dirty="0" err="1">
+                <a:solidFill>
+                  <a:srgbClr val="DD5540"/>
+                </a:solidFill>
+              </a:rPr>
+              <a:t>AssumeRole</a:t>
+            </a:r>
+            <a:r>
+              <a:rPr lang="en-GB" sz="1600" dirty="0">
+                <a:solidFill>
+                  <a:schemeClr val="dk1"/>
+                </a:solidFill>
+              </a:rPr>
+              <a:t> </a:t>
+            </a:r>
+          </a:p>
+          <a:p>
+            <a:pPr marL="285750" indent="-285750">
+              <a:lnSpc>
+                <a:spcPct val="122600"/>
+              </a:lnSpc>
+              <a:spcBef>
+                <a:spcPts val="500"/>
+              </a:spcBef>
+            </a:pPr>
+            <a:r>
+              <a:rPr lang="en-GB" sz="1600" dirty="0">
+                <a:solidFill>
+                  <a:schemeClr val="dk1"/>
+                </a:solidFill>
+              </a:rPr>
+              <a:t>Returns a set of temporary security credentials that you can use to access AWS resources that you might not normally have access to. </a:t>
+            </a:r>
+          </a:p>
+          <a:p>
+            <a:pPr marL="285750" indent="-285750">
+              <a:lnSpc>
+                <a:spcPct val="122600"/>
+              </a:lnSpc>
+              <a:spcBef>
+                <a:spcPts val="500"/>
+              </a:spcBef>
+            </a:pPr>
+            <a:r>
+              <a:rPr lang="en-GB" sz="1600" dirty="0">
+                <a:solidFill>
+                  <a:schemeClr val="dk1"/>
+                </a:solidFill>
+              </a:rPr>
+              <a:t>These temporary credentials consist of an access key ID, a secret access key, and a security token.</a:t>
+            </a:r>
+          </a:p>
+          <a:p>
+            <a:pPr marL="0" indent="0">
+              <a:spcBef>
+                <a:spcPts val="500"/>
+              </a:spcBef>
+              <a:spcAft>
+                <a:spcPts val="1600"/>
+              </a:spcAft>
+              <a:buNone/>
+            </a:pPr>
+            <a:endParaRPr lang="en-GB" sz="1600" dirty="0">
               <a:solidFill>
                 <a:schemeClr val="dk1"/>
               </a:solidFill>
@@ -5022,6 +7671,107 @@
           </a:p>
         </p:txBody>
       </p:sp>
+    </p:spTree>
+    <p:extLst>
+      <p:ext uri="{BB962C8B-B14F-4D97-AF65-F5344CB8AC3E}">
+        <p14:creationId xmlns:p14="http://schemas.microsoft.com/office/powerpoint/2010/main" val="2623097240"/>
+      </p:ext>
+    </p:extLst>
+  </p:cSld>
+  <p:clrMapOvr>
+    <a:masterClrMapping/>
+  </p:clrMapOvr>
+</p:sld>
+</file>
+
+<file path=ppt/slides/slide5.xml><?xml version="1.0" encoding="utf-8"?>
+<p:sld xmlns:a="http://schemas.openxmlformats.org/drawingml/2006/main" xmlns:r="http://schemas.openxmlformats.org/officeDocument/2006/relationships" xmlns:p="http://schemas.openxmlformats.org/presentationml/2006/main">
+  <p:cSld>
+    <p:bg>
+      <p:bgPr>
+        <a:solidFill>
+          <a:schemeClr val="bg1"/>
+        </a:solidFill>
+        <a:effectLst/>
+      </p:bgPr>
+    </p:bg>
+    <p:spTree>
+      <p:nvGrpSpPr>
+        <p:cNvPr id="1" name="Shape 457"/>
+        <p:cNvGrpSpPr/>
+        <p:nvPr/>
+      </p:nvGrpSpPr>
+      <p:grpSpPr>
+        <a:xfrm>
+          <a:off x="0" y="0"/>
+          <a:ext cx="0" cy="0"/>
+          <a:chOff x="0" y="0"/>
+          <a:chExt cx="0" cy="0"/>
+        </a:xfrm>
+      </p:grpSpPr>
+      <p:sp>
+        <p:nvSpPr>
+          <p:cNvPr id="467" name="Rectangle 466">
+            <a:extLst>
+              <a:ext uri="{FF2B5EF4-FFF2-40B4-BE49-F238E27FC236}">
+                <a16:creationId xmlns:a16="http://schemas.microsoft.com/office/drawing/2014/main" id="{A4AC5506-6312-4701-8D3C-40187889A947}"/>
+              </a:ext>
+              <a:ext uri="{C183D7F6-B498-43B3-948B-1728B52AA6E4}">
+                <adec:decorative xmlns:adec="http://schemas.microsoft.com/office/drawing/2017/decorative" val="1"/>
+              </a:ext>
+            </a:extLst>
+          </p:cNvPr>
+          <p:cNvSpPr>
+            <a:spLocks noGrp="1" noRot="1" noChangeAspect="1" noMove="1" noResize="1" noEditPoints="1" noAdjustHandles="1" noChangeArrowheads="1" noChangeShapeType="1" noTextEdit="1"/>
+          </p:cNvSpPr>
+          <p:nvPr>
+            <p:extLst>
+              <p:ext uri="{386F3935-93C4-4BCD-93E2-E3B085C9AB24}">
+                <p16:designElem xmlns:p16="http://schemas.microsoft.com/office/powerpoint/2015/main" val="1"/>
+              </p:ext>
+            </p:extLst>
+          </p:nvPr>
+        </p:nvSpPr>
+        <p:spPr>
+          <a:xfrm>
+            <a:off x="0" y="5330432"/>
+            <a:ext cx="12192000" cy="736551"/>
+          </a:xfrm>
+          <a:prstGeom prst="rect">
+            <a:avLst/>
+          </a:prstGeom>
+          <a:solidFill>
+            <a:schemeClr val="tx1"/>
+          </a:solidFill>
+          <a:ln>
+            <a:noFill/>
+          </a:ln>
+        </p:spPr>
+        <p:style>
+          <a:lnRef idx="2">
+            <a:schemeClr val="accent1">
+              <a:shade val="50000"/>
+            </a:schemeClr>
+          </a:lnRef>
+          <a:fillRef idx="1">
+            <a:schemeClr val="accent1"/>
+          </a:fillRef>
+          <a:effectRef idx="0">
+            <a:schemeClr val="accent1"/>
+          </a:effectRef>
+          <a:fontRef idx="minor">
+            <a:schemeClr val="lt1"/>
+          </a:fontRef>
+        </p:style>
+        <p:txBody>
+          <a:bodyPr rtlCol="0" anchor="ctr"/>
+          <a:lstStyle/>
+          <a:p>
+            <a:pPr algn="ctr"/>
+            <a:endParaRPr lang="en-US"/>
+          </a:p>
+        </p:txBody>
+      </p:sp>
       <p:sp>
         <p:nvSpPr>
           <p:cNvPr id="461" name="Google Shape;461;p79"/>
@@ -5030,8 +7780,8 @@
         </p:nvSpPr>
         <p:spPr>
           <a:xfrm>
-            <a:off x="4406100" y="881434"/>
-            <a:ext cx="4280800" cy="5246139"/>
+            <a:off x="642938" y="363538"/>
+            <a:ext cx="10904538" cy="2447925"/>
           </a:xfrm>
           <a:prstGeom prst="rect">
             <a:avLst/>
@@ -5043,17 +7793,20 @@
         </p:spPr>
         <p:txBody>
           <a:bodyPr spcFirstLastPara="1" wrap="square" lIns="121900" tIns="121900" rIns="121900" bIns="121900" anchor="t" anchorCtr="0">
-            <a:spAutoFit/>
+            <a:normAutofit fontScale="92500" lnSpcReduction="10000"/>
           </a:bodyPr>
           <a:lstStyle/>
           <a:p>
             <a:pPr>
+              <a:lnSpc>
+                <a:spcPct val="90000"/>
+              </a:lnSpc>
               <a:spcBef>
-                <a:spcPts val="3067"/>
+                <a:spcPts val="500"/>
               </a:spcBef>
             </a:pPr>
             <a:r>
-              <a:rPr lang="en" sz="1467">
+              <a:rPr lang="en-GB" sz="1400" b="1" dirty="0" err="1">
                 <a:solidFill>
                   <a:srgbClr val="DD5540"/>
                 </a:solidFill>
@@ -5061,15 +7814,75 @@
               <a:t>GetFederationToken</a:t>
             </a:r>
             <a:r>
-              <a:rPr lang="en" sz="1467">
+              <a:rPr lang="en-GB" sz="1400" dirty="0">
                 <a:solidFill>
                   <a:schemeClr val="dk1"/>
                 </a:solidFill>
               </a:rPr>
-              <a:t> - Returns a set of temporary security credentials (consisting of an access key ID, a secret access key, and a security token) for a federated user. A typical use is in a proxy application that gets temporary security credentials on behalf of distributed applications inside a corporate network. You must call the </a:t>
-            </a:r>
-            <a:r>
-              <a:rPr lang="en" sz="1467">
+              <a:t> </a:t>
+            </a:r>
+          </a:p>
+          <a:p>
+            <a:pPr marL="285750" indent="-285750">
+              <a:lnSpc>
+                <a:spcPct val="90000"/>
+              </a:lnSpc>
+              <a:spcBef>
+                <a:spcPts val="500"/>
+              </a:spcBef>
+              <a:buFont typeface="Arial" panose="020B0604020202020204" pitchFamily="34" charset="0"/>
+              <a:buChar char="•"/>
+            </a:pPr>
+            <a:r>
+              <a:rPr lang="en-GB" sz="1400" dirty="0">
+                <a:solidFill>
+                  <a:schemeClr val="dk1"/>
+                </a:solidFill>
+              </a:rPr>
+              <a:t>Returns a set of temporary security credentials (consisting of an access key ID, a secret access key, and a security token) for a federated user. </a:t>
+            </a:r>
+          </a:p>
+          <a:p>
+            <a:pPr marL="285750" indent="-285750">
+              <a:lnSpc>
+                <a:spcPct val="90000"/>
+              </a:lnSpc>
+              <a:spcBef>
+                <a:spcPts val="500"/>
+              </a:spcBef>
+              <a:buFont typeface="Arial" panose="020B0604020202020204" pitchFamily="34" charset="0"/>
+              <a:buChar char="•"/>
+            </a:pPr>
+            <a:r>
+              <a:rPr lang="en-GB" sz="1400" dirty="0">
+                <a:solidFill>
+                  <a:schemeClr val="dk1"/>
+                </a:solidFill>
+              </a:rPr>
+              <a:t>A typical use is in a proxy application that gets temporary security credentials on behalf of distributed applications inside a corporate network. </a:t>
+            </a:r>
+          </a:p>
+          <a:p>
+            <a:pPr marL="285750" indent="-285750">
+              <a:lnSpc>
+                <a:spcPct val="90000"/>
+              </a:lnSpc>
+              <a:spcBef>
+                <a:spcPts val="500"/>
+              </a:spcBef>
+              <a:buFont typeface="Arial" panose="020B0604020202020204" pitchFamily="34" charset="0"/>
+              <a:buChar char="•"/>
+            </a:pPr>
+            <a:r>
+              <a:rPr lang="en-GB" sz="1400" dirty="0">
+                <a:solidFill>
+                  <a:schemeClr val="dk1"/>
+                </a:solidFill>
+              </a:rPr>
+              <a:t>You must call the </a:t>
+            </a:r>
+            <a:r>
+              <a:rPr lang="en-GB" sz="1400" dirty="0" err="1">
                 <a:solidFill>
                   <a:srgbClr val="DD5540"/>
                 </a:solidFill>
@@ -5081,41 +7894,159 @@
               <a:t>GetFederationToken</a:t>
             </a:r>
             <a:r>
-              <a:rPr lang="en" sz="1467">
+              <a:rPr lang="en-GB" sz="1400" dirty="0">
                 <a:solidFill>
                   <a:schemeClr val="dk1"/>
                 </a:solidFill>
               </a:rPr>
-              <a:t> operation using the long-term security credentials of an IAM user. As a result, this call is appropriate in contexts where those credentials can be safely stored, usually in a server-based application.</a:t>
-            </a:r>
-            <a:endParaRPr sz="1467">
-              <a:solidFill>
-                <a:schemeClr val="dk1"/>
-              </a:solidFill>
-            </a:endParaRPr>
-          </a:p>
-          <a:p>
-            <a:pPr>
+              <a:t> operation using the long-term security credentials of an IAM user. </a:t>
+            </a:r>
+          </a:p>
+          <a:p>
+            <a:pPr marL="285750" indent="-285750">
+              <a:lnSpc>
+                <a:spcPct val="90000"/>
+              </a:lnSpc>
               <a:spcBef>
-                <a:spcPts val="3067"/>
+                <a:spcPts val="500"/>
+              </a:spcBef>
+              <a:buFont typeface="Arial" panose="020B0604020202020204" pitchFamily="34" charset="0"/>
+              <a:buChar char="•"/>
+            </a:pPr>
+            <a:r>
+              <a:rPr lang="en-GB" sz="1400" dirty="0">
+                <a:solidFill>
+                  <a:schemeClr val="dk1"/>
+                </a:solidFill>
+              </a:rPr>
+              <a:t>As a result, this call is appropriate in contexts where those credentials can be safely stored, usually in a server-based application.</a:t>
+            </a:r>
+          </a:p>
+          <a:p>
+            <a:pPr marL="285750" indent="-285750">
+              <a:lnSpc>
+                <a:spcPct val="90000"/>
+              </a:lnSpc>
+              <a:spcBef>
+                <a:spcPts val="500"/>
               </a:spcBef>
               <a:spcAft>
                 <a:spcPts val="1067"/>
               </a:spcAft>
+              <a:buFont typeface="Arial" panose="020B0604020202020204" pitchFamily="34" charset="0"/>
+              <a:buChar char="•"/>
             </a:pPr>
             <a:r>
-              <a:rPr lang="en" sz="1467">
+              <a:rPr lang="en-GB" sz="1400" dirty="0">
                 <a:solidFill>
                   <a:schemeClr val="dk1"/>
                 </a:solidFill>
               </a:rPr>
-              <a:t>The temporary credentials are valid for the specified duration, from 900 seconds (15 minutes) up to a maximum of 129,600 seconds (36 hours). The default session duration is 43,200 seconds (12 hours). Temporary credentials obtained by using the AWS account root user credentials have a maximum duration of 3,600 seconds (1 hour).</a:t>
-            </a:r>
-            <a:endParaRPr sz="1467">
-              <a:solidFill>
-                <a:schemeClr val="dk1"/>
-              </a:solidFill>
-            </a:endParaRPr>
+              <a:t>The temporary credentials are valid for the specified duration, </a:t>
+            </a:r>
+            <a:r>
+              <a:rPr lang="en-GB" sz="1400" dirty="0">
+                <a:solidFill>
+                  <a:schemeClr val="dk1"/>
+                </a:solidFill>
+                <a:highlight>
+                  <a:srgbClr val="FFFF00"/>
+                </a:highlight>
+              </a:rPr>
+              <a:t>from 900 seconds </a:t>
+            </a:r>
+            <a:r>
+              <a:rPr lang="en-GB" sz="1400" dirty="0">
+                <a:solidFill>
+                  <a:schemeClr val="dk1"/>
+                </a:solidFill>
+              </a:rPr>
+              <a:t>(</a:t>
+            </a:r>
+            <a:r>
+              <a:rPr lang="en-GB" sz="1400" dirty="0">
+                <a:solidFill>
+                  <a:schemeClr val="dk1"/>
+                </a:solidFill>
+                <a:highlight>
+                  <a:srgbClr val="FFFF00"/>
+                </a:highlight>
+              </a:rPr>
+              <a:t>15 minutes</a:t>
+            </a:r>
+            <a:r>
+              <a:rPr lang="en-GB" sz="1400" dirty="0">
+                <a:solidFill>
+                  <a:schemeClr val="dk1"/>
+                </a:solidFill>
+              </a:rPr>
+              <a:t>) up to a maximum of 129,600 seconds (</a:t>
+            </a:r>
+            <a:r>
+              <a:rPr lang="en-GB" sz="1400" dirty="0">
+                <a:solidFill>
+                  <a:schemeClr val="dk1"/>
+                </a:solidFill>
+                <a:highlight>
+                  <a:srgbClr val="FFFF00"/>
+                </a:highlight>
+              </a:rPr>
+              <a:t>36 hours</a:t>
+            </a:r>
+            <a:r>
+              <a:rPr lang="en-GB" sz="1400" dirty="0">
+                <a:solidFill>
+                  <a:schemeClr val="dk1"/>
+                </a:solidFill>
+              </a:rPr>
+              <a:t>). </a:t>
+            </a:r>
+          </a:p>
+          <a:p>
+            <a:pPr marL="285750" indent="-285750">
+              <a:lnSpc>
+                <a:spcPct val="90000"/>
+              </a:lnSpc>
+              <a:spcBef>
+                <a:spcPts val="500"/>
+              </a:spcBef>
+              <a:spcAft>
+                <a:spcPts val="1067"/>
+              </a:spcAft>
+              <a:buFont typeface="Arial" panose="020B0604020202020204" pitchFamily="34" charset="0"/>
+              <a:buChar char="•"/>
+            </a:pPr>
+            <a:r>
+              <a:rPr lang="en-GB" sz="1400" dirty="0">
+                <a:solidFill>
+                  <a:schemeClr val="dk1"/>
+                </a:solidFill>
+              </a:rPr>
+              <a:t>The default session duration is 43,200 seconds (12 hours). </a:t>
+            </a:r>
+          </a:p>
+          <a:p>
+            <a:pPr marL="285750" indent="-285750">
+              <a:lnSpc>
+                <a:spcPct val="90000"/>
+              </a:lnSpc>
+              <a:spcBef>
+                <a:spcPts val="500"/>
+              </a:spcBef>
+              <a:spcAft>
+                <a:spcPts val="1067"/>
+              </a:spcAft>
+              <a:buFont typeface="Arial" panose="020B0604020202020204" pitchFamily="34" charset="0"/>
+              <a:buChar char="•"/>
+            </a:pPr>
+            <a:r>
+              <a:rPr lang="en-GB" sz="1400" dirty="0">
+                <a:solidFill>
+                  <a:schemeClr val="dk1"/>
+                </a:solidFill>
+              </a:rPr>
+              <a:t>Temporary credentials obtained by using the AWS account root user credentials have a maximum duration of 3,600 seconds (1 hour).</a:t>
+            </a:r>
           </a:p>
         </p:txBody>
       </p:sp>
@@ -5127,8 +8058,8 @@
         </p:nvSpPr>
         <p:spPr>
           <a:xfrm>
-            <a:off x="8729300" y="881434"/>
-            <a:ext cx="3118800" cy="5697673"/>
+            <a:off x="642938" y="2865438"/>
+            <a:ext cx="10904538" cy="2251569"/>
           </a:xfrm>
           <a:prstGeom prst="rect">
             <a:avLst/>
@@ -5140,17 +8071,20 @@
         </p:spPr>
         <p:txBody>
           <a:bodyPr spcFirstLastPara="1" wrap="square" lIns="121900" tIns="121900" rIns="121900" bIns="121900" anchor="t" anchorCtr="0">
-            <a:spAutoFit/>
+            <a:noAutofit/>
           </a:bodyPr>
           <a:lstStyle/>
           <a:p>
             <a:pPr>
+              <a:lnSpc>
+                <a:spcPct val="90000"/>
+              </a:lnSpc>
               <a:spcBef>
-                <a:spcPts val="3067"/>
+                <a:spcPts val="500"/>
               </a:spcBef>
             </a:pPr>
             <a:r>
-              <a:rPr lang="en" sz="1467">
+              <a:rPr lang="en-GB" sz="1400" b="1" dirty="0" err="1">
                 <a:solidFill>
                   <a:srgbClr val="DD5540"/>
                 </a:solidFill>
@@ -5158,30 +8092,50 @@
               <a:t>GetSessionToken</a:t>
             </a:r>
             <a:r>
-              <a:rPr lang="en" sz="1467">
+              <a:rPr lang="en-GB" sz="1400" dirty="0">
                 <a:solidFill>
                   <a:schemeClr val="dk1"/>
                 </a:solidFill>
               </a:rPr>
-              <a:t> - Returns a set of temporary credentials for an AWS account or IAM user. The credentials consist of an access key ID, a secret access key, and a security token.</a:t>
-            </a:r>
-            <a:endParaRPr sz="1467">
-              <a:solidFill>
-                <a:schemeClr val="dk1"/>
-              </a:solidFill>
-            </a:endParaRPr>
-          </a:p>
-          <a:p>
-            <a:pPr>
+              <a:t> </a:t>
+            </a:r>
+          </a:p>
+          <a:p>
+            <a:pPr marL="171450" indent="-171450">
+              <a:lnSpc>
+                <a:spcPct val="90000"/>
+              </a:lnSpc>
               <a:spcBef>
-                <a:spcPts val="3067"/>
+                <a:spcPts val="500"/>
+              </a:spcBef>
+              <a:buFont typeface="Arial" panose="020B0604020202020204" pitchFamily="34" charset="0"/>
+              <a:buChar char="•"/>
+            </a:pPr>
+            <a:r>
+              <a:rPr lang="en-GB" sz="1400" dirty="0">
+                <a:solidFill>
+                  <a:schemeClr val="dk1"/>
+                </a:solidFill>
+              </a:rPr>
+              <a:t>Returns a set of temporary credentials for an AWS account or IAM user. The credentials consist of an access key ID, a secret access key, and a security token.</a:t>
+            </a:r>
+          </a:p>
+          <a:p>
+            <a:pPr marL="171450" indent="-171450">
+              <a:lnSpc>
+                <a:spcPct val="90000"/>
+              </a:lnSpc>
+              <a:spcBef>
+                <a:spcPts val="500"/>
               </a:spcBef>
               <a:spcAft>
                 <a:spcPts val="1067"/>
               </a:spcAft>
+              <a:buFont typeface="Arial" panose="020B0604020202020204" pitchFamily="34" charset="0"/>
+              <a:buChar char="•"/>
             </a:pPr>
             <a:r>
-              <a:rPr lang="en" sz="1467">
+              <a:rPr lang="en-GB" sz="1400" dirty="0">
                 <a:solidFill>
                   <a:schemeClr val="dk1"/>
                 </a:solidFill>
@@ -5189,7 +8143,7 @@
               <a:t>The </a:t>
             </a:r>
             <a:r>
-              <a:rPr lang="en" sz="1467">
+              <a:rPr lang="en-GB" sz="1400" dirty="0" err="1">
                 <a:solidFill>
                   <a:srgbClr val="DD5540"/>
                 </a:solidFill>
@@ -5201,18 +8155,103 @@
               <a:t>GetSessionToken</a:t>
             </a:r>
             <a:r>
-              <a:rPr lang="en" sz="1467">
+              <a:rPr lang="en-GB" sz="1400" dirty="0">
                 <a:solidFill>
                   <a:schemeClr val="dk1"/>
                 </a:solidFill>
               </a:rPr>
-              <a:t> operation must be called by using the long-term AWS security credentials of the AWS account root user or an IAM user. Credentials that are created by IAM users are valid for the duration that you specify. This duration can range from 900 seconds (15 minutes) up to a maximum of 129,600 seconds (36 hours), with a default of 43,200 seconds (12 hours). Credentials based on account credentials can range from 900 seconds (15 minutes) up to 3,600 seconds (1 hour), with a default of 1 hour.</a:t>
-            </a:r>
-            <a:endParaRPr sz="1467">
-              <a:solidFill>
-                <a:schemeClr val="dk1"/>
-              </a:solidFill>
-            </a:endParaRPr>
+              <a:t> operation must be called by using the long-term AWS security credentials of the AWS account root user or an IAM user. </a:t>
+            </a:r>
+          </a:p>
+          <a:p>
+            <a:pPr marL="171450" indent="-171450">
+              <a:lnSpc>
+                <a:spcPct val="90000"/>
+              </a:lnSpc>
+              <a:spcBef>
+                <a:spcPts val="500"/>
+              </a:spcBef>
+              <a:spcAft>
+                <a:spcPts val="1067"/>
+              </a:spcAft>
+              <a:buFont typeface="Arial" panose="020B0604020202020204" pitchFamily="34" charset="0"/>
+              <a:buChar char="•"/>
+            </a:pPr>
+            <a:r>
+              <a:rPr lang="en-GB" sz="1400" dirty="0">
+                <a:solidFill>
+                  <a:schemeClr val="dk1"/>
+                </a:solidFill>
+              </a:rPr>
+              <a:t>Credentials that are created by IAM users are valid for the duration that you specify. This duration can range from 900 seconds (15 minutes) up to a maximum of 129,600 seconds (36 hours), with a default of 43,200 seconds (12 hours). </a:t>
+            </a:r>
+          </a:p>
+          <a:p>
+            <a:pPr marL="171450" indent="-171450">
+              <a:lnSpc>
+                <a:spcPct val="90000"/>
+              </a:lnSpc>
+              <a:spcBef>
+                <a:spcPts val="500"/>
+              </a:spcBef>
+              <a:spcAft>
+                <a:spcPts val="1067"/>
+              </a:spcAft>
+              <a:buFont typeface="Arial" panose="020B0604020202020204" pitchFamily="34" charset="0"/>
+              <a:buChar char="•"/>
+            </a:pPr>
+            <a:r>
+              <a:rPr lang="en-GB" sz="1400" dirty="0">
+                <a:solidFill>
+                  <a:schemeClr val="dk1"/>
+                </a:solidFill>
+              </a:rPr>
+              <a:t>Credentials based on account credentials can range from 900 seconds (15 minutes) up to 3,600 seconds (1 hour), with a default of 1 hour.</a:t>
+            </a:r>
+          </a:p>
+        </p:txBody>
+      </p:sp>
+      <p:sp>
+        <p:nvSpPr>
+          <p:cNvPr id="458" name="Google Shape;458;p79"/>
+          <p:cNvSpPr txBox="1">
+            <a:spLocks noGrp="1"/>
+          </p:cNvSpPr>
+          <p:nvPr>
+            <p:ph type="title"/>
+          </p:nvPr>
+        </p:nvSpPr>
+        <p:spPr>
+          <a:xfrm>
+            <a:off x="556532" y="5322147"/>
+            <a:ext cx="11210925" cy="744836"/>
+          </a:xfrm>
+          <a:prstGeom prst="rect">
+            <a:avLst/>
+          </a:prstGeom>
+        </p:spPr>
+        <p:txBody>
+          <a:bodyPr spcFirstLastPara="1" vert="horz" lIns="91440" tIns="45720" rIns="91440" bIns="45720" rtlCol="0" anchor="ctr" anchorCtr="0">
+            <a:normAutofit/>
+          </a:bodyPr>
+          <a:lstStyle/>
+          <a:p>
+            <a:pPr algn="ctr">
+              <a:spcBef>
+                <a:spcPct val="0"/>
+              </a:spcBef>
+            </a:pPr>
+            <a:r>
+              <a:rPr lang="en-US" sz="3200" kern="1200">
+                <a:solidFill>
+                  <a:schemeClr val="bg1"/>
+                </a:solidFill>
+                <a:latin typeface="+mj-lt"/>
+                <a:ea typeface="+mj-ea"/>
+                <a:cs typeface="+mj-cs"/>
+              </a:rPr>
+              <a:t>AWS STS - Temporary security credentials in IAM</a:t>
+            </a:r>
           </a:p>
         </p:txBody>
       </p:sp>

--- a/lecture-materials/Security/sts/sts.pptx
+++ b/lecture-materials/Security/sts/sts.pptx
@@ -5,7 +5,7 @@
     <p:sldMasterId id="2147483648" r:id="rId1"/>
   </p:sldMasterIdLst>
   <p:notesMasterIdLst>
-    <p:notesMasterId r:id="rId7"/>
+    <p:notesMasterId r:id="rId9"/>
   </p:notesMasterIdLst>
   <p:sldIdLst>
     <p:sldId id="308" r:id="rId2"/>
@@ -13,6 +13,8 @@
     <p:sldId id="310" r:id="rId4"/>
     <p:sldId id="309" r:id="rId5"/>
     <p:sldId id="307" r:id="rId6"/>
+    <p:sldId id="311" r:id="rId7"/>
+    <p:sldId id="312" r:id="rId8"/>
   </p:sldIdLst>
   <p:sldSz cx="12192000" cy="6858000"/>
   <p:notesSz cx="6858000" cy="9144000"/>
@@ -201,7 +203,7 @@
           <a:p>
             <a:fld id="{7E7CC8E9-B0B9-B849-94EA-BFA9A1C4EC86}" type="datetimeFigureOut">
               <a:rPr lang="en-CH" smtClean="0"/>
-              <a:t>03.12.2023</a:t>
+              <a:t>26.12.2023</a:t>
             </a:fld>
             <a:endParaRPr lang="en-CH"/>
           </a:p>
@@ -935,7 +937,7 @@
           <a:p>
             <a:fld id="{322C9020-58D6-4B4B-AE71-CBBD8D6FD410}" type="datetimeFigureOut">
               <a:rPr lang="en-CH" smtClean="0"/>
-              <a:t>03.12.2023</a:t>
+              <a:t>26.12.2023</a:t>
             </a:fld>
             <a:endParaRPr lang="en-CH"/>
           </a:p>
@@ -1135,7 +1137,7 @@
           <a:p>
             <a:fld id="{322C9020-58D6-4B4B-AE71-CBBD8D6FD410}" type="datetimeFigureOut">
               <a:rPr lang="en-CH" smtClean="0"/>
-              <a:t>03.12.2023</a:t>
+              <a:t>26.12.2023</a:t>
             </a:fld>
             <a:endParaRPr lang="en-CH"/>
           </a:p>
@@ -1345,7 +1347,7 @@
           <a:p>
             <a:fld id="{322C9020-58D6-4B4B-AE71-CBBD8D6FD410}" type="datetimeFigureOut">
               <a:rPr lang="en-CH" smtClean="0"/>
-              <a:t>03.12.2023</a:t>
+              <a:t>26.12.2023</a:t>
             </a:fld>
             <a:endParaRPr lang="en-CH"/>
           </a:p>
@@ -1944,7 +1946,7 @@
           <a:p>
             <a:fld id="{322C9020-58D6-4B4B-AE71-CBBD8D6FD410}" type="datetimeFigureOut">
               <a:rPr lang="en-CH" smtClean="0"/>
-              <a:t>03.12.2023</a:t>
+              <a:t>26.12.2023</a:t>
             </a:fld>
             <a:endParaRPr lang="en-CH"/>
           </a:p>
@@ -2220,7 +2222,7 @@
           <a:p>
             <a:fld id="{322C9020-58D6-4B4B-AE71-CBBD8D6FD410}" type="datetimeFigureOut">
               <a:rPr lang="en-CH" smtClean="0"/>
-              <a:t>03.12.2023</a:t>
+              <a:t>26.12.2023</a:t>
             </a:fld>
             <a:endParaRPr lang="en-CH"/>
           </a:p>
@@ -2488,7 +2490,7 @@
           <a:p>
             <a:fld id="{322C9020-58D6-4B4B-AE71-CBBD8D6FD410}" type="datetimeFigureOut">
               <a:rPr lang="en-CH" smtClean="0"/>
-              <a:t>03.12.2023</a:t>
+              <a:t>26.12.2023</a:t>
             </a:fld>
             <a:endParaRPr lang="en-CH"/>
           </a:p>
@@ -2903,7 +2905,7 @@
           <a:p>
             <a:fld id="{322C9020-58D6-4B4B-AE71-CBBD8D6FD410}" type="datetimeFigureOut">
               <a:rPr lang="en-CH" smtClean="0"/>
-              <a:t>03.12.2023</a:t>
+              <a:t>26.12.2023</a:t>
             </a:fld>
             <a:endParaRPr lang="en-CH"/>
           </a:p>
@@ -3045,7 +3047,7 @@
           <a:p>
             <a:fld id="{322C9020-58D6-4B4B-AE71-CBBD8D6FD410}" type="datetimeFigureOut">
               <a:rPr lang="en-CH" smtClean="0"/>
-              <a:t>03.12.2023</a:t>
+              <a:t>26.12.2023</a:t>
             </a:fld>
             <a:endParaRPr lang="en-CH"/>
           </a:p>
@@ -3158,7 +3160,7 @@
           <a:p>
             <a:fld id="{322C9020-58D6-4B4B-AE71-CBBD8D6FD410}" type="datetimeFigureOut">
               <a:rPr lang="en-CH" smtClean="0"/>
-              <a:t>03.12.2023</a:t>
+              <a:t>26.12.2023</a:t>
             </a:fld>
             <a:endParaRPr lang="en-CH"/>
           </a:p>
@@ -3471,7 +3473,7 @@
           <a:p>
             <a:fld id="{322C9020-58D6-4B4B-AE71-CBBD8D6FD410}" type="datetimeFigureOut">
               <a:rPr lang="en-CH" smtClean="0"/>
-              <a:t>03.12.2023</a:t>
+              <a:t>26.12.2023</a:t>
             </a:fld>
             <a:endParaRPr lang="en-CH"/>
           </a:p>
@@ -3760,7 +3762,7 @@
           <a:p>
             <a:fld id="{322C9020-58D6-4B4B-AE71-CBBD8D6FD410}" type="datetimeFigureOut">
               <a:rPr lang="en-CH" smtClean="0"/>
-              <a:t>03.12.2023</a:t>
+              <a:t>26.12.2023</a:t>
             </a:fld>
             <a:endParaRPr lang="en-CH"/>
           </a:p>
@@ -4003,7 +4005,7 @@
           <a:p>
             <a:fld id="{322C9020-58D6-4B4B-AE71-CBBD8D6FD410}" type="datetimeFigureOut">
               <a:rPr lang="en-CH" smtClean="0"/>
-              <a:t>03.12.2023</a:t>
+              <a:t>26.12.2023</a:t>
             </a:fld>
             <a:endParaRPr lang="en-CH"/>
           </a:p>
@@ -8256,6 +8258,1861 @@
         </p:txBody>
       </p:sp>
     </p:spTree>
+  </p:cSld>
+  <p:clrMapOvr>
+    <a:masterClrMapping/>
+  </p:clrMapOvr>
+</p:sld>
+</file>
+
+<file path=ppt/slides/slide6.xml><?xml version="1.0" encoding="utf-8"?>
+<p:sld xmlns:a="http://schemas.openxmlformats.org/drawingml/2006/main" xmlns:r="http://schemas.openxmlformats.org/officeDocument/2006/relationships" xmlns:p="http://schemas.openxmlformats.org/presentationml/2006/main">
+  <p:cSld>
+    <p:bg>
+      <p:bgPr>
+        <a:solidFill>
+          <a:schemeClr val="bg1"/>
+        </a:solidFill>
+        <a:effectLst/>
+      </p:bgPr>
+    </p:bg>
+    <p:spTree>
+      <p:nvGrpSpPr>
+        <p:cNvPr id="1" name=""/>
+        <p:cNvGrpSpPr/>
+        <p:nvPr/>
+      </p:nvGrpSpPr>
+      <p:grpSpPr>
+        <a:xfrm>
+          <a:off x="0" y="0"/>
+          <a:ext cx="0" cy="0"/>
+          <a:chOff x="0" y="0"/>
+          <a:chExt cx="0" cy="0"/>
+        </a:xfrm>
+      </p:grpSpPr>
+      <p:sp useBgFill="1">
+        <p:nvSpPr>
+          <p:cNvPr id="8" name="Rectangle 7">
+            <a:extLst>
+              <a:ext uri="{FF2B5EF4-FFF2-40B4-BE49-F238E27FC236}">
+                <a16:creationId xmlns:a16="http://schemas.microsoft.com/office/drawing/2014/main" id="{100EDD19-6802-4EC3-95CE-CFFAB042CFD6}"/>
+              </a:ext>
+              <a:ext uri="{C183D7F6-B498-43B3-948B-1728B52AA6E4}">
+                <adec:decorative xmlns:adec="http://schemas.microsoft.com/office/drawing/2017/decorative" val="1"/>
+              </a:ext>
+            </a:extLst>
+          </p:cNvPr>
+          <p:cNvSpPr>
+            <a:spLocks noGrp="1" noRot="1" noChangeAspect="1" noMove="1" noResize="1" noEditPoints="1" noAdjustHandles="1" noChangeArrowheads="1" noChangeShapeType="1" noTextEdit="1"/>
+          </p:cNvSpPr>
+          <p:nvPr>
+            <p:extLst>
+              <p:ext uri="{386F3935-93C4-4BCD-93E2-E3B085C9AB24}">
+                <p16:designElem xmlns:p16="http://schemas.microsoft.com/office/powerpoint/2015/main" val="1"/>
+              </p:ext>
+            </p:extLst>
+          </p:nvPr>
+        </p:nvSpPr>
+        <p:spPr>
+          <a:xfrm>
+            <a:off x="0" y="0"/>
+            <a:ext cx="12188952" cy="6858000"/>
+          </a:xfrm>
+          <a:prstGeom prst="rect">
+            <a:avLst/>
+          </a:prstGeom>
+          <a:ln>
+            <a:noFill/>
+          </a:ln>
+        </p:spPr>
+        <p:style>
+          <a:lnRef idx="2">
+            <a:schemeClr val="accent1">
+              <a:shade val="50000"/>
+            </a:schemeClr>
+          </a:lnRef>
+          <a:fillRef idx="1">
+            <a:schemeClr val="accent1"/>
+          </a:fillRef>
+          <a:effectRef idx="0">
+            <a:schemeClr val="accent1"/>
+          </a:effectRef>
+          <a:fontRef idx="minor">
+            <a:schemeClr val="lt1"/>
+          </a:fontRef>
+        </p:style>
+        <p:txBody>
+          <a:bodyPr rtlCol="0" anchor="ctr"/>
+          <a:lstStyle/>
+          <a:p>
+            <a:pPr algn="ctr"/>
+            <a:endParaRPr lang="en-US"/>
+          </a:p>
+        </p:txBody>
+      </p:sp>
+      <p:sp>
+        <p:nvSpPr>
+          <p:cNvPr id="2" name="Title 1">
+            <a:extLst>
+              <a:ext uri="{FF2B5EF4-FFF2-40B4-BE49-F238E27FC236}">
+                <a16:creationId xmlns:a16="http://schemas.microsoft.com/office/drawing/2014/main" id="{CBB77F36-A721-29EA-6750-2370AD282110}"/>
+              </a:ext>
+            </a:extLst>
+          </p:cNvPr>
+          <p:cNvSpPr>
+            <a:spLocks noGrp="1"/>
+          </p:cNvSpPr>
+          <p:nvPr>
+            <p:ph type="title"/>
+          </p:nvPr>
+        </p:nvSpPr>
+        <p:spPr>
+          <a:xfrm>
+            <a:off x="838200" y="365125"/>
+            <a:ext cx="10515600" cy="1325563"/>
+          </a:xfrm>
+        </p:spPr>
+        <p:txBody>
+          <a:bodyPr vert="horz" lIns="91440" tIns="45720" rIns="91440" bIns="45720" rtlCol="0" anchor="ctr">
+            <a:normAutofit/>
+          </a:bodyPr>
+          <a:lstStyle/>
+          <a:p>
+            <a:pPr>
+              <a:spcBef>
+                <a:spcPct val="0"/>
+              </a:spcBef>
+            </a:pPr>
+            <a:r>
+              <a:rPr lang="en-US" sz="5400" kern="1200">
+                <a:solidFill>
+                  <a:schemeClr val="tx1"/>
+                </a:solidFill>
+                <a:latin typeface="+mj-lt"/>
+                <a:ea typeface="+mj-ea"/>
+                <a:cs typeface="+mj-cs"/>
+              </a:rPr>
+              <a:t>STS – Version 1 vs Version 2</a:t>
+            </a:r>
+          </a:p>
+        </p:txBody>
+      </p:sp>
+      <p:sp>
+        <p:nvSpPr>
+          <p:cNvPr id="10" name="sketch line">
+            <a:extLst>
+              <a:ext uri="{FF2B5EF4-FFF2-40B4-BE49-F238E27FC236}">
+                <a16:creationId xmlns:a16="http://schemas.microsoft.com/office/drawing/2014/main" id="{DB17E863-922E-4C26-BD64-E8FD41D28661}"/>
+              </a:ext>
+              <a:ext uri="{C183D7F6-B498-43B3-948B-1728B52AA6E4}">
+                <adec:decorative xmlns:adec="http://schemas.microsoft.com/office/drawing/2017/decorative" val="1"/>
+              </a:ext>
+            </a:extLst>
+          </p:cNvPr>
+          <p:cNvSpPr>
+            <a:spLocks noGrp="1" noRot="1" noChangeAspect="1" noMove="1" noResize="1" noEditPoints="1" noAdjustHandles="1" noChangeArrowheads="1" noChangeShapeType="1" noTextEdit="1"/>
+          </p:cNvSpPr>
+          <p:nvPr>
+            <p:extLst>
+              <p:ext uri="{386F3935-93C4-4BCD-93E2-E3B085C9AB24}">
+                <p16:designElem xmlns:p16="http://schemas.microsoft.com/office/powerpoint/2015/main" val="1"/>
+              </p:ext>
+            </p:extLst>
+          </p:nvPr>
+        </p:nvSpPr>
+        <p:spPr>
+          <a:xfrm>
+            <a:off x="669036" y="1677373"/>
+            <a:ext cx="10853928" cy="18288"/>
+          </a:xfrm>
+          <a:custGeom>
+            <a:avLst/>
+            <a:gdLst>
+              <a:gd name="connsiteX0" fmla="*/ 0 w 10853928"/>
+              <a:gd name="connsiteY0" fmla="*/ 0 h 18288"/>
+              <a:gd name="connsiteX1" fmla="*/ 461292 w 10853928"/>
+              <a:gd name="connsiteY1" fmla="*/ 0 h 18288"/>
+              <a:gd name="connsiteX2" fmla="*/ 1139662 w 10853928"/>
+              <a:gd name="connsiteY2" fmla="*/ 0 h 18288"/>
+              <a:gd name="connsiteX3" fmla="*/ 1926572 w 10853928"/>
+              <a:gd name="connsiteY3" fmla="*/ 0 h 18288"/>
+              <a:gd name="connsiteX4" fmla="*/ 2279325 w 10853928"/>
+              <a:gd name="connsiteY4" fmla="*/ 0 h 18288"/>
+              <a:gd name="connsiteX5" fmla="*/ 2632078 w 10853928"/>
+              <a:gd name="connsiteY5" fmla="*/ 0 h 18288"/>
+              <a:gd name="connsiteX6" fmla="*/ 3527527 w 10853928"/>
+              <a:gd name="connsiteY6" fmla="*/ 0 h 18288"/>
+              <a:gd name="connsiteX7" fmla="*/ 4205897 w 10853928"/>
+              <a:gd name="connsiteY7" fmla="*/ 0 h 18288"/>
+              <a:gd name="connsiteX8" fmla="*/ 4558650 w 10853928"/>
+              <a:gd name="connsiteY8" fmla="*/ 0 h 18288"/>
+              <a:gd name="connsiteX9" fmla="*/ 5237020 w 10853928"/>
+              <a:gd name="connsiteY9" fmla="*/ 0 h 18288"/>
+              <a:gd name="connsiteX10" fmla="*/ 6132469 w 10853928"/>
+              <a:gd name="connsiteY10" fmla="*/ 0 h 18288"/>
+              <a:gd name="connsiteX11" fmla="*/ 6702301 w 10853928"/>
+              <a:gd name="connsiteY11" fmla="*/ 0 h 18288"/>
+              <a:gd name="connsiteX12" fmla="*/ 7272132 w 10853928"/>
+              <a:gd name="connsiteY12" fmla="*/ 0 h 18288"/>
+              <a:gd name="connsiteX13" fmla="*/ 7950502 w 10853928"/>
+              <a:gd name="connsiteY13" fmla="*/ 0 h 18288"/>
+              <a:gd name="connsiteX14" fmla="*/ 8737412 w 10853928"/>
+              <a:gd name="connsiteY14" fmla="*/ 0 h 18288"/>
+              <a:gd name="connsiteX15" fmla="*/ 9524322 w 10853928"/>
+              <a:gd name="connsiteY15" fmla="*/ 0 h 18288"/>
+              <a:gd name="connsiteX16" fmla="*/ 10853928 w 10853928"/>
+              <a:gd name="connsiteY16" fmla="*/ 0 h 18288"/>
+              <a:gd name="connsiteX17" fmla="*/ 10853928 w 10853928"/>
+              <a:gd name="connsiteY17" fmla="*/ 18288 h 18288"/>
+              <a:gd name="connsiteX18" fmla="*/ 10392636 w 10853928"/>
+              <a:gd name="connsiteY18" fmla="*/ 18288 h 18288"/>
+              <a:gd name="connsiteX19" fmla="*/ 9497187 w 10853928"/>
+              <a:gd name="connsiteY19" fmla="*/ 18288 h 18288"/>
+              <a:gd name="connsiteX20" fmla="*/ 8818817 w 10853928"/>
+              <a:gd name="connsiteY20" fmla="*/ 18288 h 18288"/>
+              <a:gd name="connsiteX21" fmla="*/ 8466064 w 10853928"/>
+              <a:gd name="connsiteY21" fmla="*/ 18288 h 18288"/>
+              <a:gd name="connsiteX22" fmla="*/ 7787693 w 10853928"/>
+              <a:gd name="connsiteY22" fmla="*/ 18288 h 18288"/>
+              <a:gd name="connsiteX23" fmla="*/ 7217862 w 10853928"/>
+              <a:gd name="connsiteY23" fmla="*/ 18288 h 18288"/>
+              <a:gd name="connsiteX24" fmla="*/ 6648031 w 10853928"/>
+              <a:gd name="connsiteY24" fmla="*/ 18288 h 18288"/>
+              <a:gd name="connsiteX25" fmla="*/ 6078200 w 10853928"/>
+              <a:gd name="connsiteY25" fmla="*/ 18288 h 18288"/>
+              <a:gd name="connsiteX26" fmla="*/ 5508368 w 10853928"/>
+              <a:gd name="connsiteY26" fmla="*/ 18288 h 18288"/>
+              <a:gd name="connsiteX27" fmla="*/ 4721459 w 10853928"/>
+              <a:gd name="connsiteY27" fmla="*/ 18288 h 18288"/>
+              <a:gd name="connsiteX28" fmla="*/ 4043088 w 10853928"/>
+              <a:gd name="connsiteY28" fmla="*/ 18288 h 18288"/>
+              <a:gd name="connsiteX29" fmla="*/ 3690336 w 10853928"/>
+              <a:gd name="connsiteY29" fmla="*/ 18288 h 18288"/>
+              <a:gd name="connsiteX30" fmla="*/ 3120504 w 10853928"/>
+              <a:gd name="connsiteY30" fmla="*/ 18288 h 18288"/>
+              <a:gd name="connsiteX31" fmla="*/ 2333595 w 10853928"/>
+              <a:gd name="connsiteY31" fmla="*/ 18288 h 18288"/>
+              <a:gd name="connsiteX32" fmla="*/ 1872303 w 10853928"/>
+              <a:gd name="connsiteY32" fmla="*/ 18288 h 18288"/>
+              <a:gd name="connsiteX33" fmla="*/ 976854 w 10853928"/>
+              <a:gd name="connsiteY33" fmla="*/ 18288 h 18288"/>
+              <a:gd name="connsiteX34" fmla="*/ 0 w 10853928"/>
+              <a:gd name="connsiteY34" fmla="*/ 18288 h 18288"/>
+              <a:gd name="connsiteX35" fmla="*/ 0 w 10853928"/>
+              <a:gd name="connsiteY35" fmla="*/ 0 h 18288"/>
+            </a:gdLst>
+            <a:ahLst/>
+            <a:cxnLst>
+              <a:cxn ang="0">
+                <a:pos x="connsiteX0" y="connsiteY0"/>
+              </a:cxn>
+              <a:cxn ang="0">
+                <a:pos x="connsiteX1" y="connsiteY1"/>
+              </a:cxn>
+              <a:cxn ang="0">
+                <a:pos x="connsiteX2" y="connsiteY2"/>
+              </a:cxn>
+              <a:cxn ang="0">
+                <a:pos x="connsiteX3" y="connsiteY3"/>
+              </a:cxn>
+              <a:cxn ang="0">
+                <a:pos x="connsiteX4" y="connsiteY4"/>
+              </a:cxn>
+              <a:cxn ang="0">
+                <a:pos x="connsiteX5" y="connsiteY5"/>
+              </a:cxn>
+              <a:cxn ang="0">
+                <a:pos x="connsiteX6" y="connsiteY6"/>
+              </a:cxn>
+              <a:cxn ang="0">
+                <a:pos x="connsiteX7" y="connsiteY7"/>
+              </a:cxn>
+              <a:cxn ang="0">
+                <a:pos x="connsiteX8" y="connsiteY8"/>
+              </a:cxn>
+              <a:cxn ang="0">
+                <a:pos x="connsiteX9" y="connsiteY9"/>
+              </a:cxn>
+              <a:cxn ang="0">
+                <a:pos x="connsiteX10" y="connsiteY10"/>
+              </a:cxn>
+              <a:cxn ang="0">
+                <a:pos x="connsiteX11" y="connsiteY11"/>
+              </a:cxn>
+              <a:cxn ang="0">
+                <a:pos x="connsiteX12" y="connsiteY12"/>
+              </a:cxn>
+              <a:cxn ang="0">
+                <a:pos x="connsiteX13" y="connsiteY13"/>
+              </a:cxn>
+              <a:cxn ang="0">
+                <a:pos x="connsiteX14" y="connsiteY14"/>
+              </a:cxn>
+              <a:cxn ang="0">
+                <a:pos x="connsiteX15" y="connsiteY15"/>
+              </a:cxn>
+              <a:cxn ang="0">
+                <a:pos x="connsiteX16" y="connsiteY16"/>
+              </a:cxn>
+              <a:cxn ang="0">
+                <a:pos x="connsiteX17" y="connsiteY17"/>
+              </a:cxn>
+              <a:cxn ang="0">
+                <a:pos x="connsiteX18" y="connsiteY18"/>
+              </a:cxn>
+              <a:cxn ang="0">
+                <a:pos x="connsiteX19" y="connsiteY19"/>
+              </a:cxn>
+              <a:cxn ang="0">
+                <a:pos x="connsiteX20" y="connsiteY20"/>
+              </a:cxn>
+              <a:cxn ang="0">
+                <a:pos x="connsiteX21" y="connsiteY21"/>
+              </a:cxn>
+              <a:cxn ang="0">
+                <a:pos x="connsiteX22" y="connsiteY22"/>
+              </a:cxn>
+              <a:cxn ang="0">
+                <a:pos x="connsiteX23" y="connsiteY23"/>
+              </a:cxn>
+              <a:cxn ang="0">
+                <a:pos x="connsiteX24" y="connsiteY24"/>
+              </a:cxn>
+              <a:cxn ang="0">
+                <a:pos x="connsiteX25" y="connsiteY25"/>
+              </a:cxn>
+              <a:cxn ang="0">
+                <a:pos x="connsiteX26" y="connsiteY26"/>
+              </a:cxn>
+              <a:cxn ang="0">
+                <a:pos x="connsiteX27" y="connsiteY27"/>
+              </a:cxn>
+              <a:cxn ang="0">
+                <a:pos x="connsiteX28" y="connsiteY28"/>
+              </a:cxn>
+              <a:cxn ang="0">
+                <a:pos x="connsiteX29" y="connsiteY29"/>
+              </a:cxn>
+              <a:cxn ang="0">
+                <a:pos x="connsiteX30" y="connsiteY30"/>
+              </a:cxn>
+              <a:cxn ang="0">
+                <a:pos x="connsiteX31" y="connsiteY31"/>
+              </a:cxn>
+              <a:cxn ang="0">
+                <a:pos x="connsiteX32" y="connsiteY32"/>
+              </a:cxn>
+              <a:cxn ang="0">
+                <a:pos x="connsiteX33" y="connsiteY33"/>
+              </a:cxn>
+              <a:cxn ang="0">
+                <a:pos x="connsiteX34" y="connsiteY34"/>
+              </a:cxn>
+              <a:cxn ang="0">
+                <a:pos x="connsiteX35" y="connsiteY35"/>
+              </a:cxn>
+            </a:cxnLst>
+            <a:rect l="l" t="t" r="r" b="b"/>
+            <a:pathLst>
+              <a:path w="10853928" h="18288" fill="none" extrusionOk="0">
+                <a:moveTo>
+                  <a:pt x="0" y="0"/>
+                </a:moveTo>
+                <a:cubicBezTo>
+                  <a:pt x="146993" y="-19076"/>
+                  <a:pt x="347684" y="-4790"/>
+                  <a:pt x="461292" y="0"/>
+                </a:cubicBezTo>
+                <a:cubicBezTo>
+                  <a:pt x="574900" y="4790"/>
+                  <a:pt x="808367" y="19821"/>
+                  <a:pt x="1139662" y="0"/>
+                </a:cubicBezTo>
+                <a:cubicBezTo>
+                  <a:pt x="1470957" y="-19821"/>
+                  <a:pt x="1627405" y="5721"/>
+                  <a:pt x="1926572" y="0"/>
+                </a:cubicBezTo>
+                <a:cubicBezTo>
+                  <a:pt x="2225739" y="-5721"/>
+                  <a:pt x="2137730" y="-3235"/>
+                  <a:pt x="2279325" y="0"/>
+                </a:cubicBezTo>
+                <a:cubicBezTo>
+                  <a:pt x="2420920" y="3235"/>
+                  <a:pt x="2456518" y="9685"/>
+                  <a:pt x="2632078" y="0"/>
+                </a:cubicBezTo>
+                <a:cubicBezTo>
+                  <a:pt x="2807638" y="-9685"/>
+                  <a:pt x="3211516" y="-43007"/>
+                  <a:pt x="3527527" y="0"/>
+                </a:cubicBezTo>
+                <a:cubicBezTo>
+                  <a:pt x="3843538" y="43007"/>
+                  <a:pt x="4058833" y="22042"/>
+                  <a:pt x="4205897" y="0"/>
+                </a:cubicBezTo>
+                <a:cubicBezTo>
+                  <a:pt x="4352961" y="-22042"/>
+                  <a:pt x="4474805" y="-11846"/>
+                  <a:pt x="4558650" y="0"/>
+                </a:cubicBezTo>
+                <a:cubicBezTo>
+                  <a:pt x="4642495" y="11846"/>
+                  <a:pt x="5041928" y="-6069"/>
+                  <a:pt x="5237020" y="0"/>
+                </a:cubicBezTo>
+                <a:cubicBezTo>
+                  <a:pt x="5432112" y="6069"/>
+                  <a:pt x="5943266" y="-17479"/>
+                  <a:pt x="6132469" y="0"/>
+                </a:cubicBezTo>
+                <a:cubicBezTo>
+                  <a:pt x="6321672" y="17479"/>
+                  <a:pt x="6483872" y="26234"/>
+                  <a:pt x="6702301" y="0"/>
+                </a:cubicBezTo>
+                <a:cubicBezTo>
+                  <a:pt x="6920730" y="-26234"/>
+                  <a:pt x="6991194" y="-15156"/>
+                  <a:pt x="7272132" y="0"/>
+                </a:cubicBezTo>
+                <a:cubicBezTo>
+                  <a:pt x="7553070" y="15156"/>
+                  <a:pt x="7684444" y="-32961"/>
+                  <a:pt x="7950502" y="0"/>
+                </a:cubicBezTo>
+                <a:cubicBezTo>
+                  <a:pt x="8216560" y="32961"/>
+                  <a:pt x="8493290" y="-10491"/>
+                  <a:pt x="8737412" y="0"/>
+                </a:cubicBezTo>
+                <a:cubicBezTo>
+                  <a:pt x="8981534" y="10491"/>
+                  <a:pt x="9191586" y="-13899"/>
+                  <a:pt x="9524322" y="0"/>
+                </a:cubicBezTo>
+                <a:cubicBezTo>
+                  <a:pt x="9857058" y="13899"/>
+                  <a:pt x="10297509" y="7485"/>
+                  <a:pt x="10853928" y="0"/>
+                </a:cubicBezTo>
+                <a:cubicBezTo>
+                  <a:pt x="10854574" y="4451"/>
+                  <a:pt x="10854418" y="9226"/>
+                  <a:pt x="10853928" y="18288"/>
+                </a:cubicBezTo>
+                <a:cubicBezTo>
+                  <a:pt x="10691638" y="28522"/>
+                  <a:pt x="10574319" y="29578"/>
+                  <a:pt x="10392636" y="18288"/>
+                </a:cubicBezTo>
+                <a:cubicBezTo>
+                  <a:pt x="10210953" y="6998"/>
+                  <a:pt x="9836277" y="-16742"/>
+                  <a:pt x="9497187" y="18288"/>
+                </a:cubicBezTo>
+                <a:cubicBezTo>
+                  <a:pt x="9158097" y="53318"/>
+                  <a:pt x="9119479" y="30714"/>
+                  <a:pt x="8818817" y="18288"/>
+                </a:cubicBezTo>
+                <a:cubicBezTo>
+                  <a:pt x="8518155" y="5863"/>
+                  <a:pt x="8640037" y="6483"/>
+                  <a:pt x="8466064" y="18288"/>
+                </a:cubicBezTo>
+                <a:cubicBezTo>
+                  <a:pt x="8292091" y="30093"/>
+                  <a:pt x="7997656" y="18914"/>
+                  <a:pt x="7787693" y="18288"/>
+                </a:cubicBezTo>
+                <a:cubicBezTo>
+                  <a:pt x="7577730" y="17662"/>
+                  <a:pt x="7412468" y="21416"/>
+                  <a:pt x="7217862" y="18288"/>
+                </a:cubicBezTo>
+                <a:cubicBezTo>
+                  <a:pt x="7023256" y="15160"/>
+                  <a:pt x="6898018" y="14824"/>
+                  <a:pt x="6648031" y="18288"/>
+                </a:cubicBezTo>
+                <a:cubicBezTo>
+                  <a:pt x="6398044" y="21752"/>
+                  <a:pt x="6254402" y="38625"/>
+                  <a:pt x="6078200" y="18288"/>
+                </a:cubicBezTo>
+                <a:cubicBezTo>
+                  <a:pt x="5901998" y="-2049"/>
+                  <a:pt x="5622886" y="3213"/>
+                  <a:pt x="5508368" y="18288"/>
+                </a:cubicBezTo>
+                <a:cubicBezTo>
+                  <a:pt x="5393850" y="33363"/>
+                  <a:pt x="5036260" y="26830"/>
+                  <a:pt x="4721459" y="18288"/>
+                </a:cubicBezTo>
+                <a:cubicBezTo>
+                  <a:pt x="4406658" y="9746"/>
+                  <a:pt x="4239221" y="41551"/>
+                  <a:pt x="4043088" y="18288"/>
+                </a:cubicBezTo>
+                <a:cubicBezTo>
+                  <a:pt x="3846955" y="-4975"/>
+                  <a:pt x="3818802" y="34658"/>
+                  <a:pt x="3690336" y="18288"/>
+                </a:cubicBezTo>
+                <a:cubicBezTo>
+                  <a:pt x="3561870" y="1918"/>
+                  <a:pt x="3265491" y="42194"/>
+                  <a:pt x="3120504" y="18288"/>
+                </a:cubicBezTo>
+                <a:cubicBezTo>
+                  <a:pt x="2975517" y="-5618"/>
+                  <a:pt x="2720254" y="36673"/>
+                  <a:pt x="2333595" y="18288"/>
+                </a:cubicBezTo>
+                <a:cubicBezTo>
+                  <a:pt x="1946936" y="-97"/>
+                  <a:pt x="2097241" y="5776"/>
+                  <a:pt x="1872303" y="18288"/>
+                </a:cubicBezTo>
+                <a:cubicBezTo>
+                  <a:pt x="1647365" y="30800"/>
+                  <a:pt x="1282708" y="45380"/>
+                  <a:pt x="976854" y="18288"/>
+                </a:cubicBezTo>
+                <a:cubicBezTo>
+                  <a:pt x="671000" y="-8804"/>
+                  <a:pt x="408401" y="-12775"/>
+                  <a:pt x="0" y="18288"/>
+                </a:cubicBezTo>
+                <a:cubicBezTo>
+                  <a:pt x="-213" y="9468"/>
+                  <a:pt x="187" y="4459"/>
+                  <a:pt x="0" y="0"/>
+                </a:cubicBezTo>
+                <a:close/>
+              </a:path>
+              <a:path w="10853928" h="18288" stroke="0" extrusionOk="0">
+                <a:moveTo>
+                  <a:pt x="0" y="0"/>
+                </a:moveTo>
+                <a:cubicBezTo>
+                  <a:pt x="267322" y="15284"/>
+                  <a:pt x="415388" y="-21048"/>
+                  <a:pt x="569831" y="0"/>
+                </a:cubicBezTo>
+                <a:cubicBezTo>
+                  <a:pt x="724274" y="21048"/>
+                  <a:pt x="769333" y="-2353"/>
+                  <a:pt x="922584" y="0"/>
+                </a:cubicBezTo>
+                <a:cubicBezTo>
+                  <a:pt x="1075835" y="2353"/>
+                  <a:pt x="1399490" y="-145"/>
+                  <a:pt x="1818033" y="0"/>
+                </a:cubicBezTo>
+                <a:cubicBezTo>
+                  <a:pt x="2236576" y="145"/>
+                  <a:pt x="2145330" y="5482"/>
+                  <a:pt x="2387864" y="0"/>
+                </a:cubicBezTo>
+                <a:cubicBezTo>
+                  <a:pt x="2630398" y="-5482"/>
+                  <a:pt x="2793207" y="18487"/>
+                  <a:pt x="2957695" y="0"/>
+                </a:cubicBezTo>
+                <a:cubicBezTo>
+                  <a:pt x="3122183" y="-18487"/>
+                  <a:pt x="3579141" y="19003"/>
+                  <a:pt x="3853144" y="0"/>
+                </a:cubicBezTo>
+                <a:cubicBezTo>
+                  <a:pt x="4127147" y="-19003"/>
+                  <a:pt x="4209857" y="12211"/>
+                  <a:pt x="4314436" y="0"/>
+                </a:cubicBezTo>
+                <a:cubicBezTo>
+                  <a:pt x="4419015" y="-12211"/>
+                  <a:pt x="4762459" y="-17220"/>
+                  <a:pt x="5209885" y="0"/>
+                </a:cubicBezTo>
+                <a:cubicBezTo>
+                  <a:pt x="5657311" y="17220"/>
+                  <a:pt x="5692663" y="-3290"/>
+                  <a:pt x="6105335" y="0"/>
+                </a:cubicBezTo>
+                <a:cubicBezTo>
+                  <a:pt x="6518007" y="3290"/>
+                  <a:pt x="6455516" y="-5124"/>
+                  <a:pt x="6783705" y="0"/>
+                </a:cubicBezTo>
+                <a:cubicBezTo>
+                  <a:pt x="7111894" y="5124"/>
+                  <a:pt x="7441941" y="-17829"/>
+                  <a:pt x="7679154" y="0"/>
+                </a:cubicBezTo>
+                <a:cubicBezTo>
+                  <a:pt x="7916367" y="17829"/>
+                  <a:pt x="8102967" y="-24363"/>
+                  <a:pt x="8248985" y="0"/>
+                </a:cubicBezTo>
+                <a:cubicBezTo>
+                  <a:pt x="8395003" y="24363"/>
+                  <a:pt x="8552393" y="25505"/>
+                  <a:pt x="8818817" y="0"/>
+                </a:cubicBezTo>
+                <a:cubicBezTo>
+                  <a:pt x="9085241" y="-25505"/>
+                  <a:pt x="9411308" y="38000"/>
+                  <a:pt x="9605726" y="0"/>
+                </a:cubicBezTo>
+                <a:cubicBezTo>
+                  <a:pt x="9800144" y="-38000"/>
+                  <a:pt x="10006468" y="-25741"/>
+                  <a:pt x="10175558" y="0"/>
+                </a:cubicBezTo>
+                <a:cubicBezTo>
+                  <a:pt x="10344648" y="25741"/>
+                  <a:pt x="10696282" y="695"/>
+                  <a:pt x="10853928" y="0"/>
+                </a:cubicBezTo>
+                <a:cubicBezTo>
+                  <a:pt x="10853521" y="8690"/>
+                  <a:pt x="10853774" y="14141"/>
+                  <a:pt x="10853928" y="18288"/>
+                </a:cubicBezTo>
+                <a:cubicBezTo>
+                  <a:pt x="10608124" y="24255"/>
+                  <a:pt x="10343415" y="22307"/>
+                  <a:pt x="10067018" y="18288"/>
+                </a:cubicBezTo>
+                <a:cubicBezTo>
+                  <a:pt x="9790621" y="14270"/>
+                  <a:pt x="9843266" y="3564"/>
+                  <a:pt x="9714266" y="18288"/>
+                </a:cubicBezTo>
+                <a:cubicBezTo>
+                  <a:pt x="9585266" y="33012"/>
+                  <a:pt x="9379484" y="1875"/>
+                  <a:pt x="9252974" y="18288"/>
+                </a:cubicBezTo>
+                <a:cubicBezTo>
+                  <a:pt x="9126464" y="34701"/>
+                  <a:pt x="8580678" y="-4904"/>
+                  <a:pt x="8357525" y="18288"/>
+                </a:cubicBezTo>
+                <a:cubicBezTo>
+                  <a:pt x="8134372" y="41480"/>
+                  <a:pt x="7903199" y="26458"/>
+                  <a:pt x="7679154" y="18288"/>
+                </a:cubicBezTo>
+                <a:cubicBezTo>
+                  <a:pt x="7455109" y="10118"/>
+                  <a:pt x="7435944" y="27109"/>
+                  <a:pt x="7217862" y="18288"/>
+                </a:cubicBezTo>
+                <a:cubicBezTo>
+                  <a:pt x="6999780" y="9467"/>
+                  <a:pt x="6680409" y="18985"/>
+                  <a:pt x="6539492" y="18288"/>
+                </a:cubicBezTo>
+                <a:cubicBezTo>
+                  <a:pt x="6398575" y="17592"/>
+                  <a:pt x="6312077" y="33018"/>
+                  <a:pt x="6186739" y="18288"/>
+                </a:cubicBezTo>
+                <a:cubicBezTo>
+                  <a:pt x="6061401" y="3558"/>
+                  <a:pt x="5947033" y="12075"/>
+                  <a:pt x="5833986" y="18288"/>
+                </a:cubicBezTo>
+                <a:cubicBezTo>
+                  <a:pt x="5720939" y="24501"/>
+                  <a:pt x="5482226" y="8586"/>
+                  <a:pt x="5155616" y="18288"/>
+                </a:cubicBezTo>
+                <a:cubicBezTo>
+                  <a:pt x="4829006" y="27991"/>
+                  <a:pt x="4841274" y="29316"/>
+                  <a:pt x="4694324" y="18288"/>
+                </a:cubicBezTo>
+                <a:cubicBezTo>
+                  <a:pt x="4547374" y="7260"/>
+                  <a:pt x="4077675" y="7013"/>
+                  <a:pt x="3907414" y="18288"/>
+                </a:cubicBezTo>
+                <a:cubicBezTo>
+                  <a:pt x="3737153" y="29564"/>
+                  <a:pt x="3538393" y="21630"/>
+                  <a:pt x="3446122" y="18288"/>
+                </a:cubicBezTo>
+                <a:cubicBezTo>
+                  <a:pt x="3353851" y="14946"/>
+                  <a:pt x="2990320" y="-8091"/>
+                  <a:pt x="2659212" y="18288"/>
+                </a:cubicBezTo>
+                <a:cubicBezTo>
+                  <a:pt x="2328104" y="44667"/>
+                  <a:pt x="2427653" y="9607"/>
+                  <a:pt x="2306460" y="18288"/>
+                </a:cubicBezTo>
+                <a:cubicBezTo>
+                  <a:pt x="2185267" y="26969"/>
+                  <a:pt x="1719763" y="3717"/>
+                  <a:pt x="1519550" y="18288"/>
+                </a:cubicBezTo>
+                <a:cubicBezTo>
+                  <a:pt x="1319337" y="32860"/>
+                  <a:pt x="1167371" y="17040"/>
+                  <a:pt x="1058258" y="18288"/>
+                </a:cubicBezTo>
+                <a:cubicBezTo>
+                  <a:pt x="949145" y="19536"/>
+                  <a:pt x="780234" y="31447"/>
+                  <a:pt x="705505" y="18288"/>
+                </a:cubicBezTo>
+                <a:cubicBezTo>
+                  <a:pt x="630776" y="5129"/>
+                  <a:pt x="215796" y="30056"/>
+                  <a:pt x="0" y="18288"/>
+                </a:cubicBezTo>
+                <a:cubicBezTo>
+                  <a:pt x="-53" y="11301"/>
+                  <a:pt x="-649" y="7756"/>
+                  <a:pt x="0" y="0"/>
+                </a:cubicBezTo>
+                <a:close/>
+              </a:path>
+            </a:pathLst>
+          </a:custGeom>
+          <a:solidFill>
+            <a:schemeClr val="accent2"/>
+          </a:solidFill>
+          <a:ln w="41275" cap="rnd">
+            <a:solidFill>
+              <a:schemeClr val="accent2"/>
+            </a:solidFill>
+            <a:round/>
+            <a:extLst>
+              <a:ext uri="{C807C97D-BFC1-408E-A445-0C87EB9F89A2}">
+                <ask:lineSketchStyleProps xmlns:ask="http://schemas.microsoft.com/office/drawing/2018/sketchyshapes" sd="1219033472">
+                  <a:prstGeom prst="rect">
+                    <a:avLst/>
+                  </a:prstGeom>
+                  <ask:type>
+                    <ask:lineSketchFreehand/>
+                  </ask:type>
+                </ask:lineSketchStyleProps>
+              </a:ext>
+            </a:extLst>
+          </a:ln>
+        </p:spPr>
+        <p:style>
+          <a:lnRef idx="2">
+            <a:schemeClr val="accent1">
+              <a:shade val="50000"/>
+            </a:schemeClr>
+          </a:lnRef>
+          <a:fillRef idx="1">
+            <a:schemeClr val="accent1"/>
+          </a:fillRef>
+          <a:effectRef idx="0">
+            <a:schemeClr val="accent1"/>
+          </a:effectRef>
+          <a:fontRef idx="minor">
+            <a:schemeClr val="lt1"/>
+          </a:fontRef>
+        </p:style>
+        <p:txBody>
+          <a:bodyPr rtlCol="0" anchor="ctr"/>
+          <a:lstStyle/>
+          <a:p>
+            <a:pPr algn="ctr"/>
+            <a:endParaRPr lang="en-US"/>
+          </a:p>
+        </p:txBody>
+      </p:sp>
+      <p:sp>
+        <p:nvSpPr>
+          <p:cNvPr id="3" name="Text Placeholder 2">
+            <a:extLst>
+              <a:ext uri="{FF2B5EF4-FFF2-40B4-BE49-F238E27FC236}">
+                <a16:creationId xmlns:a16="http://schemas.microsoft.com/office/drawing/2014/main" id="{C76363F1-E113-D9B0-EA70-FA054E209B02}"/>
+              </a:ext>
+            </a:extLst>
+          </p:cNvPr>
+          <p:cNvSpPr>
+            <a:spLocks noGrp="1"/>
+          </p:cNvSpPr>
+          <p:nvPr>
+            <p:ph type="body" idx="1"/>
+          </p:nvPr>
+        </p:nvSpPr>
+        <p:spPr>
+          <a:xfrm>
+            <a:off x="838200" y="1929384"/>
+            <a:ext cx="10515600" cy="4251960"/>
+          </a:xfrm>
+        </p:spPr>
+        <p:txBody>
+          <a:bodyPr vert="horz" lIns="91440" tIns="45720" rIns="91440" bIns="45720" rtlCol="0">
+            <a:normAutofit/>
+          </a:bodyPr>
+          <a:lstStyle/>
+          <a:p>
+            <a:pPr indent="-228600">
+              <a:spcAft>
+                <a:spcPts val="600"/>
+              </a:spcAft>
+              <a:buFont typeface="Arial" panose="020B0604020202020204" pitchFamily="34" charset="0"/>
+              <a:buChar char="•"/>
+            </a:pPr>
+            <a:r>
+              <a:rPr lang="en-US" sz="1900"/>
+              <a:t>STS Version 1</a:t>
+            </a:r>
+          </a:p>
+          <a:p>
+            <a:pPr lvl="1" indent="-228600">
+              <a:spcAft>
+                <a:spcPts val="600"/>
+              </a:spcAft>
+              <a:buFont typeface="Arial" panose="020B0604020202020204" pitchFamily="34" charset="0"/>
+              <a:buChar char="•"/>
+            </a:pPr>
+            <a:r>
+              <a:rPr lang="en-US" sz="1900"/>
+              <a:t>By default, STS is available as Global singe endpoint https://sts.amazonaws.com</a:t>
+            </a:r>
+          </a:p>
+          <a:p>
+            <a:pPr lvl="1" indent="-228600">
+              <a:spcAft>
+                <a:spcPts val="600"/>
+              </a:spcAft>
+              <a:buFont typeface="Arial" panose="020B0604020202020204" pitchFamily="34" charset="0"/>
+              <a:buChar char="•"/>
+            </a:pPr>
+            <a:r>
+              <a:rPr lang="en-US" sz="1900"/>
+              <a:t>Only support AWS Regions that are enabled by default.</a:t>
+            </a:r>
+          </a:p>
+          <a:p>
+            <a:pPr indent="-228600">
+              <a:spcAft>
+                <a:spcPts val="600"/>
+              </a:spcAft>
+              <a:buFont typeface="Arial" panose="020B0604020202020204" pitchFamily="34" charset="0"/>
+              <a:buChar char="•"/>
+            </a:pPr>
+            <a:r>
+              <a:rPr lang="en-US" sz="1900" b="0" i="0">
+                <a:effectLst/>
+              </a:rPr>
+              <a:t>Version 1 tokens are valid only in AWS Regions that are available by default. These tokens do not work in manually enabled Regions, such as Asia Pacific (Hong Kong). Version 2 tokens are valid in all Regions. However, version 2 tokens include more characters and might affect systems where you temporarily store tokens.</a:t>
+            </a:r>
+          </a:p>
+          <a:p>
+            <a:pPr indent="-228600">
+              <a:spcAft>
+                <a:spcPts val="600"/>
+              </a:spcAft>
+              <a:buFont typeface="Arial" panose="020B0604020202020204" pitchFamily="34" charset="0"/>
+              <a:buChar char="•"/>
+            </a:pPr>
+            <a:r>
+              <a:rPr lang="en-US" sz="1900"/>
+              <a:t>STS Version 2</a:t>
+            </a:r>
+          </a:p>
+          <a:p>
+            <a:pPr lvl="1" indent="-228600">
+              <a:spcAft>
+                <a:spcPts val="600"/>
+              </a:spcAft>
+              <a:buFont typeface="Arial" panose="020B0604020202020204" pitchFamily="34" charset="0"/>
+              <a:buChar char="•"/>
+            </a:pPr>
+            <a:r>
+              <a:rPr lang="en-US" sz="1900"/>
+              <a:t>Version 1 tokens DO NOT WORK for new AWS Regions</a:t>
+            </a:r>
+          </a:p>
+          <a:p>
+            <a:pPr lvl="1" indent="-228600">
+              <a:spcAft>
+                <a:spcPts val="600"/>
+              </a:spcAft>
+              <a:buFont typeface="Arial" panose="020B0604020202020204" pitchFamily="34" charset="0"/>
+              <a:buChar char="•"/>
+            </a:pPr>
+            <a:r>
+              <a:rPr lang="en-US" sz="1900"/>
+              <a:t>Regional STS endpoints is available in all AWS Regions</a:t>
+            </a:r>
+          </a:p>
+          <a:p>
+            <a:pPr lvl="1" indent="-228600">
+              <a:spcAft>
+                <a:spcPts val="600"/>
+              </a:spcAft>
+              <a:buFont typeface="Arial" panose="020B0604020202020204" pitchFamily="34" charset="0"/>
+              <a:buChar char="•"/>
+            </a:pPr>
+            <a:r>
+              <a:rPr lang="en-US" sz="1900"/>
+              <a:t>Reduce latency, increase session token validity</a:t>
+            </a:r>
+          </a:p>
+          <a:p>
+            <a:pPr lvl="1" indent="-228600">
+              <a:spcAft>
+                <a:spcPts val="600"/>
+              </a:spcAft>
+              <a:buFont typeface="Arial" panose="020B0604020202020204" pitchFamily="34" charset="0"/>
+              <a:buChar char="•"/>
+            </a:pPr>
+            <a:r>
+              <a:rPr lang="en-US" sz="1900" b="0" i="0">
+                <a:effectLst/>
+              </a:rPr>
+              <a:t>STS Session Tokens from regional endpoints (v2) are valid in all AWS regions.</a:t>
+            </a:r>
+            <a:br>
+              <a:rPr lang="en-US" sz="1900" b="0" i="0">
+                <a:effectLst/>
+              </a:rPr>
+            </a:br>
+            <a:endParaRPr lang="en-US" sz="1900" b="0" i="0">
+              <a:effectLst/>
+            </a:endParaRPr>
+          </a:p>
+          <a:p>
+            <a:pPr marL="152396" indent="-228600">
+              <a:spcAft>
+                <a:spcPts val="600"/>
+              </a:spcAft>
+              <a:buFont typeface="Arial" panose="020B0604020202020204" pitchFamily="34" charset="0"/>
+              <a:buChar char="•"/>
+            </a:pPr>
+            <a:endParaRPr lang="en-US" sz="1900"/>
+          </a:p>
+          <a:p>
+            <a:pPr lvl="1" indent="-228600">
+              <a:spcAft>
+                <a:spcPts val="600"/>
+              </a:spcAft>
+              <a:buFont typeface="Arial" panose="020B0604020202020204" pitchFamily="34" charset="0"/>
+              <a:buChar char="•"/>
+            </a:pPr>
+            <a:endParaRPr lang="en-US" sz="1900"/>
+          </a:p>
+          <a:p>
+            <a:pPr lvl="1" indent="-228600">
+              <a:spcAft>
+                <a:spcPts val="600"/>
+              </a:spcAft>
+              <a:buFont typeface="Arial" panose="020B0604020202020204" pitchFamily="34" charset="0"/>
+              <a:buChar char="•"/>
+            </a:pPr>
+            <a:endParaRPr lang="en-US" sz="1900"/>
+          </a:p>
+          <a:p>
+            <a:pPr lvl="1" indent="-228600">
+              <a:spcAft>
+                <a:spcPts val="600"/>
+              </a:spcAft>
+              <a:buFont typeface="Arial" panose="020B0604020202020204" pitchFamily="34" charset="0"/>
+              <a:buChar char="•"/>
+            </a:pPr>
+            <a:endParaRPr lang="en-US" sz="1900"/>
+          </a:p>
+        </p:txBody>
+      </p:sp>
+    </p:spTree>
+    <p:extLst>
+      <p:ext uri="{BB962C8B-B14F-4D97-AF65-F5344CB8AC3E}">
+        <p14:creationId xmlns:p14="http://schemas.microsoft.com/office/powerpoint/2010/main" val="3367291887"/>
+      </p:ext>
+    </p:extLst>
+  </p:cSld>
+  <p:clrMapOvr>
+    <a:masterClrMapping/>
+  </p:clrMapOvr>
+</p:sld>
+</file>
+
+<file path=ppt/slides/slide7.xml><?xml version="1.0" encoding="utf-8"?>
+<p:sld xmlns:a="http://schemas.openxmlformats.org/drawingml/2006/main" xmlns:r="http://schemas.openxmlformats.org/officeDocument/2006/relationships" xmlns:p="http://schemas.openxmlformats.org/presentationml/2006/main">
+  <p:cSld>
+    <p:bg>
+      <p:bgPr>
+        <a:solidFill>
+          <a:schemeClr val="bg1"/>
+        </a:solidFill>
+        <a:effectLst/>
+      </p:bgPr>
+    </p:bg>
+    <p:spTree>
+      <p:nvGrpSpPr>
+        <p:cNvPr id="1" name=""/>
+        <p:cNvGrpSpPr/>
+        <p:nvPr/>
+      </p:nvGrpSpPr>
+      <p:grpSpPr>
+        <a:xfrm>
+          <a:off x="0" y="0"/>
+          <a:ext cx="0" cy="0"/>
+          <a:chOff x="0" y="0"/>
+          <a:chExt cx="0" cy="0"/>
+        </a:xfrm>
+      </p:grpSpPr>
+      <p:sp useBgFill="1">
+        <p:nvSpPr>
+          <p:cNvPr id="8" name="Rectangle 7">
+            <a:extLst>
+              <a:ext uri="{FF2B5EF4-FFF2-40B4-BE49-F238E27FC236}">
+                <a16:creationId xmlns:a16="http://schemas.microsoft.com/office/drawing/2014/main" id="{100EDD19-6802-4EC3-95CE-CFFAB042CFD6}"/>
+              </a:ext>
+              <a:ext uri="{C183D7F6-B498-43B3-948B-1728B52AA6E4}">
+                <adec:decorative xmlns:adec="http://schemas.microsoft.com/office/drawing/2017/decorative" val="1"/>
+              </a:ext>
+            </a:extLst>
+          </p:cNvPr>
+          <p:cNvSpPr>
+            <a:spLocks noGrp="1" noRot="1" noChangeAspect="1" noMove="1" noResize="1" noEditPoints="1" noAdjustHandles="1" noChangeArrowheads="1" noChangeShapeType="1" noTextEdit="1"/>
+          </p:cNvSpPr>
+          <p:nvPr>
+            <p:extLst>
+              <p:ext uri="{386F3935-93C4-4BCD-93E2-E3B085C9AB24}">
+                <p16:designElem xmlns:p16="http://schemas.microsoft.com/office/powerpoint/2015/main" val="1"/>
+              </p:ext>
+            </p:extLst>
+          </p:nvPr>
+        </p:nvSpPr>
+        <p:spPr>
+          <a:xfrm>
+            <a:off x="0" y="0"/>
+            <a:ext cx="12188952" cy="6858000"/>
+          </a:xfrm>
+          <a:prstGeom prst="rect">
+            <a:avLst/>
+          </a:prstGeom>
+          <a:ln>
+            <a:noFill/>
+          </a:ln>
+        </p:spPr>
+        <p:style>
+          <a:lnRef idx="2">
+            <a:schemeClr val="accent1">
+              <a:shade val="50000"/>
+            </a:schemeClr>
+          </a:lnRef>
+          <a:fillRef idx="1">
+            <a:schemeClr val="accent1"/>
+          </a:fillRef>
+          <a:effectRef idx="0">
+            <a:schemeClr val="accent1"/>
+          </a:effectRef>
+          <a:fontRef idx="minor">
+            <a:schemeClr val="lt1"/>
+          </a:fontRef>
+        </p:style>
+        <p:txBody>
+          <a:bodyPr rtlCol="0" anchor="ctr"/>
+          <a:lstStyle/>
+          <a:p>
+            <a:pPr algn="ctr"/>
+            <a:endParaRPr lang="en-US"/>
+          </a:p>
+        </p:txBody>
+      </p:sp>
+      <p:sp>
+        <p:nvSpPr>
+          <p:cNvPr id="2" name="Title 1">
+            <a:extLst>
+              <a:ext uri="{FF2B5EF4-FFF2-40B4-BE49-F238E27FC236}">
+                <a16:creationId xmlns:a16="http://schemas.microsoft.com/office/drawing/2014/main" id="{14B96E0B-5F1F-5446-9832-C0EB63CEC8C1}"/>
+              </a:ext>
+            </a:extLst>
+          </p:cNvPr>
+          <p:cNvSpPr>
+            <a:spLocks noGrp="1"/>
+          </p:cNvSpPr>
+          <p:nvPr>
+            <p:ph type="title"/>
+          </p:nvPr>
+        </p:nvSpPr>
+        <p:spPr>
+          <a:xfrm>
+            <a:off x="838200" y="365125"/>
+            <a:ext cx="10515600" cy="1325563"/>
+          </a:xfrm>
+        </p:spPr>
+        <p:txBody>
+          <a:bodyPr vert="horz" lIns="91440" tIns="45720" rIns="91440" bIns="45720" rtlCol="0" anchor="ctr">
+            <a:normAutofit/>
+          </a:bodyPr>
+          <a:lstStyle/>
+          <a:p>
+            <a:pPr>
+              <a:spcBef>
+                <a:spcPct val="0"/>
+              </a:spcBef>
+            </a:pPr>
+            <a:r>
+              <a:rPr lang="en-US" sz="5400" kern="1200">
+                <a:solidFill>
+                  <a:schemeClr val="tx1"/>
+                </a:solidFill>
+                <a:latin typeface="+mj-lt"/>
+                <a:ea typeface="+mj-ea"/>
+                <a:cs typeface="+mj-cs"/>
+              </a:rPr>
+              <a:t>STS Error</a:t>
+            </a:r>
+          </a:p>
+        </p:txBody>
+      </p:sp>
+      <p:sp>
+        <p:nvSpPr>
+          <p:cNvPr id="10" name="sketch line">
+            <a:extLst>
+              <a:ext uri="{FF2B5EF4-FFF2-40B4-BE49-F238E27FC236}">
+                <a16:creationId xmlns:a16="http://schemas.microsoft.com/office/drawing/2014/main" id="{DB17E863-922E-4C26-BD64-E8FD41D28661}"/>
+              </a:ext>
+              <a:ext uri="{C183D7F6-B498-43B3-948B-1728B52AA6E4}">
+                <adec:decorative xmlns:adec="http://schemas.microsoft.com/office/drawing/2017/decorative" val="1"/>
+              </a:ext>
+            </a:extLst>
+          </p:cNvPr>
+          <p:cNvSpPr>
+            <a:spLocks noGrp="1" noRot="1" noChangeAspect="1" noMove="1" noResize="1" noEditPoints="1" noAdjustHandles="1" noChangeArrowheads="1" noChangeShapeType="1" noTextEdit="1"/>
+          </p:cNvSpPr>
+          <p:nvPr>
+            <p:extLst>
+              <p:ext uri="{386F3935-93C4-4BCD-93E2-E3B085C9AB24}">
+                <p16:designElem xmlns:p16="http://schemas.microsoft.com/office/powerpoint/2015/main" val="1"/>
+              </p:ext>
+            </p:extLst>
+          </p:nvPr>
+        </p:nvSpPr>
+        <p:spPr>
+          <a:xfrm>
+            <a:off x="669036" y="1677373"/>
+            <a:ext cx="10853928" cy="18288"/>
+          </a:xfrm>
+          <a:custGeom>
+            <a:avLst/>
+            <a:gdLst>
+              <a:gd name="connsiteX0" fmla="*/ 0 w 10853928"/>
+              <a:gd name="connsiteY0" fmla="*/ 0 h 18288"/>
+              <a:gd name="connsiteX1" fmla="*/ 461292 w 10853928"/>
+              <a:gd name="connsiteY1" fmla="*/ 0 h 18288"/>
+              <a:gd name="connsiteX2" fmla="*/ 1139662 w 10853928"/>
+              <a:gd name="connsiteY2" fmla="*/ 0 h 18288"/>
+              <a:gd name="connsiteX3" fmla="*/ 1926572 w 10853928"/>
+              <a:gd name="connsiteY3" fmla="*/ 0 h 18288"/>
+              <a:gd name="connsiteX4" fmla="*/ 2279325 w 10853928"/>
+              <a:gd name="connsiteY4" fmla="*/ 0 h 18288"/>
+              <a:gd name="connsiteX5" fmla="*/ 2632078 w 10853928"/>
+              <a:gd name="connsiteY5" fmla="*/ 0 h 18288"/>
+              <a:gd name="connsiteX6" fmla="*/ 3527527 w 10853928"/>
+              <a:gd name="connsiteY6" fmla="*/ 0 h 18288"/>
+              <a:gd name="connsiteX7" fmla="*/ 4205897 w 10853928"/>
+              <a:gd name="connsiteY7" fmla="*/ 0 h 18288"/>
+              <a:gd name="connsiteX8" fmla="*/ 4558650 w 10853928"/>
+              <a:gd name="connsiteY8" fmla="*/ 0 h 18288"/>
+              <a:gd name="connsiteX9" fmla="*/ 5237020 w 10853928"/>
+              <a:gd name="connsiteY9" fmla="*/ 0 h 18288"/>
+              <a:gd name="connsiteX10" fmla="*/ 6132469 w 10853928"/>
+              <a:gd name="connsiteY10" fmla="*/ 0 h 18288"/>
+              <a:gd name="connsiteX11" fmla="*/ 6702301 w 10853928"/>
+              <a:gd name="connsiteY11" fmla="*/ 0 h 18288"/>
+              <a:gd name="connsiteX12" fmla="*/ 7272132 w 10853928"/>
+              <a:gd name="connsiteY12" fmla="*/ 0 h 18288"/>
+              <a:gd name="connsiteX13" fmla="*/ 7950502 w 10853928"/>
+              <a:gd name="connsiteY13" fmla="*/ 0 h 18288"/>
+              <a:gd name="connsiteX14" fmla="*/ 8737412 w 10853928"/>
+              <a:gd name="connsiteY14" fmla="*/ 0 h 18288"/>
+              <a:gd name="connsiteX15" fmla="*/ 9524322 w 10853928"/>
+              <a:gd name="connsiteY15" fmla="*/ 0 h 18288"/>
+              <a:gd name="connsiteX16" fmla="*/ 10853928 w 10853928"/>
+              <a:gd name="connsiteY16" fmla="*/ 0 h 18288"/>
+              <a:gd name="connsiteX17" fmla="*/ 10853928 w 10853928"/>
+              <a:gd name="connsiteY17" fmla="*/ 18288 h 18288"/>
+              <a:gd name="connsiteX18" fmla="*/ 10392636 w 10853928"/>
+              <a:gd name="connsiteY18" fmla="*/ 18288 h 18288"/>
+              <a:gd name="connsiteX19" fmla="*/ 9497187 w 10853928"/>
+              <a:gd name="connsiteY19" fmla="*/ 18288 h 18288"/>
+              <a:gd name="connsiteX20" fmla="*/ 8818817 w 10853928"/>
+              <a:gd name="connsiteY20" fmla="*/ 18288 h 18288"/>
+              <a:gd name="connsiteX21" fmla="*/ 8466064 w 10853928"/>
+              <a:gd name="connsiteY21" fmla="*/ 18288 h 18288"/>
+              <a:gd name="connsiteX22" fmla="*/ 7787693 w 10853928"/>
+              <a:gd name="connsiteY22" fmla="*/ 18288 h 18288"/>
+              <a:gd name="connsiteX23" fmla="*/ 7217862 w 10853928"/>
+              <a:gd name="connsiteY23" fmla="*/ 18288 h 18288"/>
+              <a:gd name="connsiteX24" fmla="*/ 6648031 w 10853928"/>
+              <a:gd name="connsiteY24" fmla="*/ 18288 h 18288"/>
+              <a:gd name="connsiteX25" fmla="*/ 6078200 w 10853928"/>
+              <a:gd name="connsiteY25" fmla="*/ 18288 h 18288"/>
+              <a:gd name="connsiteX26" fmla="*/ 5508368 w 10853928"/>
+              <a:gd name="connsiteY26" fmla="*/ 18288 h 18288"/>
+              <a:gd name="connsiteX27" fmla="*/ 4721459 w 10853928"/>
+              <a:gd name="connsiteY27" fmla="*/ 18288 h 18288"/>
+              <a:gd name="connsiteX28" fmla="*/ 4043088 w 10853928"/>
+              <a:gd name="connsiteY28" fmla="*/ 18288 h 18288"/>
+              <a:gd name="connsiteX29" fmla="*/ 3690336 w 10853928"/>
+              <a:gd name="connsiteY29" fmla="*/ 18288 h 18288"/>
+              <a:gd name="connsiteX30" fmla="*/ 3120504 w 10853928"/>
+              <a:gd name="connsiteY30" fmla="*/ 18288 h 18288"/>
+              <a:gd name="connsiteX31" fmla="*/ 2333595 w 10853928"/>
+              <a:gd name="connsiteY31" fmla="*/ 18288 h 18288"/>
+              <a:gd name="connsiteX32" fmla="*/ 1872303 w 10853928"/>
+              <a:gd name="connsiteY32" fmla="*/ 18288 h 18288"/>
+              <a:gd name="connsiteX33" fmla="*/ 976854 w 10853928"/>
+              <a:gd name="connsiteY33" fmla="*/ 18288 h 18288"/>
+              <a:gd name="connsiteX34" fmla="*/ 0 w 10853928"/>
+              <a:gd name="connsiteY34" fmla="*/ 18288 h 18288"/>
+              <a:gd name="connsiteX35" fmla="*/ 0 w 10853928"/>
+              <a:gd name="connsiteY35" fmla="*/ 0 h 18288"/>
+            </a:gdLst>
+            <a:ahLst/>
+            <a:cxnLst>
+              <a:cxn ang="0">
+                <a:pos x="connsiteX0" y="connsiteY0"/>
+              </a:cxn>
+              <a:cxn ang="0">
+                <a:pos x="connsiteX1" y="connsiteY1"/>
+              </a:cxn>
+              <a:cxn ang="0">
+                <a:pos x="connsiteX2" y="connsiteY2"/>
+              </a:cxn>
+              <a:cxn ang="0">
+                <a:pos x="connsiteX3" y="connsiteY3"/>
+              </a:cxn>
+              <a:cxn ang="0">
+                <a:pos x="connsiteX4" y="connsiteY4"/>
+              </a:cxn>
+              <a:cxn ang="0">
+                <a:pos x="connsiteX5" y="connsiteY5"/>
+              </a:cxn>
+              <a:cxn ang="0">
+                <a:pos x="connsiteX6" y="connsiteY6"/>
+              </a:cxn>
+              <a:cxn ang="0">
+                <a:pos x="connsiteX7" y="connsiteY7"/>
+              </a:cxn>
+              <a:cxn ang="0">
+                <a:pos x="connsiteX8" y="connsiteY8"/>
+              </a:cxn>
+              <a:cxn ang="0">
+                <a:pos x="connsiteX9" y="connsiteY9"/>
+              </a:cxn>
+              <a:cxn ang="0">
+                <a:pos x="connsiteX10" y="connsiteY10"/>
+              </a:cxn>
+              <a:cxn ang="0">
+                <a:pos x="connsiteX11" y="connsiteY11"/>
+              </a:cxn>
+              <a:cxn ang="0">
+                <a:pos x="connsiteX12" y="connsiteY12"/>
+              </a:cxn>
+              <a:cxn ang="0">
+                <a:pos x="connsiteX13" y="connsiteY13"/>
+              </a:cxn>
+              <a:cxn ang="0">
+                <a:pos x="connsiteX14" y="connsiteY14"/>
+              </a:cxn>
+              <a:cxn ang="0">
+                <a:pos x="connsiteX15" y="connsiteY15"/>
+              </a:cxn>
+              <a:cxn ang="0">
+                <a:pos x="connsiteX16" y="connsiteY16"/>
+              </a:cxn>
+              <a:cxn ang="0">
+                <a:pos x="connsiteX17" y="connsiteY17"/>
+              </a:cxn>
+              <a:cxn ang="0">
+                <a:pos x="connsiteX18" y="connsiteY18"/>
+              </a:cxn>
+              <a:cxn ang="0">
+                <a:pos x="connsiteX19" y="connsiteY19"/>
+              </a:cxn>
+              <a:cxn ang="0">
+                <a:pos x="connsiteX20" y="connsiteY20"/>
+              </a:cxn>
+              <a:cxn ang="0">
+                <a:pos x="connsiteX21" y="connsiteY21"/>
+              </a:cxn>
+              <a:cxn ang="0">
+                <a:pos x="connsiteX22" y="connsiteY22"/>
+              </a:cxn>
+              <a:cxn ang="0">
+                <a:pos x="connsiteX23" y="connsiteY23"/>
+              </a:cxn>
+              <a:cxn ang="0">
+                <a:pos x="connsiteX24" y="connsiteY24"/>
+              </a:cxn>
+              <a:cxn ang="0">
+                <a:pos x="connsiteX25" y="connsiteY25"/>
+              </a:cxn>
+              <a:cxn ang="0">
+                <a:pos x="connsiteX26" y="connsiteY26"/>
+              </a:cxn>
+              <a:cxn ang="0">
+                <a:pos x="connsiteX27" y="connsiteY27"/>
+              </a:cxn>
+              <a:cxn ang="0">
+                <a:pos x="connsiteX28" y="connsiteY28"/>
+              </a:cxn>
+              <a:cxn ang="0">
+                <a:pos x="connsiteX29" y="connsiteY29"/>
+              </a:cxn>
+              <a:cxn ang="0">
+                <a:pos x="connsiteX30" y="connsiteY30"/>
+              </a:cxn>
+              <a:cxn ang="0">
+                <a:pos x="connsiteX31" y="connsiteY31"/>
+              </a:cxn>
+              <a:cxn ang="0">
+                <a:pos x="connsiteX32" y="connsiteY32"/>
+              </a:cxn>
+              <a:cxn ang="0">
+                <a:pos x="connsiteX33" y="connsiteY33"/>
+              </a:cxn>
+              <a:cxn ang="0">
+                <a:pos x="connsiteX34" y="connsiteY34"/>
+              </a:cxn>
+              <a:cxn ang="0">
+                <a:pos x="connsiteX35" y="connsiteY35"/>
+              </a:cxn>
+            </a:cxnLst>
+            <a:rect l="l" t="t" r="r" b="b"/>
+            <a:pathLst>
+              <a:path w="10853928" h="18288" fill="none" extrusionOk="0">
+                <a:moveTo>
+                  <a:pt x="0" y="0"/>
+                </a:moveTo>
+                <a:cubicBezTo>
+                  <a:pt x="146993" y="-19076"/>
+                  <a:pt x="347684" y="-4790"/>
+                  <a:pt x="461292" y="0"/>
+                </a:cubicBezTo>
+                <a:cubicBezTo>
+                  <a:pt x="574900" y="4790"/>
+                  <a:pt x="808367" y="19821"/>
+                  <a:pt x="1139662" y="0"/>
+                </a:cubicBezTo>
+                <a:cubicBezTo>
+                  <a:pt x="1470957" y="-19821"/>
+                  <a:pt x="1627405" y="5721"/>
+                  <a:pt x="1926572" y="0"/>
+                </a:cubicBezTo>
+                <a:cubicBezTo>
+                  <a:pt x="2225739" y="-5721"/>
+                  <a:pt x="2137730" y="-3235"/>
+                  <a:pt x="2279325" y="0"/>
+                </a:cubicBezTo>
+                <a:cubicBezTo>
+                  <a:pt x="2420920" y="3235"/>
+                  <a:pt x="2456518" y="9685"/>
+                  <a:pt x="2632078" y="0"/>
+                </a:cubicBezTo>
+                <a:cubicBezTo>
+                  <a:pt x="2807638" y="-9685"/>
+                  <a:pt x="3211516" y="-43007"/>
+                  <a:pt x="3527527" y="0"/>
+                </a:cubicBezTo>
+                <a:cubicBezTo>
+                  <a:pt x="3843538" y="43007"/>
+                  <a:pt x="4058833" y="22042"/>
+                  <a:pt x="4205897" y="0"/>
+                </a:cubicBezTo>
+                <a:cubicBezTo>
+                  <a:pt x="4352961" y="-22042"/>
+                  <a:pt x="4474805" y="-11846"/>
+                  <a:pt x="4558650" y="0"/>
+                </a:cubicBezTo>
+                <a:cubicBezTo>
+                  <a:pt x="4642495" y="11846"/>
+                  <a:pt x="5041928" y="-6069"/>
+                  <a:pt x="5237020" y="0"/>
+                </a:cubicBezTo>
+                <a:cubicBezTo>
+                  <a:pt x="5432112" y="6069"/>
+                  <a:pt x="5943266" y="-17479"/>
+                  <a:pt x="6132469" y="0"/>
+                </a:cubicBezTo>
+                <a:cubicBezTo>
+                  <a:pt x="6321672" y="17479"/>
+                  <a:pt x="6483872" y="26234"/>
+                  <a:pt x="6702301" y="0"/>
+                </a:cubicBezTo>
+                <a:cubicBezTo>
+                  <a:pt x="6920730" y="-26234"/>
+                  <a:pt x="6991194" y="-15156"/>
+                  <a:pt x="7272132" y="0"/>
+                </a:cubicBezTo>
+                <a:cubicBezTo>
+                  <a:pt x="7553070" y="15156"/>
+                  <a:pt x="7684444" y="-32961"/>
+                  <a:pt x="7950502" y="0"/>
+                </a:cubicBezTo>
+                <a:cubicBezTo>
+                  <a:pt x="8216560" y="32961"/>
+                  <a:pt x="8493290" y="-10491"/>
+                  <a:pt x="8737412" y="0"/>
+                </a:cubicBezTo>
+                <a:cubicBezTo>
+                  <a:pt x="8981534" y="10491"/>
+                  <a:pt x="9191586" y="-13899"/>
+                  <a:pt x="9524322" y="0"/>
+                </a:cubicBezTo>
+                <a:cubicBezTo>
+                  <a:pt x="9857058" y="13899"/>
+                  <a:pt x="10297509" y="7485"/>
+                  <a:pt x="10853928" y="0"/>
+                </a:cubicBezTo>
+                <a:cubicBezTo>
+                  <a:pt x="10854574" y="4451"/>
+                  <a:pt x="10854418" y="9226"/>
+                  <a:pt x="10853928" y="18288"/>
+                </a:cubicBezTo>
+                <a:cubicBezTo>
+                  <a:pt x="10691638" y="28522"/>
+                  <a:pt x="10574319" y="29578"/>
+                  <a:pt x="10392636" y="18288"/>
+                </a:cubicBezTo>
+                <a:cubicBezTo>
+                  <a:pt x="10210953" y="6998"/>
+                  <a:pt x="9836277" y="-16742"/>
+                  <a:pt x="9497187" y="18288"/>
+                </a:cubicBezTo>
+                <a:cubicBezTo>
+                  <a:pt x="9158097" y="53318"/>
+                  <a:pt x="9119479" y="30714"/>
+                  <a:pt x="8818817" y="18288"/>
+                </a:cubicBezTo>
+                <a:cubicBezTo>
+                  <a:pt x="8518155" y="5863"/>
+                  <a:pt x="8640037" y="6483"/>
+                  <a:pt x="8466064" y="18288"/>
+                </a:cubicBezTo>
+                <a:cubicBezTo>
+                  <a:pt x="8292091" y="30093"/>
+                  <a:pt x="7997656" y="18914"/>
+                  <a:pt x="7787693" y="18288"/>
+                </a:cubicBezTo>
+                <a:cubicBezTo>
+                  <a:pt x="7577730" y="17662"/>
+                  <a:pt x="7412468" y="21416"/>
+                  <a:pt x="7217862" y="18288"/>
+                </a:cubicBezTo>
+                <a:cubicBezTo>
+                  <a:pt x="7023256" y="15160"/>
+                  <a:pt x="6898018" y="14824"/>
+                  <a:pt x="6648031" y="18288"/>
+                </a:cubicBezTo>
+                <a:cubicBezTo>
+                  <a:pt x="6398044" y="21752"/>
+                  <a:pt x="6254402" y="38625"/>
+                  <a:pt x="6078200" y="18288"/>
+                </a:cubicBezTo>
+                <a:cubicBezTo>
+                  <a:pt x="5901998" y="-2049"/>
+                  <a:pt x="5622886" y="3213"/>
+                  <a:pt x="5508368" y="18288"/>
+                </a:cubicBezTo>
+                <a:cubicBezTo>
+                  <a:pt x="5393850" y="33363"/>
+                  <a:pt x="5036260" y="26830"/>
+                  <a:pt x="4721459" y="18288"/>
+                </a:cubicBezTo>
+                <a:cubicBezTo>
+                  <a:pt x="4406658" y="9746"/>
+                  <a:pt x="4239221" y="41551"/>
+                  <a:pt x="4043088" y="18288"/>
+                </a:cubicBezTo>
+                <a:cubicBezTo>
+                  <a:pt x="3846955" y="-4975"/>
+                  <a:pt x="3818802" y="34658"/>
+                  <a:pt x="3690336" y="18288"/>
+                </a:cubicBezTo>
+                <a:cubicBezTo>
+                  <a:pt x="3561870" y="1918"/>
+                  <a:pt x="3265491" y="42194"/>
+                  <a:pt x="3120504" y="18288"/>
+                </a:cubicBezTo>
+                <a:cubicBezTo>
+                  <a:pt x="2975517" y="-5618"/>
+                  <a:pt x="2720254" y="36673"/>
+                  <a:pt x="2333595" y="18288"/>
+                </a:cubicBezTo>
+                <a:cubicBezTo>
+                  <a:pt x="1946936" y="-97"/>
+                  <a:pt x="2097241" y="5776"/>
+                  <a:pt x="1872303" y="18288"/>
+                </a:cubicBezTo>
+                <a:cubicBezTo>
+                  <a:pt x="1647365" y="30800"/>
+                  <a:pt x="1282708" y="45380"/>
+                  <a:pt x="976854" y="18288"/>
+                </a:cubicBezTo>
+                <a:cubicBezTo>
+                  <a:pt x="671000" y="-8804"/>
+                  <a:pt x="408401" y="-12775"/>
+                  <a:pt x="0" y="18288"/>
+                </a:cubicBezTo>
+                <a:cubicBezTo>
+                  <a:pt x="-213" y="9468"/>
+                  <a:pt x="187" y="4459"/>
+                  <a:pt x="0" y="0"/>
+                </a:cubicBezTo>
+                <a:close/>
+              </a:path>
+              <a:path w="10853928" h="18288" stroke="0" extrusionOk="0">
+                <a:moveTo>
+                  <a:pt x="0" y="0"/>
+                </a:moveTo>
+                <a:cubicBezTo>
+                  <a:pt x="267322" y="15284"/>
+                  <a:pt x="415388" y="-21048"/>
+                  <a:pt x="569831" y="0"/>
+                </a:cubicBezTo>
+                <a:cubicBezTo>
+                  <a:pt x="724274" y="21048"/>
+                  <a:pt x="769333" y="-2353"/>
+                  <a:pt x="922584" y="0"/>
+                </a:cubicBezTo>
+                <a:cubicBezTo>
+                  <a:pt x="1075835" y="2353"/>
+                  <a:pt x="1399490" y="-145"/>
+                  <a:pt x="1818033" y="0"/>
+                </a:cubicBezTo>
+                <a:cubicBezTo>
+                  <a:pt x="2236576" y="145"/>
+                  <a:pt x="2145330" y="5482"/>
+                  <a:pt x="2387864" y="0"/>
+                </a:cubicBezTo>
+                <a:cubicBezTo>
+                  <a:pt x="2630398" y="-5482"/>
+                  <a:pt x="2793207" y="18487"/>
+                  <a:pt x="2957695" y="0"/>
+                </a:cubicBezTo>
+                <a:cubicBezTo>
+                  <a:pt x="3122183" y="-18487"/>
+                  <a:pt x="3579141" y="19003"/>
+                  <a:pt x="3853144" y="0"/>
+                </a:cubicBezTo>
+                <a:cubicBezTo>
+                  <a:pt x="4127147" y="-19003"/>
+                  <a:pt x="4209857" y="12211"/>
+                  <a:pt x="4314436" y="0"/>
+                </a:cubicBezTo>
+                <a:cubicBezTo>
+                  <a:pt x="4419015" y="-12211"/>
+                  <a:pt x="4762459" y="-17220"/>
+                  <a:pt x="5209885" y="0"/>
+                </a:cubicBezTo>
+                <a:cubicBezTo>
+                  <a:pt x="5657311" y="17220"/>
+                  <a:pt x="5692663" y="-3290"/>
+                  <a:pt x="6105335" y="0"/>
+                </a:cubicBezTo>
+                <a:cubicBezTo>
+                  <a:pt x="6518007" y="3290"/>
+                  <a:pt x="6455516" y="-5124"/>
+                  <a:pt x="6783705" y="0"/>
+                </a:cubicBezTo>
+                <a:cubicBezTo>
+                  <a:pt x="7111894" y="5124"/>
+                  <a:pt x="7441941" y="-17829"/>
+                  <a:pt x="7679154" y="0"/>
+                </a:cubicBezTo>
+                <a:cubicBezTo>
+                  <a:pt x="7916367" y="17829"/>
+                  <a:pt x="8102967" y="-24363"/>
+                  <a:pt x="8248985" y="0"/>
+                </a:cubicBezTo>
+                <a:cubicBezTo>
+                  <a:pt x="8395003" y="24363"/>
+                  <a:pt x="8552393" y="25505"/>
+                  <a:pt x="8818817" y="0"/>
+                </a:cubicBezTo>
+                <a:cubicBezTo>
+                  <a:pt x="9085241" y="-25505"/>
+                  <a:pt x="9411308" y="38000"/>
+                  <a:pt x="9605726" y="0"/>
+                </a:cubicBezTo>
+                <a:cubicBezTo>
+                  <a:pt x="9800144" y="-38000"/>
+                  <a:pt x="10006468" y="-25741"/>
+                  <a:pt x="10175558" y="0"/>
+                </a:cubicBezTo>
+                <a:cubicBezTo>
+                  <a:pt x="10344648" y="25741"/>
+                  <a:pt x="10696282" y="695"/>
+                  <a:pt x="10853928" y="0"/>
+                </a:cubicBezTo>
+                <a:cubicBezTo>
+                  <a:pt x="10853521" y="8690"/>
+                  <a:pt x="10853774" y="14141"/>
+                  <a:pt x="10853928" y="18288"/>
+                </a:cubicBezTo>
+                <a:cubicBezTo>
+                  <a:pt x="10608124" y="24255"/>
+                  <a:pt x="10343415" y="22307"/>
+                  <a:pt x="10067018" y="18288"/>
+                </a:cubicBezTo>
+                <a:cubicBezTo>
+                  <a:pt x="9790621" y="14270"/>
+                  <a:pt x="9843266" y="3564"/>
+                  <a:pt x="9714266" y="18288"/>
+                </a:cubicBezTo>
+                <a:cubicBezTo>
+                  <a:pt x="9585266" y="33012"/>
+                  <a:pt x="9379484" y="1875"/>
+                  <a:pt x="9252974" y="18288"/>
+                </a:cubicBezTo>
+                <a:cubicBezTo>
+                  <a:pt x="9126464" y="34701"/>
+                  <a:pt x="8580678" y="-4904"/>
+                  <a:pt x="8357525" y="18288"/>
+                </a:cubicBezTo>
+                <a:cubicBezTo>
+                  <a:pt x="8134372" y="41480"/>
+                  <a:pt x="7903199" y="26458"/>
+                  <a:pt x="7679154" y="18288"/>
+                </a:cubicBezTo>
+                <a:cubicBezTo>
+                  <a:pt x="7455109" y="10118"/>
+                  <a:pt x="7435944" y="27109"/>
+                  <a:pt x="7217862" y="18288"/>
+                </a:cubicBezTo>
+                <a:cubicBezTo>
+                  <a:pt x="6999780" y="9467"/>
+                  <a:pt x="6680409" y="18985"/>
+                  <a:pt x="6539492" y="18288"/>
+                </a:cubicBezTo>
+                <a:cubicBezTo>
+                  <a:pt x="6398575" y="17592"/>
+                  <a:pt x="6312077" y="33018"/>
+                  <a:pt x="6186739" y="18288"/>
+                </a:cubicBezTo>
+                <a:cubicBezTo>
+                  <a:pt x="6061401" y="3558"/>
+                  <a:pt x="5947033" y="12075"/>
+                  <a:pt x="5833986" y="18288"/>
+                </a:cubicBezTo>
+                <a:cubicBezTo>
+                  <a:pt x="5720939" y="24501"/>
+                  <a:pt x="5482226" y="8586"/>
+                  <a:pt x="5155616" y="18288"/>
+                </a:cubicBezTo>
+                <a:cubicBezTo>
+                  <a:pt x="4829006" y="27991"/>
+                  <a:pt x="4841274" y="29316"/>
+                  <a:pt x="4694324" y="18288"/>
+                </a:cubicBezTo>
+                <a:cubicBezTo>
+                  <a:pt x="4547374" y="7260"/>
+                  <a:pt x="4077675" y="7013"/>
+                  <a:pt x="3907414" y="18288"/>
+                </a:cubicBezTo>
+                <a:cubicBezTo>
+                  <a:pt x="3737153" y="29564"/>
+                  <a:pt x="3538393" y="21630"/>
+                  <a:pt x="3446122" y="18288"/>
+                </a:cubicBezTo>
+                <a:cubicBezTo>
+                  <a:pt x="3353851" y="14946"/>
+                  <a:pt x="2990320" y="-8091"/>
+                  <a:pt x="2659212" y="18288"/>
+                </a:cubicBezTo>
+                <a:cubicBezTo>
+                  <a:pt x="2328104" y="44667"/>
+                  <a:pt x="2427653" y="9607"/>
+                  <a:pt x="2306460" y="18288"/>
+                </a:cubicBezTo>
+                <a:cubicBezTo>
+                  <a:pt x="2185267" y="26969"/>
+                  <a:pt x="1719763" y="3717"/>
+                  <a:pt x="1519550" y="18288"/>
+                </a:cubicBezTo>
+                <a:cubicBezTo>
+                  <a:pt x="1319337" y="32860"/>
+                  <a:pt x="1167371" y="17040"/>
+                  <a:pt x="1058258" y="18288"/>
+                </a:cubicBezTo>
+                <a:cubicBezTo>
+                  <a:pt x="949145" y="19536"/>
+                  <a:pt x="780234" y="31447"/>
+                  <a:pt x="705505" y="18288"/>
+                </a:cubicBezTo>
+                <a:cubicBezTo>
+                  <a:pt x="630776" y="5129"/>
+                  <a:pt x="215796" y="30056"/>
+                  <a:pt x="0" y="18288"/>
+                </a:cubicBezTo>
+                <a:cubicBezTo>
+                  <a:pt x="-53" y="11301"/>
+                  <a:pt x="-649" y="7756"/>
+                  <a:pt x="0" y="0"/>
+                </a:cubicBezTo>
+                <a:close/>
+              </a:path>
+            </a:pathLst>
+          </a:custGeom>
+          <a:solidFill>
+            <a:schemeClr val="accent2"/>
+          </a:solidFill>
+          <a:ln w="41275" cap="rnd">
+            <a:solidFill>
+              <a:schemeClr val="accent2"/>
+            </a:solidFill>
+            <a:round/>
+            <a:extLst>
+              <a:ext uri="{C807C97D-BFC1-408E-A445-0C87EB9F89A2}">
+                <ask:lineSketchStyleProps xmlns:ask="http://schemas.microsoft.com/office/drawing/2018/sketchyshapes" sd="1219033472">
+                  <a:prstGeom prst="rect">
+                    <a:avLst/>
+                  </a:prstGeom>
+                  <ask:type>
+                    <ask:lineSketchFreehand/>
+                  </ask:type>
+                </ask:lineSketchStyleProps>
+              </a:ext>
+            </a:extLst>
+          </a:ln>
+        </p:spPr>
+        <p:style>
+          <a:lnRef idx="2">
+            <a:schemeClr val="accent1">
+              <a:shade val="50000"/>
+            </a:schemeClr>
+          </a:lnRef>
+          <a:fillRef idx="1">
+            <a:schemeClr val="accent1"/>
+          </a:fillRef>
+          <a:effectRef idx="0">
+            <a:schemeClr val="accent1"/>
+          </a:effectRef>
+          <a:fontRef idx="minor">
+            <a:schemeClr val="lt1"/>
+          </a:fontRef>
+        </p:style>
+        <p:txBody>
+          <a:bodyPr rtlCol="0" anchor="ctr"/>
+          <a:lstStyle/>
+          <a:p>
+            <a:pPr algn="ctr"/>
+            <a:endParaRPr lang="en-US"/>
+          </a:p>
+        </p:txBody>
+      </p:sp>
+      <p:sp>
+        <p:nvSpPr>
+          <p:cNvPr id="3" name="Text Placeholder 2">
+            <a:extLst>
+              <a:ext uri="{FF2B5EF4-FFF2-40B4-BE49-F238E27FC236}">
+                <a16:creationId xmlns:a16="http://schemas.microsoft.com/office/drawing/2014/main" id="{10753B89-92D3-B68E-6677-4B110218632E}"/>
+              </a:ext>
+            </a:extLst>
+          </p:cNvPr>
+          <p:cNvSpPr>
+            <a:spLocks noGrp="1"/>
+          </p:cNvSpPr>
+          <p:nvPr>
+            <p:ph type="body" idx="1"/>
+          </p:nvPr>
+        </p:nvSpPr>
+        <p:spPr>
+          <a:xfrm>
+            <a:off x="838200" y="1929384"/>
+            <a:ext cx="10515600" cy="4251960"/>
+          </a:xfrm>
+        </p:spPr>
+        <p:txBody>
+          <a:bodyPr vert="horz" lIns="91440" tIns="45720" rIns="91440" bIns="45720" rtlCol="0">
+            <a:normAutofit/>
+          </a:bodyPr>
+          <a:lstStyle/>
+          <a:p>
+            <a:pPr indent="-228600">
+              <a:spcAft>
+                <a:spcPts val="600"/>
+              </a:spcAft>
+              <a:buFont typeface="Arial" panose="020B0604020202020204" pitchFamily="34" charset="0"/>
+              <a:buChar char="•"/>
+            </a:pPr>
+            <a:r>
+              <a:rPr lang="en-US" sz="2200"/>
+              <a:t>Error: An error occurred (AuthFailure) when calling the DescribeInstances operation: AWS was not able to validate the provided access credentials.</a:t>
+            </a:r>
+          </a:p>
+          <a:p>
+            <a:pPr indent="-228600">
+              <a:spcAft>
+                <a:spcPts val="600"/>
+              </a:spcAft>
+              <a:buFont typeface="Arial" panose="020B0604020202020204" pitchFamily="34" charset="0"/>
+              <a:buChar char="•"/>
+            </a:pPr>
+            <a:endParaRPr lang="en-US" sz="2200"/>
+          </a:p>
+          <a:p>
+            <a:pPr indent="-228600">
+              <a:spcAft>
+                <a:spcPts val="600"/>
+              </a:spcAft>
+              <a:buFont typeface="Arial" panose="020B0604020202020204" pitchFamily="34" charset="0"/>
+              <a:buChar char="•"/>
+            </a:pPr>
+            <a:r>
+              <a:rPr lang="en-US" sz="2200"/>
+              <a:t>Two options to solve:</a:t>
+            </a:r>
+          </a:p>
+          <a:p>
+            <a:pPr lvl="1" indent="-228600">
+              <a:spcAft>
+                <a:spcPts val="600"/>
+              </a:spcAft>
+              <a:buFont typeface="Arial" panose="020B0604020202020204" pitchFamily="34" charset="0"/>
+              <a:buChar char="•"/>
+            </a:pPr>
+            <a:r>
+              <a:rPr lang="en-US" sz="2200"/>
+              <a:t>Use the Regional STS Endpoin (any region) which will return STS Tokens Version 2. Use the closes regional endpoint for lowest latency.</a:t>
+            </a:r>
+          </a:p>
+          <a:p>
+            <a:pPr lvl="1" indent="-228600">
+              <a:spcAft>
+                <a:spcPts val="600"/>
+              </a:spcAft>
+              <a:buFont typeface="Arial" panose="020B0604020202020204" pitchFamily="34" charset="0"/>
+              <a:buChar char="•"/>
+            </a:pPr>
+            <a:r>
+              <a:rPr lang="en-US" sz="2200"/>
+              <a:t>By default, the AWS STS calls to the STS global endpoint issues session tokens which are Version 1 (default regions). You can configure STS global endpoint to issue STS tokens Version 2 (all regions).</a:t>
+            </a:r>
+          </a:p>
+        </p:txBody>
+      </p:sp>
+    </p:spTree>
+    <p:extLst>
+      <p:ext uri="{BB962C8B-B14F-4D97-AF65-F5344CB8AC3E}">
+        <p14:creationId xmlns:p14="http://schemas.microsoft.com/office/powerpoint/2010/main" val="1769739476"/>
+      </p:ext>
+    </p:extLst>
   </p:cSld>
   <p:clrMapOvr>
     <a:masterClrMapping/>

--- a/lecture-materials/Security/sts/sts.pptx
+++ b/lecture-materials/Security/sts/sts.pptx
@@ -203,7 +203,7 @@
           <a:p>
             <a:fld id="{7E7CC8E9-B0B9-B849-94EA-BFA9A1C4EC86}" type="datetimeFigureOut">
               <a:rPr lang="en-CH" smtClean="0"/>
-              <a:t>26.12.2023</a:t>
+              <a:t>12.02.2024</a:t>
             </a:fld>
             <a:endParaRPr lang="en-CH"/>
           </a:p>
@@ -937,7 +937,7 @@
           <a:p>
             <a:fld id="{322C9020-58D6-4B4B-AE71-CBBD8D6FD410}" type="datetimeFigureOut">
               <a:rPr lang="en-CH" smtClean="0"/>
-              <a:t>26.12.2023</a:t>
+              <a:t>12.02.2024</a:t>
             </a:fld>
             <a:endParaRPr lang="en-CH"/>
           </a:p>
@@ -1137,7 +1137,7 @@
           <a:p>
             <a:fld id="{322C9020-58D6-4B4B-AE71-CBBD8D6FD410}" type="datetimeFigureOut">
               <a:rPr lang="en-CH" smtClean="0"/>
-              <a:t>26.12.2023</a:t>
+              <a:t>12.02.2024</a:t>
             </a:fld>
             <a:endParaRPr lang="en-CH"/>
           </a:p>
@@ -1347,7 +1347,7 @@
           <a:p>
             <a:fld id="{322C9020-58D6-4B4B-AE71-CBBD8D6FD410}" type="datetimeFigureOut">
               <a:rPr lang="en-CH" smtClean="0"/>
-              <a:t>26.12.2023</a:t>
+              <a:t>12.02.2024</a:t>
             </a:fld>
             <a:endParaRPr lang="en-CH"/>
           </a:p>
@@ -1946,7 +1946,7 @@
           <a:p>
             <a:fld id="{322C9020-58D6-4B4B-AE71-CBBD8D6FD410}" type="datetimeFigureOut">
               <a:rPr lang="en-CH" smtClean="0"/>
-              <a:t>26.12.2023</a:t>
+              <a:t>12.02.2024</a:t>
             </a:fld>
             <a:endParaRPr lang="en-CH"/>
           </a:p>
@@ -2222,7 +2222,7 @@
           <a:p>
             <a:fld id="{322C9020-58D6-4B4B-AE71-CBBD8D6FD410}" type="datetimeFigureOut">
               <a:rPr lang="en-CH" smtClean="0"/>
-              <a:t>26.12.2023</a:t>
+              <a:t>12.02.2024</a:t>
             </a:fld>
             <a:endParaRPr lang="en-CH"/>
           </a:p>
@@ -2490,7 +2490,7 @@
           <a:p>
             <a:fld id="{322C9020-58D6-4B4B-AE71-CBBD8D6FD410}" type="datetimeFigureOut">
               <a:rPr lang="en-CH" smtClean="0"/>
-              <a:t>26.12.2023</a:t>
+              <a:t>12.02.2024</a:t>
             </a:fld>
             <a:endParaRPr lang="en-CH"/>
           </a:p>
@@ -2905,7 +2905,7 @@
           <a:p>
             <a:fld id="{322C9020-58D6-4B4B-AE71-CBBD8D6FD410}" type="datetimeFigureOut">
               <a:rPr lang="en-CH" smtClean="0"/>
-              <a:t>26.12.2023</a:t>
+              <a:t>12.02.2024</a:t>
             </a:fld>
             <a:endParaRPr lang="en-CH"/>
           </a:p>
@@ -3047,7 +3047,7 @@
           <a:p>
             <a:fld id="{322C9020-58D6-4B4B-AE71-CBBD8D6FD410}" type="datetimeFigureOut">
               <a:rPr lang="en-CH" smtClean="0"/>
-              <a:t>26.12.2023</a:t>
+              <a:t>12.02.2024</a:t>
             </a:fld>
             <a:endParaRPr lang="en-CH"/>
           </a:p>
@@ -3160,7 +3160,7 @@
           <a:p>
             <a:fld id="{322C9020-58D6-4B4B-AE71-CBBD8D6FD410}" type="datetimeFigureOut">
               <a:rPr lang="en-CH" smtClean="0"/>
-              <a:t>26.12.2023</a:t>
+              <a:t>12.02.2024</a:t>
             </a:fld>
             <a:endParaRPr lang="en-CH"/>
           </a:p>
@@ -3473,7 +3473,7 @@
           <a:p>
             <a:fld id="{322C9020-58D6-4B4B-AE71-CBBD8D6FD410}" type="datetimeFigureOut">
               <a:rPr lang="en-CH" smtClean="0"/>
-              <a:t>26.12.2023</a:t>
+              <a:t>12.02.2024</a:t>
             </a:fld>
             <a:endParaRPr lang="en-CH"/>
           </a:p>
@@ -3762,7 +3762,7 @@
           <a:p>
             <a:fld id="{322C9020-58D6-4B4B-AE71-CBBD8D6FD410}" type="datetimeFigureOut">
               <a:rPr lang="en-CH" smtClean="0"/>
-              <a:t>26.12.2023</a:t>
+              <a:t>12.02.2024</a:t>
             </a:fld>
             <a:endParaRPr lang="en-CH"/>
           </a:p>
@@ -4005,7 +4005,7 @@
           <a:p>
             <a:fld id="{322C9020-58D6-4B4B-AE71-CBBD8D6FD410}" type="datetimeFigureOut">
               <a:rPr lang="en-CH" smtClean="0"/>
-              <a:t>26.12.2023</a:t>
+              <a:t>12.02.2024</a:t>
             </a:fld>
             <a:endParaRPr lang="en-CH"/>
           </a:p>
@@ -9071,7 +9071,7 @@
               <a:buChar char="•"/>
             </a:pPr>
             <a:r>
-              <a:rPr lang="en-US" sz="1900"/>
+              <a:rPr lang="en-US" sz="1900" dirty="0"/>
               <a:t>STS Version 1</a:t>
             </a:r>
           </a:p>
@@ -9084,9 +9084,14 @@
               <a:buChar char="•"/>
             </a:pPr>
             <a:r>
-              <a:rPr lang="en-US" sz="1900"/>
-              <a:t>By default, STS is available as Global singe endpoint https://sts.amazonaws.com</a:t>
-            </a:r>
+              <a:rPr lang="en-US" sz="1900" dirty="0"/>
+              <a:t>By default, STS is available as Global singe endpoint https://</a:t>
+            </a:r>
+            <a:r>
+              <a:rPr lang="en-US" sz="1900" dirty="0" err="1"/>
+              <a:t>sts.amazonaws.com</a:t>
+            </a:r>
+            <a:endParaRPr lang="en-US" sz="1900" dirty="0"/>
           </a:p>
           <a:p>
             <a:pPr lvl="1" indent="-228600">
@@ -9097,7 +9102,7 @@
               <a:buChar char="•"/>
             </a:pPr>
             <a:r>
-              <a:rPr lang="en-US" sz="1900"/>
+              <a:rPr lang="en-US" sz="1900" dirty="0"/>
               <a:t>Only support AWS Regions that are enabled by default.</a:t>
             </a:r>
           </a:p>
@@ -9110,10 +9115,10 @@
               <a:buChar char="•"/>
             </a:pPr>
             <a:r>
-              <a:rPr lang="en-US" sz="1900" b="0" i="0">
+              <a:rPr lang="en-US" sz="1900" b="0" i="0" dirty="0">
                 <a:effectLst/>
               </a:rPr>
-              <a:t>Version 1 tokens are valid only in AWS Regions that are available by default. These tokens do not work in manually enabled Regions, such as Asia Pacific (Hong Kong). Version 2 tokens are valid in all Regions. However, version 2 tokens include more characters and might affect systems where you temporarily store tokens.</a:t>
+              <a:t>Version 1 tokens are valid only in AWS Regions that are available by default. These tokens do not work in manually enabled Regions, such as Asia Pacific (Hong Kong). </a:t>
             </a:r>
           </a:p>
           <a:p>
@@ -9125,7 +9130,22 @@
               <a:buChar char="•"/>
             </a:pPr>
             <a:r>
-              <a:rPr lang="en-US" sz="1900"/>
+              <a:rPr lang="en-US" sz="1900" b="0" i="0" dirty="0">
+                <a:effectLst/>
+              </a:rPr>
+              <a:t>Version 2 tokens are valid in all Regions. However, version 2 tokens include more characters and might affect systems where you temporarily store tokens.</a:t>
+            </a:r>
+          </a:p>
+          <a:p>
+            <a:pPr indent="-228600">
+              <a:spcAft>
+                <a:spcPts val="600"/>
+              </a:spcAft>
+              <a:buFont typeface="Arial" panose="020B0604020202020204" pitchFamily="34" charset="0"/>
+              <a:buChar char="•"/>
+            </a:pPr>
+            <a:r>
+              <a:rPr lang="en-US" sz="1900" dirty="0"/>
               <a:t>STS Version 2</a:t>
             </a:r>
           </a:p>
@@ -9138,7 +9158,7 @@
               <a:buChar char="•"/>
             </a:pPr>
             <a:r>
-              <a:rPr lang="en-US" sz="1900"/>
+              <a:rPr lang="en-US" sz="1900" dirty="0"/>
               <a:t>Version 1 tokens DO NOT WORK for new AWS Regions</a:t>
             </a:r>
           </a:p>
@@ -9151,7 +9171,7 @@
               <a:buChar char="•"/>
             </a:pPr>
             <a:r>
-              <a:rPr lang="en-US" sz="1900"/>
+              <a:rPr lang="en-US" sz="1900" dirty="0"/>
               <a:t>Regional STS endpoints is available in all AWS Regions</a:t>
             </a:r>
           </a:p>
@@ -9164,7 +9184,7 @@
               <a:buChar char="•"/>
             </a:pPr>
             <a:r>
-              <a:rPr lang="en-US" sz="1900"/>
+              <a:rPr lang="en-US" sz="1900" dirty="0"/>
               <a:t>Reduce latency, increase session token validity</a:t>
             </a:r>
           </a:p>
@@ -9177,17 +9197,17 @@
               <a:buChar char="•"/>
             </a:pPr>
             <a:r>
-              <a:rPr lang="en-US" sz="1900" b="0" i="0">
+              <a:rPr lang="en-US" sz="1900" b="0" i="0" dirty="0">
                 <a:effectLst/>
               </a:rPr>
               <a:t>STS Session Tokens from regional endpoints (v2) are valid in all AWS regions.</a:t>
             </a:r>
             <a:br>
-              <a:rPr lang="en-US" sz="1900" b="0" i="0">
+              <a:rPr lang="en-US" sz="1900" b="0" i="0" dirty="0">
                 <a:effectLst/>
               </a:rPr>
             </a:br>
-            <a:endParaRPr lang="en-US" sz="1900" b="0" i="0">
+            <a:endParaRPr lang="en-US" sz="1900" b="0" i="0" dirty="0">
               <a:effectLst/>
             </a:endParaRPr>
           </a:p>
@@ -9199,7 +9219,7 @@
               <a:buFont typeface="Arial" panose="020B0604020202020204" pitchFamily="34" charset="0"/>
               <a:buChar char="•"/>
             </a:pPr>
-            <a:endParaRPr lang="en-US" sz="1900"/>
+            <a:endParaRPr lang="en-US" sz="1900" dirty="0"/>
           </a:p>
           <a:p>
             <a:pPr lvl="1" indent="-228600">
@@ -9209,7 +9229,7 @@
               <a:buFont typeface="Arial" panose="020B0604020202020204" pitchFamily="34" charset="0"/>
               <a:buChar char="•"/>
             </a:pPr>
-            <a:endParaRPr lang="en-US" sz="1900"/>
+            <a:endParaRPr lang="en-US" sz="1900" dirty="0"/>
           </a:p>
           <a:p>
             <a:pPr lvl="1" indent="-228600">
@@ -9219,7 +9239,7 @@
               <a:buFont typeface="Arial" panose="020B0604020202020204" pitchFamily="34" charset="0"/>
               <a:buChar char="•"/>
             </a:pPr>
-            <a:endParaRPr lang="en-US" sz="1900"/>
+            <a:endParaRPr lang="en-US" sz="1900" dirty="0"/>
           </a:p>
           <a:p>
             <a:pPr lvl="1" indent="-228600">
@@ -9229,7 +9249,7 @@
               <a:buFont typeface="Arial" panose="020B0604020202020204" pitchFamily="34" charset="0"/>
               <a:buChar char="•"/>
             </a:pPr>
-            <a:endParaRPr lang="en-US" sz="1900"/>
+            <a:endParaRPr lang="en-US" sz="1900" dirty="0"/>
           </a:p>
         </p:txBody>
       </p:sp>
@@ -10052,8 +10072,24 @@
               <a:buChar char="•"/>
             </a:pPr>
             <a:r>
-              <a:rPr lang="en-US" sz="2200"/>
-              <a:t>Error: An error occurred (AuthFailure) when calling the DescribeInstances operation: AWS was not able to validate the provided access credentials.</a:t>
+              <a:rPr lang="en-US" sz="2200" dirty="0"/>
+              <a:t>Error: An error occurred (</a:t>
+            </a:r>
+            <a:r>
+              <a:rPr lang="en-US" sz="2200" dirty="0" err="1"/>
+              <a:t>AuthFailure</a:t>
+            </a:r>
+            <a:r>
+              <a:rPr lang="en-US" sz="2200" dirty="0"/>
+              <a:t>) when calling the </a:t>
+            </a:r>
+            <a:r>
+              <a:rPr lang="en-US" sz="2200" dirty="0" err="1"/>
+              <a:t>DescribeInstances</a:t>
+            </a:r>
+            <a:r>
+              <a:rPr lang="en-US" sz="2200" dirty="0"/>
+              <a:t> operation: AWS was not able to validate the provided access credentials.</a:t>
             </a:r>
           </a:p>
           <a:p>
@@ -10064,7 +10100,7 @@
               <a:buFont typeface="Arial" panose="020B0604020202020204" pitchFamily="34" charset="0"/>
               <a:buChar char="•"/>
             </a:pPr>
-            <a:endParaRPr lang="en-US" sz="2200"/>
+            <a:endParaRPr lang="en-US" sz="2200" dirty="0"/>
           </a:p>
           <a:p>
             <a:pPr indent="-228600">
@@ -10075,7 +10111,7 @@
               <a:buChar char="•"/>
             </a:pPr>
             <a:r>
-              <a:rPr lang="en-US" sz="2200"/>
+              <a:rPr lang="en-US" sz="2200" dirty="0"/>
               <a:t>Two options to solve:</a:t>
             </a:r>
           </a:p>
@@ -10088,8 +10124,8 @@
               <a:buChar char="•"/>
             </a:pPr>
             <a:r>
-              <a:rPr lang="en-US" sz="2200"/>
-              <a:t>Use the Regional STS Endpoin (any region) which will return STS Tokens Version 2. Use the closes regional endpoint for lowest latency.</a:t>
+              <a:rPr lang="en-US" sz="2200" dirty="0"/>
+              <a:t>Use the Regional STS Endpoint (any region) which will return STS Tokens Version 2. Use the closes regional endpoint for lowest latency.</a:t>
             </a:r>
           </a:p>
           <a:p>
@@ -10101,7 +10137,7 @@
               <a:buChar char="•"/>
             </a:pPr>
             <a:r>
-              <a:rPr lang="en-US" sz="2200"/>
+              <a:rPr lang="en-US" sz="2200" dirty="0"/>
               <a:t>By default, the AWS STS calls to the STS global endpoint issues session tokens which are Version 1 (default regions). You can configure STS global endpoint to issue STS tokens Version 2 (all regions).</a:t>
             </a:r>
           </a:p>
